--- a/march/week-1/meeting-3/PPT.pptx
+++ b/march/week-1/meeting-3/PPT.pptx
@@ -6,13 +6,10 @@
   </p:sldMasterIdLst>
   <p:sldIdLst>
     <p:sldId id="256" r:id="rId2"/>
-    <p:sldId id="258" r:id="rId3"/>
-    <p:sldId id="257" r:id="rId4"/>
-    <p:sldId id="261" r:id="rId5"/>
-    <p:sldId id="259" r:id="rId6"/>
-    <p:sldId id="260" r:id="rId7"/>
-    <p:sldId id="262" r:id="rId8"/>
-    <p:sldId id="263" r:id="rId9"/>
+    <p:sldId id="257" r:id="rId3"/>
+    <p:sldId id="258" r:id="rId4"/>
+    <p:sldId id="259" r:id="rId5"/>
+    <p:sldId id="267" r:id="rId6"/>
   </p:sldIdLst>
   <p:sldSz cx="12192000" cy="6858000"/>
   <p:notesSz cx="6858000" cy="9144000"/>
@@ -141,7 +138,7 @@
           <p:cNvPr id="2" name="Title 1">
             <a:extLst>
               <a:ext uri="{FF2B5EF4-FFF2-40B4-BE49-F238E27FC236}">
-                <a16:creationId xmlns:a16="http://schemas.microsoft.com/office/drawing/2014/main" id="{59D9737F-2606-469B-906C-2D0E0228CE3E}"/>
+                <a16:creationId xmlns:a16="http://schemas.microsoft.com/office/drawing/2014/main" id="{6BBA3873-5A3D-4B49-BF3B-2CD080AE81BF}"/>
               </a:ext>
             </a:extLst>
           </p:cNvPr>
@@ -178,7 +175,7 @@
           <p:cNvPr id="3" name="Subtitle 2">
             <a:extLst>
               <a:ext uri="{FF2B5EF4-FFF2-40B4-BE49-F238E27FC236}">
-                <a16:creationId xmlns:a16="http://schemas.microsoft.com/office/drawing/2014/main" id="{DC515915-D6A8-4C46-A8F7-027F2145867B}"/>
+                <a16:creationId xmlns:a16="http://schemas.microsoft.com/office/drawing/2014/main" id="{921507EB-AE24-4E1D-ABA2-FB65A7EEC190}"/>
               </a:ext>
             </a:extLst>
           </p:cNvPr>
@@ -248,7 +245,7 @@
           <p:cNvPr id="4" name="Date Placeholder 3">
             <a:extLst>
               <a:ext uri="{FF2B5EF4-FFF2-40B4-BE49-F238E27FC236}">
-                <a16:creationId xmlns:a16="http://schemas.microsoft.com/office/drawing/2014/main" id="{B7358BA7-D138-4486-A9D0-1FC47D4EB68E}"/>
+                <a16:creationId xmlns:a16="http://schemas.microsoft.com/office/drawing/2014/main" id="{D9C3134E-A861-47E1-A8C3-E63ECA543B77}"/>
               </a:ext>
             </a:extLst>
           </p:cNvPr>
@@ -264,7 +261,7 @@
           <a:bodyPr/>
           <a:lstStyle/>
           <a:p>
-            <a:fld id="{EBCAE3FC-B6EF-44CD-B1B7-F816CCD4BDE2}" type="datetimeFigureOut">
+            <a:fld id="{2F4DA9B3-DF99-4495-91F7-D4A32634DDC1}" type="datetimeFigureOut">
               <a:rPr lang="en-US" smtClean="0"/>
               <a:t>3/1/2022</a:t>
             </a:fld>
@@ -277,7 +274,7 @@
           <p:cNvPr id="5" name="Footer Placeholder 4">
             <a:extLst>
               <a:ext uri="{FF2B5EF4-FFF2-40B4-BE49-F238E27FC236}">
-                <a16:creationId xmlns:a16="http://schemas.microsoft.com/office/drawing/2014/main" id="{DBD36887-6648-48DA-AD94-A4953E288DB4}"/>
+                <a16:creationId xmlns:a16="http://schemas.microsoft.com/office/drawing/2014/main" id="{87F452BC-B680-4BB5-A2D9-DEE0096CD0D0}"/>
               </a:ext>
             </a:extLst>
           </p:cNvPr>
@@ -302,7 +299,7 @@
           <p:cNvPr id="6" name="Slide Number Placeholder 5">
             <a:extLst>
               <a:ext uri="{FF2B5EF4-FFF2-40B4-BE49-F238E27FC236}">
-                <a16:creationId xmlns:a16="http://schemas.microsoft.com/office/drawing/2014/main" id="{810E1C63-493D-439A-85FD-10ECD85A4457}"/>
+                <a16:creationId xmlns:a16="http://schemas.microsoft.com/office/drawing/2014/main" id="{38B79EB8-BE55-45E9-B43E-FF407D0CC554}"/>
               </a:ext>
             </a:extLst>
           </p:cNvPr>
@@ -318,7 +315,7 @@
           <a:bodyPr/>
           <a:lstStyle/>
           <a:p>
-            <a:fld id="{214BC2D8-AF42-43E3-B9E4-3BF1153AE3EA}" type="slidenum">
+            <a:fld id="{840AE02A-BEE6-4C33-97E9-ADB48CF162C7}" type="slidenum">
               <a:rPr lang="en-US" smtClean="0"/>
               <a:t>‹#›</a:t>
             </a:fld>
@@ -329,7 +326,7 @@
     </p:spTree>
     <p:extLst>
       <p:ext uri="{BB962C8B-B14F-4D97-AF65-F5344CB8AC3E}">
-        <p14:creationId xmlns:p14="http://schemas.microsoft.com/office/powerpoint/2010/main" val="486120626"/>
+        <p14:creationId xmlns:p14="http://schemas.microsoft.com/office/powerpoint/2010/main" val="3703211373"/>
       </p:ext>
     </p:extLst>
   </p:cSld>
@@ -361,7 +358,7 @@
           <p:cNvPr id="2" name="Title 1">
             <a:extLst>
               <a:ext uri="{FF2B5EF4-FFF2-40B4-BE49-F238E27FC236}">
-                <a16:creationId xmlns:a16="http://schemas.microsoft.com/office/drawing/2014/main" id="{3DDC604F-55E2-4B2D-A1AD-A540E2A88778}"/>
+                <a16:creationId xmlns:a16="http://schemas.microsoft.com/office/drawing/2014/main" id="{F4F93E75-1DA5-4C2D-835D-44DAE583F472}"/>
               </a:ext>
             </a:extLst>
           </p:cNvPr>
@@ -389,7 +386,7 @@
           <p:cNvPr id="3" name="Vertical Text Placeholder 2">
             <a:extLst>
               <a:ext uri="{FF2B5EF4-FFF2-40B4-BE49-F238E27FC236}">
-                <a16:creationId xmlns:a16="http://schemas.microsoft.com/office/drawing/2014/main" id="{2D4EF736-0DA4-4F7A-9D58-DEA45FD38C5D}"/>
+                <a16:creationId xmlns:a16="http://schemas.microsoft.com/office/drawing/2014/main" id="{3A5C968A-153E-4455-89FE-A8DC27D4BC71}"/>
               </a:ext>
             </a:extLst>
           </p:cNvPr>
@@ -446,7 +443,7 @@
           <p:cNvPr id="4" name="Date Placeholder 3">
             <a:extLst>
               <a:ext uri="{FF2B5EF4-FFF2-40B4-BE49-F238E27FC236}">
-                <a16:creationId xmlns:a16="http://schemas.microsoft.com/office/drawing/2014/main" id="{D70288B5-8FE8-4FBA-85F8-DC37699F5EA1}"/>
+                <a16:creationId xmlns:a16="http://schemas.microsoft.com/office/drawing/2014/main" id="{3EB202C2-F1DB-4C11-A989-315D29E1D0ED}"/>
               </a:ext>
             </a:extLst>
           </p:cNvPr>
@@ -462,7 +459,7 @@
           <a:bodyPr/>
           <a:lstStyle/>
           <a:p>
-            <a:fld id="{EBCAE3FC-B6EF-44CD-B1B7-F816CCD4BDE2}" type="datetimeFigureOut">
+            <a:fld id="{2F4DA9B3-DF99-4495-91F7-D4A32634DDC1}" type="datetimeFigureOut">
               <a:rPr lang="en-US" smtClean="0"/>
               <a:t>3/1/2022</a:t>
             </a:fld>
@@ -475,7 +472,7 @@
           <p:cNvPr id="5" name="Footer Placeholder 4">
             <a:extLst>
               <a:ext uri="{FF2B5EF4-FFF2-40B4-BE49-F238E27FC236}">
-                <a16:creationId xmlns:a16="http://schemas.microsoft.com/office/drawing/2014/main" id="{FB6A8E3D-DBBF-4A00-AB52-7FB85E3A66EF}"/>
+                <a16:creationId xmlns:a16="http://schemas.microsoft.com/office/drawing/2014/main" id="{FA013EAD-2A7B-43C9-8BE3-61A448849746}"/>
               </a:ext>
             </a:extLst>
           </p:cNvPr>
@@ -500,7 +497,7 @@
           <p:cNvPr id="6" name="Slide Number Placeholder 5">
             <a:extLst>
               <a:ext uri="{FF2B5EF4-FFF2-40B4-BE49-F238E27FC236}">
-                <a16:creationId xmlns:a16="http://schemas.microsoft.com/office/drawing/2014/main" id="{7F39E8AD-398A-4CD8-B9AE-0DAD270D3A66}"/>
+                <a16:creationId xmlns:a16="http://schemas.microsoft.com/office/drawing/2014/main" id="{19C9637E-4AAB-4A21-A6FB-C8F73CE68BC3}"/>
               </a:ext>
             </a:extLst>
           </p:cNvPr>
@@ -516,7 +513,7 @@
           <a:bodyPr/>
           <a:lstStyle/>
           <a:p>
-            <a:fld id="{214BC2D8-AF42-43E3-B9E4-3BF1153AE3EA}" type="slidenum">
+            <a:fld id="{840AE02A-BEE6-4C33-97E9-ADB48CF162C7}" type="slidenum">
               <a:rPr lang="en-US" smtClean="0"/>
               <a:t>‹#›</a:t>
             </a:fld>
@@ -527,7 +524,7 @@
     </p:spTree>
     <p:extLst>
       <p:ext uri="{BB962C8B-B14F-4D97-AF65-F5344CB8AC3E}">
-        <p14:creationId xmlns:p14="http://schemas.microsoft.com/office/powerpoint/2010/main" val="1793503032"/>
+        <p14:creationId xmlns:p14="http://schemas.microsoft.com/office/powerpoint/2010/main" val="2211134773"/>
       </p:ext>
     </p:extLst>
   </p:cSld>
@@ -559,7 +556,7 @@
           <p:cNvPr id="2" name="Vertical Title 1">
             <a:extLst>
               <a:ext uri="{FF2B5EF4-FFF2-40B4-BE49-F238E27FC236}">
-                <a16:creationId xmlns:a16="http://schemas.microsoft.com/office/drawing/2014/main" id="{7593777E-CD36-4D92-BB74-9688969BC591}"/>
+                <a16:creationId xmlns:a16="http://schemas.microsoft.com/office/drawing/2014/main" id="{2777C516-5AB1-4ACA-A773-739D32D7492C}"/>
               </a:ext>
             </a:extLst>
           </p:cNvPr>
@@ -592,7 +589,7 @@
           <p:cNvPr id="3" name="Vertical Text Placeholder 2">
             <a:extLst>
               <a:ext uri="{FF2B5EF4-FFF2-40B4-BE49-F238E27FC236}">
-                <a16:creationId xmlns:a16="http://schemas.microsoft.com/office/drawing/2014/main" id="{D5372AD0-3FFC-4B18-A2CA-BAD88524FE18}"/>
+                <a16:creationId xmlns:a16="http://schemas.microsoft.com/office/drawing/2014/main" id="{E25426CA-11BE-40D8-A38B-915727F9CDB1}"/>
               </a:ext>
             </a:extLst>
           </p:cNvPr>
@@ -654,7 +651,7 @@
           <p:cNvPr id="4" name="Date Placeholder 3">
             <a:extLst>
               <a:ext uri="{FF2B5EF4-FFF2-40B4-BE49-F238E27FC236}">
-                <a16:creationId xmlns:a16="http://schemas.microsoft.com/office/drawing/2014/main" id="{270E0540-2361-45C9-8D59-20B0425DA55C}"/>
+                <a16:creationId xmlns:a16="http://schemas.microsoft.com/office/drawing/2014/main" id="{8F140AC6-193B-4792-B419-541A40BD7233}"/>
               </a:ext>
             </a:extLst>
           </p:cNvPr>
@@ -670,7 +667,7 @@
           <a:bodyPr/>
           <a:lstStyle/>
           <a:p>
-            <a:fld id="{EBCAE3FC-B6EF-44CD-B1B7-F816CCD4BDE2}" type="datetimeFigureOut">
+            <a:fld id="{2F4DA9B3-DF99-4495-91F7-D4A32634DDC1}" type="datetimeFigureOut">
               <a:rPr lang="en-US" smtClean="0"/>
               <a:t>3/1/2022</a:t>
             </a:fld>
@@ -683,7 +680,7 @@
           <p:cNvPr id="5" name="Footer Placeholder 4">
             <a:extLst>
               <a:ext uri="{FF2B5EF4-FFF2-40B4-BE49-F238E27FC236}">
-                <a16:creationId xmlns:a16="http://schemas.microsoft.com/office/drawing/2014/main" id="{1DBECF1C-EB64-4112-8954-80D18014F9A9}"/>
+                <a16:creationId xmlns:a16="http://schemas.microsoft.com/office/drawing/2014/main" id="{C25164EF-4B6D-4E38-B9C2-AE4171029C79}"/>
               </a:ext>
             </a:extLst>
           </p:cNvPr>
@@ -708,7 +705,7 @@
           <p:cNvPr id="6" name="Slide Number Placeholder 5">
             <a:extLst>
               <a:ext uri="{FF2B5EF4-FFF2-40B4-BE49-F238E27FC236}">
-                <a16:creationId xmlns:a16="http://schemas.microsoft.com/office/drawing/2014/main" id="{9C1D13AE-D37C-4684-B605-A8F69E58D0A6}"/>
+                <a16:creationId xmlns:a16="http://schemas.microsoft.com/office/drawing/2014/main" id="{D5148EBD-ADB4-43C0-93B8-3F71CFA9B939}"/>
               </a:ext>
             </a:extLst>
           </p:cNvPr>
@@ -724,7 +721,7 @@
           <a:bodyPr/>
           <a:lstStyle/>
           <a:p>
-            <a:fld id="{214BC2D8-AF42-43E3-B9E4-3BF1153AE3EA}" type="slidenum">
+            <a:fld id="{840AE02A-BEE6-4C33-97E9-ADB48CF162C7}" type="slidenum">
               <a:rPr lang="en-US" smtClean="0"/>
               <a:t>‹#›</a:t>
             </a:fld>
@@ -735,7 +732,7 @@
     </p:spTree>
     <p:extLst>
       <p:ext uri="{BB962C8B-B14F-4D97-AF65-F5344CB8AC3E}">
-        <p14:creationId xmlns:p14="http://schemas.microsoft.com/office/powerpoint/2010/main" val="1154447873"/>
+        <p14:creationId xmlns:p14="http://schemas.microsoft.com/office/powerpoint/2010/main" val="3584152275"/>
       </p:ext>
     </p:extLst>
   </p:cSld>
@@ -767,7 +764,7 @@
           <p:cNvPr id="2" name="Title 1">
             <a:extLst>
               <a:ext uri="{FF2B5EF4-FFF2-40B4-BE49-F238E27FC236}">
-                <a16:creationId xmlns:a16="http://schemas.microsoft.com/office/drawing/2014/main" id="{1E57A641-D67A-405A-8FB3-4673A9E87BF8}"/>
+                <a16:creationId xmlns:a16="http://schemas.microsoft.com/office/drawing/2014/main" id="{919A674C-0946-4B82-A784-DCE4221F872D}"/>
               </a:ext>
             </a:extLst>
           </p:cNvPr>
@@ -795,7 +792,7 @@
           <p:cNvPr id="3" name="Content Placeholder 2">
             <a:extLst>
               <a:ext uri="{FF2B5EF4-FFF2-40B4-BE49-F238E27FC236}">
-                <a16:creationId xmlns:a16="http://schemas.microsoft.com/office/drawing/2014/main" id="{175190FD-6CCB-471F-BB39-2DA5E24F9522}"/>
+                <a16:creationId xmlns:a16="http://schemas.microsoft.com/office/drawing/2014/main" id="{9E11C726-5EB6-46A9-A5C7-41509FE5F100}"/>
               </a:ext>
             </a:extLst>
           </p:cNvPr>
@@ -852,7 +849,7 @@
           <p:cNvPr id="4" name="Date Placeholder 3">
             <a:extLst>
               <a:ext uri="{FF2B5EF4-FFF2-40B4-BE49-F238E27FC236}">
-                <a16:creationId xmlns:a16="http://schemas.microsoft.com/office/drawing/2014/main" id="{AEA3F40E-D0C1-44F1-ABEE-9F869A988CC6}"/>
+                <a16:creationId xmlns:a16="http://schemas.microsoft.com/office/drawing/2014/main" id="{80BD62BF-14C1-4AB9-BA4A-796A2889BFD7}"/>
               </a:ext>
             </a:extLst>
           </p:cNvPr>
@@ -868,7 +865,7 @@
           <a:bodyPr/>
           <a:lstStyle/>
           <a:p>
-            <a:fld id="{EBCAE3FC-B6EF-44CD-B1B7-F816CCD4BDE2}" type="datetimeFigureOut">
+            <a:fld id="{2F4DA9B3-DF99-4495-91F7-D4A32634DDC1}" type="datetimeFigureOut">
               <a:rPr lang="en-US" smtClean="0"/>
               <a:t>3/1/2022</a:t>
             </a:fld>
@@ -881,7 +878,7 @@
           <p:cNvPr id="5" name="Footer Placeholder 4">
             <a:extLst>
               <a:ext uri="{FF2B5EF4-FFF2-40B4-BE49-F238E27FC236}">
-                <a16:creationId xmlns:a16="http://schemas.microsoft.com/office/drawing/2014/main" id="{2456F3FF-FEED-425D-AD4B-BA8481F72FCE}"/>
+                <a16:creationId xmlns:a16="http://schemas.microsoft.com/office/drawing/2014/main" id="{A177D266-BC04-43AD-B7F4-685AED6078CF}"/>
               </a:ext>
             </a:extLst>
           </p:cNvPr>
@@ -906,7 +903,7 @@
           <p:cNvPr id="6" name="Slide Number Placeholder 5">
             <a:extLst>
               <a:ext uri="{FF2B5EF4-FFF2-40B4-BE49-F238E27FC236}">
-                <a16:creationId xmlns:a16="http://schemas.microsoft.com/office/drawing/2014/main" id="{0C626682-3E88-49F4-993C-2C57836A3303}"/>
+                <a16:creationId xmlns:a16="http://schemas.microsoft.com/office/drawing/2014/main" id="{CFB242E7-1729-4B9A-B55F-2054AD722440}"/>
               </a:ext>
             </a:extLst>
           </p:cNvPr>
@@ -922,7 +919,7 @@
           <a:bodyPr/>
           <a:lstStyle/>
           <a:p>
-            <a:fld id="{214BC2D8-AF42-43E3-B9E4-3BF1153AE3EA}" type="slidenum">
+            <a:fld id="{840AE02A-BEE6-4C33-97E9-ADB48CF162C7}" type="slidenum">
               <a:rPr lang="en-US" smtClean="0"/>
               <a:t>‹#›</a:t>
             </a:fld>
@@ -933,7 +930,7 @@
     </p:spTree>
     <p:extLst>
       <p:ext uri="{BB962C8B-B14F-4D97-AF65-F5344CB8AC3E}">
-        <p14:creationId xmlns:p14="http://schemas.microsoft.com/office/powerpoint/2010/main" val="1868890335"/>
+        <p14:creationId xmlns:p14="http://schemas.microsoft.com/office/powerpoint/2010/main" val="2992793852"/>
       </p:ext>
     </p:extLst>
   </p:cSld>
@@ -965,7 +962,7 @@
           <p:cNvPr id="2" name="Title 1">
             <a:extLst>
               <a:ext uri="{FF2B5EF4-FFF2-40B4-BE49-F238E27FC236}">
-                <a16:creationId xmlns:a16="http://schemas.microsoft.com/office/drawing/2014/main" id="{A3798B88-25FB-4599-9BC9-A7340ECC300A}"/>
+                <a16:creationId xmlns:a16="http://schemas.microsoft.com/office/drawing/2014/main" id="{6FD239FD-165E-4DCC-85AE-0835012C9179}"/>
               </a:ext>
             </a:extLst>
           </p:cNvPr>
@@ -1002,7 +999,7 @@
           <p:cNvPr id="3" name="Text Placeholder 2">
             <a:extLst>
               <a:ext uri="{FF2B5EF4-FFF2-40B4-BE49-F238E27FC236}">
-                <a16:creationId xmlns:a16="http://schemas.microsoft.com/office/drawing/2014/main" id="{8B38F083-A86D-4710-9FF7-A35C666FE903}"/>
+                <a16:creationId xmlns:a16="http://schemas.microsoft.com/office/drawing/2014/main" id="{F9BB74C8-3B52-4587-9716-E7341494A385}"/>
               </a:ext>
             </a:extLst>
           </p:cNvPr>
@@ -1127,7 +1124,7 @@
           <p:cNvPr id="4" name="Date Placeholder 3">
             <a:extLst>
               <a:ext uri="{FF2B5EF4-FFF2-40B4-BE49-F238E27FC236}">
-                <a16:creationId xmlns:a16="http://schemas.microsoft.com/office/drawing/2014/main" id="{6F4C4AC1-1642-49DF-8D3B-739E6C29C1B1}"/>
+                <a16:creationId xmlns:a16="http://schemas.microsoft.com/office/drawing/2014/main" id="{68A9952C-F593-4DAB-9575-7EB0E3EEBDD4}"/>
               </a:ext>
             </a:extLst>
           </p:cNvPr>
@@ -1143,7 +1140,7 @@
           <a:bodyPr/>
           <a:lstStyle/>
           <a:p>
-            <a:fld id="{EBCAE3FC-B6EF-44CD-B1B7-F816CCD4BDE2}" type="datetimeFigureOut">
+            <a:fld id="{2F4DA9B3-DF99-4495-91F7-D4A32634DDC1}" type="datetimeFigureOut">
               <a:rPr lang="en-US" smtClean="0"/>
               <a:t>3/1/2022</a:t>
             </a:fld>
@@ -1156,7 +1153,7 @@
           <p:cNvPr id="5" name="Footer Placeholder 4">
             <a:extLst>
               <a:ext uri="{FF2B5EF4-FFF2-40B4-BE49-F238E27FC236}">
-                <a16:creationId xmlns:a16="http://schemas.microsoft.com/office/drawing/2014/main" id="{EDCDBDCE-4CCC-4494-96D8-8A55A2E7CD52}"/>
+                <a16:creationId xmlns:a16="http://schemas.microsoft.com/office/drawing/2014/main" id="{C3ACDFF2-D541-441B-AB33-C21913A31E38}"/>
               </a:ext>
             </a:extLst>
           </p:cNvPr>
@@ -1181,7 +1178,7 @@
           <p:cNvPr id="6" name="Slide Number Placeholder 5">
             <a:extLst>
               <a:ext uri="{FF2B5EF4-FFF2-40B4-BE49-F238E27FC236}">
-                <a16:creationId xmlns:a16="http://schemas.microsoft.com/office/drawing/2014/main" id="{9CABF790-5707-4822-9AC0-3AB5367B090D}"/>
+                <a16:creationId xmlns:a16="http://schemas.microsoft.com/office/drawing/2014/main" id="{E9E8B167-67EA-49D9-A381-2C8B0CB66F30}"/>
               </a:ext>
             </a:extLst>
           </p:cNvPr>
@@ -1197,7 +1194,7 @@
           <a:bodyPr/>
           <a:lstStyle/>
           <a:p>
-            <a:fld id="{214BC2D8-AF42-43E3-B9E4-3BF1153AE3EA}" type="slidenum">
+            <a:fld id="{840AE02A-BEE6-4C33-97E9-ADB48CF162C7}" type="slidenum">
               <a:rPr lang="en-US" smtClean="0"/>
               <a:t>‹#›</a:t>
             </a:fld>
@@ -1208,7 +1205,7 @@
     </p:spTree>
     <p:extLst>
       <p:ext uri="{BB962C8B-B14F-4D97-AF65-F5344CB8AC3E}">
-        <p14:creationId xmlns:p14="http://schemas.microsoft.com/office/powerpoint/2010/main" val="3549221637"/>
+        <p14:creationId xmlns:p14="http://schemas.microsoft.com/office/powerpoint/2010/main" val="3396030394"/>
       </p:ext>
     </p:extLst>
   </p:cSld>
@@ -1240,7 +1237,7 @@
           <p:cNvPr id="2" name="Title 1">
             <a:extLst>
               <a:ext uri="{FF2B5EF4-FFF2-40B4-BE49-F238E27FC236}">
-                <a16:creationId xmlns:a16="http://schemas.microsoft.com/office/drawing/2014/main" id="{EEED70F6-8756-400C-B3DA-D0DE02CEB892}"/>
+                <a16:creationId xmlns:a16="http://schemas.microsoft.com/office/drawing/2014/main" id="{7C88C3C3-3743-4CB5-B1B1-D6BA42FDCAB3}"/>
               </a:ext>
             </a:extLst>
           </p:cNvPr>
@@ -1268,7 +1265,7 @@
           <p:cNvPr id="3" name="Content Placeholder 2">
             <a:extLst>
               <a:ext uri="{FF2B5EF4-FFF2-40B4-BE49-F238E27FC236}">
-                <a16:creationId xmlns:a16="http://schemas.microsoft.com/office/drawing/2014/main" id="{64D203CE-5848-4231-8493-E6117F4D87BA}"/>
+                <a16:creationId xmlns:a16="http://schemas.microsoft.com/office/drawing/2014/main" id="{49113DA5-F828-4C69-A541-F5B0815D9D81}"/>
               </a:ext>
             </a:extLst>
           </p:cNvPr>
@@ -1330,7 +1327,7 @@
           <p:cNvPr id="4" name="Content Placeholder 3">
             <a:extLst>
               <a:ext uri="{FF2B5EF4-FFF2-40B4-BE49-F238E27FC236}">
-                <a16:creationId xmlns:a16="http://schemas.microsoft.com/office/drawing/2014/main" id="{187DB6B3-B8DF-4BA3-9758-060E23BF6AF2}"/>
+                <a16:creationId xmlns:a16="http://schemas.microsoft.com/office/drawing/2014/main" id="{CCC91334-41FE-471F-9185-2B3FDBDD2258}"/>
               </a:ext>
             </a:extLst>
           </p:cNvPr>
@@ -1392,7 +1389,7 @@
           <p:cNvPr id="5" name="Date Placeholder 4">
             <a:extLst>
               <a:ext uri="{FF2B5EF4-FFF2-40B4-BE49-F238E27FC236}">
-                <a16:creationId xmlns:a16="http://schemas.microsoft.com/office/drawing/2014/main" id="{F83E7D40-6E16-4852-91B7-88AE8612BF4F}"/>
+                <a16:creationId xmlns:a16="http://schemas.microsoft.com/office/drawing/2014/main" id="{2977D8DA-282A-46B9-9A1A-1F733350A94C}"/>
               </a:ext>
             </a:extLst>
           </p:cNvPr>
@@ -1408,7 +1405,7 @@
           <a:bodyPr/>
           <a:lstStyle/>
           <a:p>
-            <a:fld id="{EBCAE3FC-B6EF-44CD-B1B7-F816CCD4BDE2}" type="datetimeFigureOut">
+            <a:fld id="{2F4DA9B3-DF99-4495-91F7-D4A32634DDC1}" type="datetimeFigureOut">
               <a:rPr lang="en-US" smtClean="0"/>
               <a:t>3/1/2022</a:t>
             </a:fld>
@@ -1421,7 +1418,7 @@
           <p:cNvPr id="6" name="Footer Placeholder 5">
             <a:extLst>
               <a:ext uri="{FF2B5EF4-FFF2-40B4-BE49-F238E27FC236}">
-                <a16:creationId xmlns:a16="http://schemas.microsoft.com/office/drawing/2014/main" id="{83F6205C-B88E-44FC-A234-CAA45CCB4E30}"/>
+                <a16:creationId xmlns:a16="http://schemas.microsoft.com/office/drawing/2014/main" id="{3362AD43-44F2-45AE-B451-8EBA03BD144B}"/>
               </a:ext>
             </a:extLst>
           </p:cNvPr>
@@ -1446,7 +1443,7 @@
           <p:cNvPr id="7" name="Slide Number Placeholder 6">
             <a:extLst>
               <a:ext uri="{FF2B5EF4-FFF2-40B4-BE49-F238E27FC236}">
-                <a16:creationId xmlns:a16="http://schemas.microsoft.com/office/drawing/2014/main" id="{39323E7A-54BA-41A1-8E1D-BA96A39AD729}"/>
+                <a16:creationId xmlns:a16="http://schemas.microsoft.com/office/drawing/2014/main" id="{F15FC275-E319-44F1-BC3C-AEC049FDD973}"/>
               </a:ext>
             </a:extLst>
           </p:cNvPr>
@@ -1462,7 +1459,7 @@
           <a:bodyPr/>
           <a:lstStyle/>
           <a:p>
-            <a:fld id="{214BC2D8-AF42-43E3-B9E4-3BF1153AE3EA}" type="slidenum">
+            <a:fld id="{840AE02A-BEE6-4C33-97E9-ADB48CF162C7}" type="slidenum">
               <a:rPr lang="en-US" smtClean="0"/>
               <a:t>‹#›</a:t>
             </a:fld>
@@ -1473,7 +1470,7 @@
     </p:spTree>
     <p:extLst>
       <p:ext uri="{BB962C8B-B14F-4D97-AF65-F5344CB8AC3E}">
-        <p14:creationId xmlns:p14="http://schemas.microsoft.com/office/powerpoint/2010/main" val="2349741290"/>
+        <p14:creationId xmlns:p14="http://schemas.microsoft.com/office/powerpoint/2010/main" val="1547755506"/>
       </p:ext>
     </p:extLst>
   </p:cSld>
@@ -1505,7 +1502,7 @@
           <p:cNvPr id="2" name="Title 1">
             <a:extLst>
               <a:ext uri="{FF2B5EF4-FFF2-40B4-BE49-F238E27FC236}">
-                <a16:creationId xmlns:a16="http://schemas.microsoft.com/office/drawing/2014/main" id="{1B115531-BD3B-47E5-9D03-6072A563F267}"/>
+                <a16:creationId xmlns:a16="http://schemas.microsoft.com/office/drawing/2014/main" id="{59342F91-F49A-4C5D-8BA2-60F3EE248E74}"/>
               </a:ext>
             </a:extLst>
           </p:cNvPr>
@@ -1538,7 +1535,7 @@
           <p:cNvPr id="3" name="Text Placeholder 2">
             <a:extLst>
               <a:ext uri="{FF2B5EF4-FFF2-40B4-BE49-F238E27FC236}">
-                <a16:creationId xmlns:a16="http://schemas.microsoft.com/office/drawing/2014/main" id="{42E25FD9-6F87-431C-9112-5842785AC7BC}"/>
+                <a16:creationId xmlns:a16="http://schemas.microsoft.com/office/drawing/2014/main" id="{8C29AD14-35C5-43C4-A6C4-1971B9ED96E6}"/>
               </a:ext>
             </a:extLst>
           </p:cNvPr>
@@ -1609,7 +1606,7 @@
           <p:cNvPr id="4" name="Content Placeholder 3">
             <a:extLst>
               <a:ext uri="{FF2B5EF4-FFF2-40B4-BE49-F238E27FC236}">
-                <a16:creationId xmlns:a16="http://schemas.microsoft.com/office/drawing/2014/main" id="{912EC3E2-C5B6-4462-B3DB-16A33828A935}"/>
+                <a16:creationId xmlns:a16="http://schemas.microsoft.com/office/drawing/2014/main" id="{09C1D77D-7DE9-4FE5-999E-4AD97400F3F7}"/>
               </a:ext>
             </a:extLst>
           </p:cNvPr>
@@ -1671,7 +1668,7 @@
           <p:cNvPr id="5" name="Text Placeholder 4">
             <a:extLst>
               <a:ext uri="{FF2B5EF4-FFF2-40B4-BE49-F238E27FC236}">
-                <a16:creationId xmlns:a16="http://schemas.microsoft.com/office/drawing/2014/main" id="{F656933D-0875-4039-931E-17F10F7D4452}"/>
+                <a16:creationId xmlns:a16="http://schemas.microsoft.com/office/drawing/2014/main" id="{52E500A0-0948-4207-A680-3B544E9CE413}"/>
               </a:ext>
             </a:extLst>
           </p:cNvPr>
@@ -1742,7 +1739,7 @@
           <p:cNvPr id="6" name="Content Placeholder 5">
             <a:extLst>
               <a:ext uri="{FF2B5EF4-FFF2-40B4-BE49-F238E27FC236}">
-                <a16:creationId xmlns:a16="http://schemas.microsoft.com/office/drawing/2014/main" id="{5950D32B-C5D8-4974-8647-8F3EBA42E631}"/>
+                <a16:creationId xmlns:a16="http://schemas.microsoft.com/office/drawing/2014/main" id="{4FF5F6BB-86B0-470E-9B13-56FA3DD3D643}"/>
               </a:ext>
             </a:extLst>
           </p:cNvPr>
@@ -1804,7 +1801,7 @@
           <p:cNvPr id="7" name="Date Placeholder 6">
             <a:extLst>
               <a:ext uri="{FF2B5EF4-FFF2-40B4-BE49-F238E27FC236}">
-                <a16:creationId xmlns:a16="http://schemas.microsoft.com/office/drawing/2014/main" id="{8EFA59CB-14BC-4D5F-885E-CDA58E18285F}"/>
+                <a16:creationId xmlns:a16="http://schemas.microsoft.com/office/drawing/2014/main" id="{7C82A5E3-2515-40FD-AB84-6BD0D17AD273}"/>
               </a:ext>
             </a:extLst>
           </p:cNvPr>
@@ -1820,7 +1817,7 @@
           <a:bodyPr/>
           <a:lstStyle/>
           <a:p>
-            <a:fld id="{EBCAE3FC-B6EF-44CD-B1B7-F816CCD4BDE2}" type="datetimeFigureOut">
+            <a:fld id="{2F4DA9B3-DF99-4495-91F7-D4A32634DDC1}" type="datetimeFigureOut">
               <a:rPr lang="en-US" smtClean="0"/>
               <a:t>3/1/2022</a:t>
             </a:fld>
@@ -1833,7 +1830,7 @@
           <p:cNvPr id="8" name="Footer Placeholder 7">
             <a:extLst>
               <a:ext uri="{FF2B5EF4-FFF2-40B4-BE49-F238E27FC236}">
-                <a16:creationId xmlns:a16="http://schemas.microsoft.com/office/drawing/2014/main" id="{556A34A6-4653-4CAB-A17F-D5FF8CDE2B04}"/>
+                <a16:creationId xmlns:a16="http://schemas.microsoft.com/office/drawing/2014/main" id="{A4E798D2-DA17-434F-9148-B3958E54B546}"/>
               </a:ext>
             </a:extLst>
           </p:cNvPr>
@@ -1858,7 +1855,7 @@
           <p:cNvPr id="9" name="Slide Number Placeholder 8">
             <a:extLst>
               <a:ext uri="{FF2B5EF4-FFF2-40B4-BE49-F238E27FC236}">
-                <a16:creationId xmlns:a16="http://schemas.microsoft.com/office/drawing/2014/main" id="{1AC71151-0E5C-456A-B235-F8850169492D}"/>
+                <a16:creationId xmlns:a16="http://schemas.microsoft.com/office/drawing/2014/main" id="{D8CA6E01-B8B0-42ED-82E4-0BE67A8D2AB1}"/>
               </a:ext>
             </a:extLst>
           </p:cNvPr>
@@ -1874,7 +1871,7 @@
           <a:bodyPr/>
           <a:lstStyle/>
           <a:p>
-            <a:fld id="{214BC2D8-AF42-43E3-B9E4-3BF1153AE3EA}" type="slidenum">
+            <a:fld id="{840AE02A-BEE6-4C33-97E9-ADB48CF162C7}" type="slidenum">
               <a:rPr lang="en-US" smtClean="0"/>
               <a:t>‹#›</a:t>
             </a:fld>
@@ -1885,7 +1882,7 @@
     </p:spTree>
     <p:extLst>
       <p:ext uri="{BB962C8B-B14F-4D97-AF65-F5344CB8AC3E}">
-        <p14:creationId xmlns:p14="http://schemas.microsoft.com/office/powerpoint/2010/main" val="1982079513"/>
+        <p14:creationId xmlns:p14="http://schemas.microsoft.com/office/powerpoint/2010/main" val="179439383"/>
       </p:ext>
     </p:extLst>
   </p:cSld>
@@ -1917,7 +1914,7 @@
           <p:cNvPr id="2" name="Title 1">
             <a:extLst>
               <a:ext uri="{FF2B5EF4-FFF2-40B4-BE49-F238E27FC236}">
-                <a16:creationId xmlns:a16="http://schemas.microsoft.com/office/drawing/2014/main" id="{5651DB56-504C-414F-89B5-E5B6EA7C787B}"/>
+                <a16:creationId xmlns:a16="http://schemas.microsoft.com/office/drawing/2014/main" id="{0A7A4694-6710-48B1-96B8-C32CAB88CB51}"/>
               </a:ext>
             </a:extLst>
           </p:cNvPr>
@@ -1945,7 +1942,7 @@
           <p:cNvPr id="3" name="Date Placeholder 2">
             <a:extLst>
               <a:ext uri="{FF2B5EF4-FFF2-40B4-BE49-F238E27FC236}">
-                <a16:creationId xmlns:a16="http://schemas.microsoft.com/office/drawing/2014/main" id="{131C5904-CB58-41E7-88B8-F9C0DFA0DF5E}"/>
+                <a16:creationId xmlns:a16="http://schemas.microsoft.com/office/drawing/2014/main" id="{61644206-2447-498B-B5D0-832448054C6B}"/>
               </a:ext>
             </a:extLst>
           </p:cNvPr>
@@ -1961,7 +1958,7 @@
           <a:bodyPr/>
           <a:lstStyle/>
           <a:p>
-            <a:fld id="{EBCAE3FC-B6EF-44CD-B1B7-F816CCD4BDE2}" type="datetimeFigureOut">
+            <a:fld id="{2F4DA9B3-DF99-4495-91F7-D4A32634DDC1}" type="datetimeFigureOut">
               <a:rPr lang="en-US" smtClean="0"/>
               <a:t>3/1/2022</a:t>
             </a:fld>
@@ -1974,7 +1971,7 @@
           <p:cNvPr id="4" name="Footer Placeholder 3">
             <a:extLst>
               <a:ext uri="{FF2B5EF4-FFF2-40B4-BE49-F238E27FC236}">
-                <a16:creationId xmlns:a16="http://schemas.microsoft.com/office/drawing/2014/main" id="{4785114C-7320-4D6A-8A68-FE47E37C385A}"/>
+                <a16:creationId xmlns:a16="http://schemas.microsoft.com/office/drawing/2014/main" id="{025EFE74-EB9D-42A4-94CB-005FA8CAC630}"/>
               </a:ext>
             </a:extLst>
           </p:cNvPr>
@@ -1999,7 +1996,7 @@
           <p:cNvPr id="5" name="Slide Number Placeholder 4">
             <a:extLst>
               <a:ext uri="{FF2B5EF4-FFF2-40B4-BE49-F238E27FC236}">
-                <a16:creationId xmlns:a16="http://schemas.microsoft.com/office/drawing/2014/main" id="{B073B894-266E-41E7-8E81-152E22EDF889}"/>
+                <a16:creationId xmlns:a16="http://schemas.microsoft.com/office/drawing/2014/main" id="{CFB33C67-BE65-433B-9C79-6E571200F42E}"/>
               </a:ext>
             </a:extLst>
           </p:cNvPr>
@@ -2015,7 +2012,7 @@
           <a:bodyPr/>
           <a:lstStyle/>
           <a:p>
-            <a:fld id="{214BC2D8-AF42-43E3-B9E4-3BF1153AE3EA}" type="slidenum">
+            <a:fld id="{840AE02A-BEE6-4C33-97E9-ADB48CF162C7}" type="slidenum">
               <a:rPr lang="en-US" smtClean="0"/>
               <a:t>‹#›</a:t>
             </a:fld>
@@ -2026,7 +2023,7 @@
     </p:spTree>
     <p:extLst>
       <p:ext uri="{BB962C8B-B14F-4D97-AF65-F5344CB8AC3E}">
-        <p14:creationId xmlns:p14="http://schemas.microsoft.com/office/powerpoint/2010/main" val="2265937332"/>
+        <p14:creationId xmlns:p14="http://schemas.microsoft.com/office/powerpoint/2010/main" val="2024916189"/>
       </p:ext>
     </p:extLst>
   </p:cSld>
@@ -2058,7 +2055,7 @@
           <p:cNvPr id="2" name="Date Placeholder 1">
             <a:extLst>
               <a:ext uri="{FF2B5EF4-FFF2-40B4-BE49-F238E27FC236}">
-                <a16:creationId xmlns:a16="http://schemas.microsoft.com/office/drawing/2014/main" id="{07D861DD-E4E9-4EBD-865E-18D8E0AA9BF4}"/>
+                <a16:creationId xmlns:a16="http://schemas.microsoft.com/office/drawing/2014/main" id="{69330F50-CAB2-4C0B-9FAE-F48B6250E863}"/>
               </a:ext>
             </a:extLst>
           </p:cNvPr>
@@ -2074,7 +2071,7 @@
           <a:bodyPr/>
           <a:lstStyle/>
           <a:p>
-            <a:fld id="{EBCAE3FC-B6EF-44CD-B1B7-F816CCD4BDE2}" type="datetimeFigureOut">
+            <a:fld id="{2F4DA9B3-DF99-4495-91F7-D4A32634DDC1}" type="datetimeFigureOut">
               <a:rPr lang="en-US" smtClean="0"/>
               <a:t>3/1/2022</a:t>
             </a:fld>
@@ -2087,7 +2084,7 @@
           <p:cNvPr id="3" name="Footer Placeholder 2">
             <a:extLst>
               <a:ext uri="{FF2B5EF4-FFF2-40B4-BE49-F238E27FC236}">
-                <a16:creationId xmlns:a16="http://schemas.microsoft.com/office/drawing/2014/main" id="{56C29059-88A0-46BD-8823-22F6AD80D705}"/>
+                <a16:creationId xmlns:a16="http://schemas.microsoft.com/office/drawing/2014/main" id="{4D9AA582-337B-4CB2-9E90-2FF2C0B07835}"/>
               </a:ext>
             </a:extLst>
           </p:cNvPr>
@@ -2112,7 +2109,7 @@
           <p:cNvPr id="4" name="Slide Number Placeholder 3">
             <a:extLst>
               <a:ext uri="{FF2B5EF4-FFF2-40B4-BE49-F238E27FC236}">
-                <a16:creationId xmlns:a16="http://schemas.microsoft.com/office/drawing/2014/main" id="{08F3BC48-8D93-46FC-9906-109AA8F7B2E9}"/>
+                <a16:creationId xmlns:a16="http://schemas.microsoft.com/office/drawing/2014/main" id="{F16C8716-1216-4E13-B586-8D4379A6D46E}"/>
               </a:ext>
             </a:extLst>
           </p:cNvPr>
@@ -2128,7 +2125,7 @@
           <a:bodyPr/>
           <a:lstStyle/>
           <a:p>
-            <a:fld id="{214BC2D8-AF42-43E3-B9E4-3BF1153AE3EA}" type="slidenum">
+            <a:fld id="{840AE02A-BEE6-4C33-97E9-ADB48CF162C7}" type="slidenum">
               <a:rPr lang="en-US" smtClean="0"/>
               <a:t>‹#›</a:t>
             </a:fld>
@@ -2139,7 +2136,7 @@
     </p:spTree>
     <p:extLst>
       <p:ext uri="{BB962C8B-B14F-4D97-AF65-F5344CB8AC3E}">
-        <p14:creationId xmlns:p14="http://schemas.microsoft.com/office/powerpoint/2010/main" val="1616960115"/>
+        <p14:creationId xmlns:p14="http://schemas.microsoft.com/office/powerpoint/2010/main" val="122358852"/>
       </p:ext>
     </p:extLst>
   </p:cSld>
@@ -2171,7 +2168,7 @@
           <p:cNvPr id="2" name="Title 1">
             <a:extLst>
               <a:ext uri="{FF2B5EF4-FFF2-40B4-BE49-F238E27FC236}">
-                <a16:creationId xmlns:a16="http://schemas.microsoft.com/office/drawing/2014/main" id="{84B59E39-2CD6-44E6-9220-B297E0E8D1FB}"/>
+                <a16:creationId xmlns:a16="http://schemas.microsoft.com/office/drawing/2014/main" id="{813796A8-38D8-4855-8A57-0D2D43E4893D}"/>
               </a:ext>
             </a:extLst>
           </p:cNvPr>
@@ -2208,7 +2205,7 @@
           <p:cNvPr id="3" name="Content Placeholder 2">
             <a:extLst>
               <a:ext uri="{FF2B5EF4-FFF2-40B4-BE49-F238E27FC236}">
-                <a16:creationId xmlns:a16="http://schemas.microsoft.com/office/drawing/2014/main" id="{48D6C2E2-BF9B-4DC8-BCE4-ECBB11C20FF7}"/>
+                <a16:creationId xmlns:a16="http://schemas.microsoft.com/office/drawing/2014/main" id="{01EFA5AE-51CD-4747-9817-1F8E8F17D286}"/>
               </a:ext>
             </a:extLst>
           </p:cNvPr>
@@ -2298,7 +2295,7 @@
           <p:cNvPr id="4" name="Text Placeholder 3">
             <a:extLst>
               <a:ext uri="{FF2B5EF4-FFF2-40B4-BE49-F238E27FC236}">
-                <a16:creationId xmlns:a16="http://schemas.microsoft.com/office/drawing/2014/main" id="{A372FB5B-6FF9-41A6-B035-0EFCB425AAC6}"/>
+                <a16:creationId xmlns:a16="http://schemas.microsoft.com/office/drawing/2014/main" id="{3E93CA2F-F1B7-4AAA-96EA-1C2B9DDA43A2}"/>
               </a:ext>
             </a:extLst>
           </p:cNvPr>
@@ -2369,7 +2366,7 @@
           <p:cNvPr id="5" name="Date Placeholder 4">
             <a:extLst>
               <a:ext uri="{FF2B5EF4-FFF2-40B4-BE49-F238E27FC236}">
-                <a16:creationId xmlns:a16="http://schemas.microsoft.com/office/drawing/2014/main" id="{8944416E-7A5A-45EB-B50D-B0A7811713CD}"/>
+                <a16:creationId xmlns:a16="http://schemas.microsoft.com/office/drawing/2014/main" id="{99B6FE83-7200-4CF2-98E9-570AD86A51AC}"/>
               </a:ext>
             </a:extLst>
           </p:cNvPr>
@@ -2385,7 +2382,7 @@
           <a:bodyPr/>
           <a:lstStyle/>
           <a:p>
-            <a:fld id="{EBCAE3FC-B6EF-44CD-B1B7-F816CCD4BDE2}" type="datetimeFigureOut">
+            <a:fld id="{2F4DA9B3-DF99-4495-91F7-D4A32634DDC1}" type="datetimeFigureOut">
               <a:rPr lang="en-US" smtClean="0"/>
               <a:t>3/1/2022</a:t>
             </a:fld>
@@ -2398,7 +2395,7 @@
           <p:cNvPr id="6" name="Footer Placeholder 5">
             <a:extLst>
               <a:ext uri="{FF2B5EF4-FFF2-40B4-BE49-F238E27FC236}">
-                <a16:creationId xmlns:a16="http://schemas.microsoft.com/office/drawing/2014/main" id="{7B321D1F-B9B3-48A1-88A6-E601197965F9}"/>
+                <a16:creationId xmlns:a16="http://schemas.microsoft.com/office/drawing/2014/main" id="{805B86FD-86E1-45F7-8BAC-3B39BF059CCC}"/>
               </a:ext>
             </a:extLst>
           </p:cNvPr>
@@ -2423,7 +2420,7 @@
           <p:cNvPr id="7" name="Slide Number Placeholder 6">
             <a:extLst>
               <a:ext uri="{FF2B5EF4-FFF2-40B4-BE49-F238E27FC236}">
-                <a16:creationId xmlns:a16="http://schemas.microsoft.com/office/drawing/2014/main" id="{7A189109-0898-42F5-9665-0670485E0D4C}"/>
+                <a16:creationId xmlns:a16="http://schemas.microsoft.com/office/drawing/2014/main" id="{215F2E1A-4446-450D-ACFB-D21BF0DACF8F}"/>
               </a:ext>
             </a:extLst>
           </p:cNvPr>
@@ -2439,7 +2436,7 @@
           <a:bodyPr/>
           <a:lstStyle/>
           <a:p>
-            <a:fld id="{214BC2D8-AF42-43E3-B9E4-3BF1153AE3EA}" type="slidenum">
+            <a:fld id="{840AE02A-BEE6-4C33-97E9-ADB48CF162C7}" type="slidenum">
               <a:rPr lang="en-US" smtClean="0"/>
               <a:t>‹#›</a:t>
             </a:fld>
@@ -2450,7 +2447,7 @@
     </p:spTree>
     <p:extLst>
       <p:ext uri="{BB962C8B-B14F-4D97-AF65-F5344CB8AC3E}">
-        <p14:creationId xmlns:p14="http://schemas.microsoft.com/office/powerpoint/2010/main" val="2758479769"/>
+        <p14:creationId xmlns:p14="http://schemas.microsoft.com/office/powerpoint/2010/main" val="4230468623"/>
       </p:ext>
     </p:extLst>
   </p:cSld>
@@ -2482,7 +2479,7 @@
           <p:cNvPr id="2" name="Title 1">
             <a:extLst>
               <a:ext uri="{FF2B5EF4-FFF2-40B4-BE49-F238E27FC236}">
-                <a16:creationId xmlns:a16="http://schemas.microsoft.com/office/drawing/2014/main" id="{7103CB4A-0325-4EDE-A692-4D6F2EB72114}"/>
+                <a16:creationId xmlns:a16="http://schemas.microsoft.com/office/drawing/2014/main" id="{8E32CCAA-BF8B-4221-A36A-C6742A9AC5F6}"/>
               </a:ext>
             </a:extLst>
           </p:cNvPr>
@@ -2519,7 +2516,7 @@
           <p:cNvPr id="3" name="Picture Placeholder 2">
             <a:extLst>
               <a:ext uri="{FF2B5EF4-FFF2-40B4-BE49-F238E27FC236}">
-                <a16:creationId xmlns:a16="http://schemas.microsoft.com/office/drawing/2014/main" id="{835D95F0-C248-4BBC-88E7-6501207B09A5}"/>
+                <a16:creationId xmlns:a16="http://schemas.microsoft.com/office/drawing/2014/main" id="{D0589765-8E87-4158-8A0E-3A4A410030A5}"/>
               </a:ext>
             </a:extLst>
           </p:cNvPr>
@@ -2586,7 +2583,7 @@
           <p:cNvPr id="4" name="Text Placeholder 3">
             <a:extLst>
               <a:ext uri="{FF2B5EF4-FFF2-40B4-BE49-F238E27FC236}">
-                <a16:creationId xmlns:a16="http://schemas.microsoft.com/office/drawing/2014/main" id="{D8E65AE9-09A2-46D7-A073-4420CCCF8FAF}"/>
+                <a16:creationId xmlns:a16="http://schemas.microsoft.com/office/drawing/2014/main" id="{0990F116-4EDD-41FA-AF19-4C282FC35233}"/>
               </a:ext>
             </a:extLst>
           </p:cNvPr>
@@ -2657,7 +2654,7 @@
           <p:cNvPr id="5" name="Date Placeholder 4">
             <a:extLst>
               <a:ext uri="{FF2B5EF4-FFF2-40B4-BE49-F238E27FC236}">
-                <a16:creationId xmlns:a16="http://schemas.microsoft.com/office/drawing/2014/main" id="{4C54797D-E1FE-44AD-AC5E-511103DDB502}"/>
+                <a16:creationId xmlns:a16="http://schemas.microsoft.com/office/drawing/2014/main" id="{D67F3DDF-B9CE-4B22-80F6-42B488C443DD}"/>
               </a:ext>
             </a:extLst>
           </p:cNvPr>
@@ -2673,7 +2670,7 @@
           <a:bodyPr/>
           <a:lstStyle/>
           <a:p>
-            <a:fld id="{EBCAE3FC-B6EF-44CD-B1B7-F816CCD4BDE2}" type="datetimeFigureOut">
+            <a:fld id="{2F4DA9B3-DF99-4495-91F7-D4A32634DDC1}" type="datetimeFigureOut">
               <a:rPr lang="en-US" smtClean="0"/>
               <a:t>3/1/2022</a:t>
             </a:fld>
@@ -2686,7 +2683,7 @@
           <p:cNvPr id="6" name="Footer Placeholder 5">
             <a:extLst>
               <a:ext uri="{FF2B5EF4-FFF2-40B4-BE49-F238E27FC236}">
-                <a16:creationId xmlns:a16="http://schemas.microsoft.com/office/drawing/2014/main" id="{081C01D8-B863-4DFE-94FD-5B74A62CD1D4}"/>
+                <a16:creationId xmlns:a16="http://schemas.microsoft.com/office/drawing/2014/main" id="{45EFD08B-163E-44A9-8A81-CEE387580F33}"/>
               </a:ext>
             </a:extLst>
           </p:cNvPr>
@@ -2711,7 +2708,7 @@
           <p:cNvPr id="7" name="Slide Number Placeholder 6">
             <a:extLst>
               <a:ext uri="{FF2B5EF4-FFF2-40B4-BE49-F238E27FC236}">
-                <a16:creationId xmlns:a16="http://schemas.microsoft.com/office/drawing/2014/main" id="{AEB363D5-C497-41BA-8C3C-7AED17F2A793}"/>
+                <a16:creationId xmlns:a16="http://schemas.microsoft.com/office/drawing/2014/main" id="{A8C9AA90-7913-4FA4-AF88-88F76EC219EB}"/>
               </a:ext>
             </a:extLst>
           </p:cNvPr>
@@ -2727,7 +2724,7 @@
           <a:bodyPr/>
           <a:lstStyle/>
           <a:p>
-            <a:fld id="{214BC2D8-AF42-43E3-B9E4-3BF1153AE3EA}" type="slidenum">
+            <a:fld id="{840AE02A-BEE6-4C33-97E9-ADB48CF162C7}" type="slidenum">
               <a:rPr lang="en-US" smtClean="0"/>
               <a:t>‹#›</a:t>
             </a:fld>
@@ -2738,7 +2735,7 @@
     </p:spTree>
     <p:extLst>
       <p:ext uri="{BB962C8B-B14F-4D97-AF65-F5344CB8AC3E}">
-        <p14:creationId xmlns:p14="http://schemas.microsoft.com/office/powerpoint/2010/main" val="3278326253"/>
+        <p14:creationId xmlns:p14="http://schemas.microsoft.com/office/powerpoint/2010/main" val="1518446756"/>
       </p:ext>
     </p:extLst>
   </p:cSld>
@@ -2775,7 +2772,7 @@
           <p:cNvPr id="2" name="Title Placeholder 1">
             <a:extLst>
               <a:ext uri="{FF2B5EF4-FFF2-40B4-BE49-F238E27FC236}">
-                <a16:creationId xmlns:a16="http://schemas.microsoft.com/office/drawing/2014/main" id="{FC78CDC4-AB87-45F1-B9D8-4FC2C4063087}"/>
+                <a16:creationId xmlns:a16="http://schemas.microsoft.com/office/drawing/2014/main" id="{D60B29F7-4DD0-410A-B0B2-0EA2E5630DE3}"/>
               </a:ext>
             </a:extLst>
           </p:cNvPr>
@@ -2813,7 +2810,7 @@
           <p:cNvPr id="3" name="Text Placeholder 2">
             <a:extLst>
               <a:ext uri="{FF2B5EF4-FFF2-40B4-BE49-F238E27FC236}">
-                <a16:creationId xmlns:a16="http://schemas.microsoft.com/office/drawing/2014/main" id="{3018C7B5-E08E-43BE-8A02-DB2B71BEA3A3}"/>
+                <a16:creationId xmlns:a16="http://schemas.microsoft.com/office/drawing/2014/main" id="{D16A627D-1ED0-49A5-8E54-F547156A0197}"/>
               </a:ext>
             </a:extLst>
           </p:cNvPr>
@@ -2880,7 +2877,7 @@
           <p:cNvPr id="4" name="Date Placeholder 3">
             <a:extLst>
               <a:ext uri="{FF2B5EF4-FFF2-40B4-BE49-F238E27FC236}">
-                <a16:creationId xmlns:a16="http://schemas.microsoft.com/office/drawing/2014/main" id="{BABC317D-1E4C-4863-9029-EDF3A472CEB0}"/>
+                <a16:creationId xmlns:a16="http://schemas.microsoft.com/office/drawing/2014/main" id="{C641C22A-130E-4CED-BCE0-5B6754F3618F}"/>
               </a:ext>
             </a:extLst>
           </p:cNvPr>
@@ -2914,7 +2911,7 @@
             </a:lvl1pPr>
           </a:lstStyle>
           <a:p>
-            <a:fld id="{EBCAE3FC-B6EF-44CD-B1B7-F816CCD4BDE2}" type="datetimeFigureOut">
+            <a:fld id="{2F4DA9B3-DF99-4495-91F7-D4A32634DDC1}" type="datetimeFigureOut">
               <a:rPr lang="en-US" smtClean="0"/>
               <a:t>3/1/2022</a:t>
             </a:fld>
@@ -2927,7 +2924,7 @@
           <p:cNvPr id="5" name="Footer Placeholder 4">
             <a:extLst>
               <a:ext uri="{FF2B5EF4-FFF2-40B4-BE49-F238E27FC236}">
-                <a16:creationId xmlns:a16="http://schemas.microsoft.com/office/drawing/2014/main" id="{90042FEB-EBF9-4723-806C-071EA9FE555F}"/>
+                <a16:creationId xmlns:a16="http://schemas.microsoft.com/office/drawing/2014/main" id="{3A1E13ED-6558-4793-AF9B-E16793BA2BFE}"/>
               </a:ext>
             </a:extLst>
           </p:cNvPr>
@@ -2970,7 +2967,7 @@
           <p:cNvPr id="6" name="Slide Number Placeholder 5">
             <a:extLst>
               <a:ext uri="{FF2B5EF4-FFF2-40B4-BE49-F238E27FC236}">
-                <a16:creationId xmlns:a16="http://schemas.microsoft.com/office/drawing/2014/main" id="{8E1173CB-870E-4F5B-A708-1D45F7EEE9BA}"/>
+                <a16:creationId xmlns:a16="http://schemas.microsoft.com/office/drawing/2014/main" id="{69C23723-BFF3-4DE6-BA0E-4980143EE274}"/>
               </a:ext>
             </a:extLst>
           </p:cNvPr>
@@ -3004,7 +3001,7 @@
             </a:lvl1pPr>
           </a:lstStyle>
           <a:p>
-            <a:fld id="{214BC2D8-AF42-43E3-B9E4-3BF1153AE3EA}" type="slidenum">
+            <a:fld id="{840AE02A-BEE6-4C33-97E9-ADB48CF162C7}" type="slidenum">
               <a:rPr lang="en-US" smtClean="0"/>
               <a:t>‹#›</a:t>
             </a:fld>
@@ -3015,7 +3012,7 @@
     </p:spTree>
     <p:extLst>
       <p:ext uri="{BB962C8B-B14F-4D97-AF65-F5344CB8AC3E}">
-        <p14:creationId xmlns:p14="http://schemas.microsoft.com/office/powerpoint/2010/main" val="1321399569"/>
+        <p14:creationId xmlns:p14="http://schemas.microsoft.com/office/powerpoint/2010/main" val="2989043907"/>
       </p:ext>
     </p:extLst>
   </p:cSld>
@@ -3338,7 +3335,7 @@
           <p:cNvPr id="2" name="TextBox 1">
             <a:extLst>
               <a:ext uri="{FF2B5EF4-FFF2-40B4-BE49-F238E27FC236}">
-                <a16:creationId xmlns:a16="http://schemas.microsoft.com/office/drawing/2014/main" id="{FDCC8CB8-6BAC-453A-9EE3-072D935F50AC}"/>
+                <a16:creationId xmlns:a16="http://schemas.microsoft.com/office/drawing/2014/main" id="{EDA53C2B-A37F-4C4B-BF23-E3DED837AF90}"/>
               </a:ext>
             </a:extLst>
           </p:cNvPr>
@@ -3367,8 +3364,19 @@
                 <a:latin typeface="Poppins" panose="00000500000000000000" pitchFamily="2" charset="0"/>
                 <a:cs typeface="Poppins" panose="00000500000000000000" pitchFamily="2" charset="0"/>
               </a:rPr>
-              <a:t>Document Object Model</a:t>
-            </a:r>
+              <a:t>Modular </a:t>
+            </a:r>
+            <a:r>
+              <a:rPr lang="en-US" sz="2400" b="1" dirty="0" err="1">
+                <a:latin typeface="Poppins" panose="00000500000000000000" pitchFamily="2" charset="0"/>
+                <a:cs typeface="Poppins" panose="00000500000000000000" pitchFamily="2" charset="0"/>
+              </a:rPr>
+              <a:t>Javascript</a:t>
+            </a:r>
+            <a:endParaRPr lang="en-US" sz="2400" b="1" dirty="0">
+              <a:latin typeface="Poppins" panose="00000500000000000000" pitchFamily="2" charset="0"/>
+              <a:cs typeface="Poppins" panose="00000500000000000000" pitchFamily="2" charset="0"/>
+            </a:endParaRPr>
           </a:p>
         </p:txBody>
       </p:sp>
@@ -3377,7 +3385,7 @@
           <p:cNvPr id="3" name="TextBox 2">
             <a:extLst>
               <a:ext uri="{FF2B5EF4-FFF2-40B4-BE49-F238E27FC236}">
-                <a16:creationId xmlns:a16="http://schemas.microsoft.com/office/drawing/2014/main" id="{F76532F1-C4A2-4ABB-87B2-6B6D04010C5A}"/>
+                <a16:creationId xmlns:a16="http://schemas.microsoft.com/office/drawing/2014/main" id="{AA1CC62C-43BB-4D19-8527-24624838E321}"/>
               </a:ext>
             </a:extLst>
           </p:cNvPr>
@@ -3463,7 +3471,7 @@
     </p:spTree>
     <p:extLst>
       <p:ext uri="{BB962C8B-B14F-4D97-AF65-F5344CB8AC3E}">
-        <p14:creationId xmlns:p14="http://schemas.microsoft.com/office/powerpoint/2010/main" val="3149032296"/>
+        <p14:creationId xmlns:p14="http://schemas.microsoft.com/office/powerpoint/2010/main" val="2992822777"/>
       </p:ext>
     </p:extLst>
   </p:cSld>
@@ -3490,12 +3498,48 @@
           <a:chExt cx="0" cy="0"/>
         </a:xfrm>
       </p:grpSpPr>
-      <p:sp>
-        <p:nvSpPr>
-          <p:cNvPr id="3" name="TextBox 2">
-            <a:extLst>
-              <a:ext uri="{FF2B5EF4-FFF2-40B4-BE49-F238E27FC236}">
-                <a16:creationId xmlns:a16="http://schemas.microsoft.com/office/drawing/2014/main" id="{353B9D49-77F1-4AF2-999D-CC75D976A1CB}"/>
+      <p:pic>
+        <p:nvPicPr>
+          <p:cNvPr id="6" name="Picture 5">
+            <a:extLst>
+              <a:ext uri="{FF2B5EF4-FFF2-40B4-BE49-F238E27FC236}">
+                <a16:creationId xmlns:a16="http://schemas.microsoft.com/office/drawing/2014/main" id="{625DF6A7-7C6F-44CC-AD3D-A09C70C01131}"/>
+              </a:ext>
+            </a:extLst>
+          </p:cNvPr>
+          <p:cNvPicPr>
+            <a:picLocks noChangeAspect="1"/>
+          </p:cNvPicPr>
+          <p:nvPr/>
+        </p:nvPicPr>
+        <p:blipFill>
+          <a:blip r:embed="rId2">
+            <a:extLst>
+              <a:ext uri="{28A0092B-C50C-407E-A947-70E740481C1C}">
+                <a14:useLocalDpi xmlns:a14="http://schemas.microsoft.com/office/drawing/2010/main" val="0"/>
+              </a:ext>
+            </a:extLst>
+          </a:blip>
+          <a:stretch>
+            <a:fillRect/>
+          </a:stretch>
+        </p:blipFill>
+        <p:spPr>
+          <a:xfrm>
+            <a:off x="1129610" y="1346201"/>
+            <a:ext cx="4441458" cy="2420502"/>
+          </a:xfrm>
+          <a:prstGeom prst="rect">
+            <a:avLst/>
+          </a:prstGeom>
+        </p:spPr>
+      </p:pic>
+      <p:sp>
+        <p:nvSpPr>
+          <p:cNvPr id="7" name="TextBox 6">
+            <a:extLst>
+              <a:ext uri="{FF2B5EF4-FFF2-40B4-BE49-F238E27FC236}">
+                <a16:creationId xmlns:a16="http://schemas.microsoft.com/office/drawing/2014/main" id="{9C675B7E-7935-4D4B-BDD5-7BE4BC91F04D}"/>
               </a:ext>
             </a:extLst>
           </p:cNvPr>
@@ -3505,7 +3549,7 @@
         <p:spPr>
           <a:xfrm>
             <a:off x="770950" y="377376"/>
-            <a:ext cx="1856598" cy="338554"/>
+            <a:ext cx="3315331" cy="338554"/>
           </a:xfrm>
           <a:prstGeom prst="rect">
             <a:avLst/>
@@ -3519,549 +3563,31 @@
           <a:lstStyle/>
           <a:p>
             <a:r>
-              <a:rPr lang="en-US" sz="1600" dirty="0" err="1">
-                <a:latin typeface="Poppins" panose="00000500000000000000" pitchFamily="2" charset="0"/>
-                <a:cs typeface="Poppins" panose="00000500000000000000" pitchFamily="2" charset="0"/>
-              </a:rPr>
-              <a:t>Javascript</a:t>
-            </a:r>
-            <a:r>
               <a:rPr lang="en-US" sz="1600" dirty="0">
                 <a:latin typeface="Poppins" panose="00000500000000000000" pitchFamily="2" charset="0"/>
                 <a:cs typeface="Poppins" panose="00000500000000000000" pitchFamily="2" charset="0"/>
               </a:rPr>
-              <a:t> Roles</a:t>
-            </a:r>
-          </a:p>
-        </p:txBody>
-      </p:sp>
-      <p:grpSp>
-        <p:nvGrpSpPr>
-          <p:cNvPr id="12" name="Group 11">
-            <a:extLst>
-              <a:ext uri="{FF2B5EF4-FFF2-40B4-BE49-F238E27FC236}">
-                <a16:creationId xmlns:a16="http://schemas.microsoft.com/office/drawing/2014/main" id="{214185FD-325D-48F1-B8C5-3ECE6977997C}"/>
-              </a:ext>
-            </a:extLst>
-          </p:cNvPr>
-          <p:cNvGrpSpPr/>
+              <a:t>With Module v Without module</a:t>
+            </a:r>
+          </a:p>
+        </p:txBody>
+      </p:sp>
+      <p:sp>
+        <p:nvSpPr>
+          <p:cNvPr id="8" name="TextBox 7">
+            <a:extLst>
+              <a:ext uri="{FF2B5EF4-FFF2-40B4-BE49-F238E27FC236}">
+                <a16:creationId xmlns:a16="http://schemas.microsoft.com/office/drawing/2014/main" id="{9477E7F4-0760-4327-A938-51C615449B10}"/>
+              </a:ext>
+            </a:extLst>
+          </p:cNvPr>
+          <p:cNvSpPr txBox="1"/>
           <p:nvPr/>
-        </p:nvGrpSpPr>
-        <p:grpSpPr>
-          <a:xfrm>
-            <a:off x="5081530" y="2140812"/>
-            <a:ext cx="1423280" cy="977071"/>
-            <a:chOff x="3465447" y="786144"/>
-            <a:chExt cx="1423280" cy="977071"/>
-          </a:xfrm>
-        </p:grpSpPr>
-        <p:sp>
-          <p:nvSpPr>
-            <p:cNvPr id="5" name="Rectangle: Rounded Corners 4">
-              <a:extLst>
-                <a:ext uri="{FF2B5EF4-FFF2-40B4-BE49-F238E27FC236}">
-                  <a16:creationId xmlns:a16="http://schemas.microsoft.com/office/drawing/2014/main" id="{5B1F48FC-61CF-417E-9B13-007AAFB1AAFA}"/>
-                </a:ext>
-              </a:extLst>
-            </p:cNvPr>
-            <p:cNvSpPr/>
-            <p:nvPr/>
-          </p:nvSpPr>
-          <p:spPr>
-            <a:xfrm>
-              <a:off x="3465447" y="786144"/>
-              <a:ext cx="1423280" cy="977071"/>
-            </a:xfrm>
-            <a:prstGeom prst="roundRect">
-              <a:avLst/>
-            </a:prstGeom>
-            <a:solidFill>
-              <a:schemeClr val="bg1"/>
-            </a:solidFill>
-            <a:ln>
-              <a:solidFill>
-                <a:schemeClr val="tx1"/>
-              </a:solidFill>
-            </a:ln>
-          </p:spPr>
-          <p:style>
-            <a:lnRef idx="2">
-              <a:schemeClr val="accent1">
-                <a:shade val="50000"/>
-              </a:schemeClr>
-            </a:lnRef>
-            <a:fillRef idx="1">
-              <a:schemeClr val="accent1"/>
-            </a:fillRef>
-            <a:effectRef idx="0">
-              <a:schemeClr val="accent1"/>
-            </a:effectRef>
-            <a:fontRef idx="minor">
-              <a:schemeClr val="lt1"/>
-            </a:fontRef>
-          </p:style>
-          <p:txBody>
-            <a:bodyPr rtlCol="0" anchor="ctr"/>
-            <a:lstStyle/>
-            <a:p>
-              <a:pPr algn="ctr"/>
-              <a:r>
-                <a:rPr lang="en-US" sz="1000" dirty="0">
-                  <a:solidFill>
-                    <a:schemeClr val="tx1"/>
-                  </a:solidFill>
-                  <a:latin typeface="Poppins" panose="00000500000000000000" pitchFamily="2" charset="0"/>
-                  <a:cs typeface="Poppins" panose="00000500000000000000" pitchFamily="2" charset="0"/>
-                </a:rPr>
-                <a:t>HTML</a:t>
-              </a:r>
-            </a:p>
-          </p:txBody>
-        </p:sp>
-        <p:pic>
-          <p:nvPicPr>
-            <p:cNvPr id="6" name="Picture 2" descr="JavaScript PNG, Transparent JS Logo Free Download - Free Transparent PNG  Logos">
-              <a:extLst>
-                <a:ext uri="{FF2B5EF4-FFF2-40B4-BE49-F238E27FC236}">
-                  <a16:creationId xmlns:a16="http://schemas.microsoft.com/office/drawing/2014/main" id="{8EE21E0E-A0E2-487F-BAD0-0C6811F1C7C9}"/>
-                </a:ext>
-              </a:extLst>
-            </p:cNvPr>
-            <p:cNvPicPr>
-              <a:picLocks noChangeAspect="1" noChangeArrowheads="1"/>
-            </p:cNvPicPr>
-            <p:nvPr/>
-          </p:nvPicPr>
-          <p:blipFill>
-            <a:blip r:embed="rId2">
-              <a:extLst>
-                <a:ext uri="{28A0092B-C50C-407E-A947-70E740481C1C}">
-                  <a14:useLocalDpi xmlns:a14="http://schemas.microsoft.com/office/drawing/2010/main" val="0"/>
-                </a:ext>
-              </a:extLst>
-            </a:blip>
-            <a:srcRect/>
-            <a:stretch>
-              <a:fillRect/>
-            </a:stretch>
-          </p:blipFill>
-          <p:spPr bwMode="auto">
-            <a:xfrm>
-              <a:off x="3689792" y="1000731"/>
-              <a:ext cx="974589" cy="547895"/>
-            </a:xfrm>
-            <a:prstGeom prst="rect">
-              <a:avLst/>
-            </a:prstGeom>
-            <a:noFill/>
-            <a:extLst>
-              <a:ext uri="{909E8E84-426E-40DD-AFC4-6F175D3DCCD1}">
-                <a14:hiddenFill xmlns:a14="http://schemas.microsoft.com/office/drawing/2010/main">
-                  <a:solidFill>
-                    <a:srgbClr val="FFFFFF"/>
-                  </a:solidFill>
-                </a14:hiddenFill>
-              </a:ext>
-            </a:extLst>
-          </p:spPr>
-        </p:pic>
-      </p:grpSp>
-      <p:grpSp>
-        <p:nvGrpSpPr>
-          <p:cNvPr id="11" name="Group 10">
-            <a:extLst>
-              <a:ext uri="{FF2B5EF4-FFF2-40B4-BE49-F238E27FC236}">
-                <a16:creationId xmlns:a16="http://schemas.microsoft.com/office/drawing/2014/main" id="{CD889056-E7AC-4724-B9A9-B8F2B66BD9F4}"/>
-              </a:ext>
-            </a:extLst>
-          </p:cNvPr>
-          <p:cNvGrpSpPr/>
-          <p:nvPr/>
-        </p:nvGrpSpPr>
-        <p:grpSpPr>
-          <a:xfrm>
-            <a:off x="3882595" y="3477060"/>
-            <a:ext cx="1423280" cy="977071"/>
-            <a:chOff x="1061506" y="792048"/>
-            <a:chExt cx="1423280" cy="977071"/>
-          </a:xfrm>
-        </p:grpSpPr>
-        <p:sp>
-          <p:nvSpPr>
-            <p:cNvPr id="7" name="Rectangle: Rounded Corners 6">
-              <a:extLst>
-                <a:ext uri="{FF2B5EF4-FFF2-40B4-BE49-F238E27FC236}">
-                  <a16:creationId xmlns:a16="http://schemas.microsoft.com/office/drawing/2014/main" id="{9A823E67-8C15-4F66-A131-639A7CE41365}"/>
-                </a:ext>
-              </a:extLst>
-            </p:cNvPr>
-            <p:cNvSpPr/>
-            <p:nvPr/>
-          </p:nvSpPr>
-          <p:spPr>
-            <a:xfrm>
-              <a:off x="1061506" y="792048"/>
-              <a:ext cx="1423280" cy="977071"/>
-            </a:xfrm>
-            <a:prstGeom prst="roundRect">
-              <a:avLst/>
-            </a:prstGeom>
-            <a:solidFill>
-              <a:schemeClr val="bg1"/>
-            </a:solidFill>
-            <a:ln>
-              <a:solidFill>
-                <a:schemeClr val="tx1"/>
-              </a:solidFill>
-            </a:ln>
-          </p:spPr>
-          <p:style>
-            <a:lnRef idx="2">
-              <a:schemeClr val="accent1">
-                <a:shade val="50000"/>
-              </a:schemeClr>
-            </a:lnRef>
-            <a:fillRef idx="1">
-              <a:schemeClr val="accent1"/>
-            </a:fillRef>
-            <a:effectRef idx="0">
-              <a:schemeClr val="accent1"/>
-            </a:effectRef>
-            <a:fontRef idx="minor">
-              <a:schemeClr val="lt1"/>
-            </a:fontRef>
-          </p:style>
-          <p:txBody>
-            <a:bodyPr rtlCol="0" anchor="ctr"/>
-            <a:lstStyle/>
-            <a:p>
-              <a:pPr algn="ctr"/>
-              <a:r>
-                <a:rPr lang="en-US" sz="1000" dirty="0">
-                  <a:solidFill>
-                    <a:schemeClr val="tx1"/>
-                  </a:solidFill>
-                  <a:latin typeface="Poppins" panose="00000500000000000000" pitchFamily="2" charset="0"/>
-                  <a:cs typeface="Poppins" panose="00000500000000000000" pitchFamily="2" charset="0"/>
-                </a:rPr>
-                <a:t>CSS</a:t>
-              </a:r>
-            </a:p>
-          </p:txBody>
-        </p:sp>
-        <p:pic>
-          <p:nvPicPr>
-            <p:cNvPr id="8" name="Picture 6">
-              <a:extLst>
-                <a:ext uri="{FF2B5EF4-FFF2-40B4-BE49-F238E27FC236}">
-                  <a16:creationId xmlns:a16="http://schemas.microsoft.com/office/drawing/2014/main" id="{9DD6DBCA-1DA0-435F-8AFF-FDA2D4551AB5}"/>
-                </a:ext>
-              </a:extLst>
-            </p:cNvPr>
-            <p:cNvPicPr>
-              <a:picLocks noChangeAspect="1" noChangeArrowheads="1"/>
-            </p:cNvPicPr>
-            <p:nvPr/>
-          </p:nvPicPr>
-          <p:blipFill>
-            <a:blip r:embed="rId3">
-              <a:extLst>
-                <a:ext uri="{28A0092B-C50C-407E-A947-70E740481C1C}">
-                  <a14:useLocalDpi xmlns:a14="http://schemas.microsoft.com/office/drawing/2010/main" val="0"/>
-                </a:ext>
-              </a:extLst>
-            </a:blip>
-            <a:srcRect/>
-            <a:stretch>
-              <a:fillRect/>
-            </a:stretch>
-          </p:blipFill>
-          <p:spPr bwMode="auto">
-            <a:xfrm>
-              <a:off x="1547560" y="1000731"/>
-              <a:ext cx="451171" cy="636531"/>
-            </a:xfrm>
-            <a:prstGeom prst="rect">
-              <a:avLst/>
-            </a:prstGeom>
-            <a:noFill/>
-            <a:extLst>
-              <a:ext uri="{909E8E84-426E-40DD-AFC4-6F175D3DCCD1}">
-                <a14:hiddenFill xmlns:a14="http://schemas.microsoft.com/office/drawing/2010/main">
-                  <a:solidFill>
-                    <a:srgbClr val="FFFFFF"/>
-                  </a:solidFill>
-                </a14:hiddenFill>
-              </a:ext>
-            </a:extLst>
-          </p:spPr>
-        </p:pic>
-      </p:grpSp>
-      <p:grpSp>
-        <p:nvGrpSpPr>
-          <p:cNvPr id="13" name="Group 12">
-            <a:extLst>
-              <a:ext uri="{FF2B5EF4-FFF2-40B4-BE49-F238E27FC236}">
-                <a16:creationId xmlns:a16="http://schemas.microsoft.com/office/drawing/2014/main" id="{6BB0391F-8003-48D0-97B0-D25F2606599B}"/>
-              </a:ext>
-            </a:extLst>
-          </p:cNvPr>
-          <p:cNvGrpSpPr/>
-          <p:nvPr/>
-        </p:nvGrpSpPr>
-        <p:grpSpPr>
-          <a:xfrm>
-            <a:off x="6280464" y="3477060"/>
-            <a:ext cx="1423280" cy="977071"/>
-            <a:chOff x="5737849" y="1148726"/>
-            <a:chExt cx="1423280" cy="977071"/>
-          </a:xfrm>
-        </p:grpSpPr>
-        <p:sp>
-          <p:nvSpPr>
-            <p:cNvPr id="9" name="Rectangle: Rounded Corners 8">
-              <a:extLst>
-                <a:ext uri="{FF2B5EF4-FFF2-40B4-BE49-F238E27FC236}">
-                  <a16:creationId xmlns:a16="http://schemas.microsoft.com/office/drawing/2014/main" id="{CDD6CAA1-8671-4EDF-8F81-398FAFE74714}"/>
-                </a:ext>
-              </a:extLst>
-            </p:cNvPr>
-            <p:cNvSpPr/>
-            <p:nvPr/>
-          </p:nvSpPr>
-          <p:spPr>
-            <a:xfrm>
-              <a:off x="5737849" y="1148726"/>
-              <a:ext cx="1423280" cy="977071"/>
-            </a:xfrm>
-            <a:prstGeom prst="roundRect">
-              <a:avLst/>
-            </a:prstGeom>
-            <a:solidFill>
-              <a:schemeClr val="bg1"/>
-            </a:solidFill>
-            <a:ln>
-              <a:solidFill>
-                <a:schemeClr val="tx1"/>
-              </a:solidFill>
-            </a:ln>
-          </p:spPr>
-          <p:style>
-            <a:lnRef idx="2">
-              <a:schemeClr val="accent1">
-                <a:shade val="50000"/>
-              </a:schemeClr>
-            </a:lnRef>
-            <a:fillRef idx="1">
-              <a:schemeClr val="accent1"/>
-            </a:fillRef>
-            <a:effectRef idx="0">
-              <a:schemeClr val="accent1"/>
-            </a:effectRef>
-            <a:fontRef idx="minor">
-              <a:schemeClr val="lt1"/>
-            </a:fontRef>
-          </p:style>
-          <p:txBody>
-            <a:bodyPr rtlCol="0" anchor="ctr"/>
-            <a:lstStyle/>
-            <a:p>
-              <a:pPr algn="ctr"/>
-              <a:r>
-                <a:rPr lang="en-US" sz="1000" dirty="0">
-                  <a:solidFill>
-                    <a:schemeClr val="tx1"/>
-                  </a:solidFill>
-                  <a:latin typeface="Poppins" panose="00000500000000000000" pitchFamily="2" charset="0"/>
-                  <a:cs typeface="Poppins" panose="00000500000000000000" pitchFamily="2" charset="0"/>
-                </a:rPr>
-                <a:t>CSS</a:t>
-              </a:r>
-            </a:p>
-          </p:txBody>
-        </p:sp>
-        <p:pic>
-          <p:nvPicPr>
-            <p:cNvPr id="10" name="Picture 4">
-              <a:extLst>
-                <a:ext uri="{FF2B5EF4-FFF2-40B4-BE49-F238E27FC236}">
-                  <a16:creationId xmlns:a16="http://schemas.microsoft.com/office/drawing/2014/main" id="{B5579F29-23F3-4AB0-869E-1203B30AD7FF}"/>
-                </a:ext>
-              </a:extLst>
-            </p:cNvPr>
-            <p:cNvPicPr>
-              <a:picLocks noChangeAspect="1" noChangeArrowheads="1"/>
-            </p:cNvPicPr>
-            <p:nvPr/>
-          </p:nvPicPr>
-          <p:blipFill>
-            <a:blip r:embed="rId4">
-              <a:extLst>
-                <a:ext uri="{28A0092B-C50C-407E-A947-70E740481C1C}">
-                  <a14:useLocalDpi xmlns:a14="http://schemas.microsoft.com/office/drawing/2010/main" val="0"/>
-                </a:ext>
-              </a:extLst>
-            </a:blip>
-            <a:srcRect/>
-            <a:stretch>
-              <a:fillRect/>
-            </a:stretch>
-          </p:blipFill>
-          <p:spPr bwMode="auto">
-            <a:xfrm>
-              <a:off x="6143736" y="1318996"/>
-              <a:ext cx="611505" cy="611505"/>
-            </a:xfrm>
-            <a:prstGeom prst="rect">
-              <a:avLst/>
-            </a:prstGeom>
-            <a:noFill/>
-            <a:extLst>
-              <a:ext uri="{909E8E84-426E-40DD-AFC4-6F175D3DCCD1}">
-                <a14:hiddenFill xmlns:a14="http://schemas.microsoft.com/office/drawing/2010/main">
-                  <a:solidFill>
-                    <a:srgbClr val="FFFFFF"/>
-                  </a:solidFill>
-                </a14:hiddenFill>
-              </a:ext>
-            </a:extLst>
-          </p:spPr>
-        </p:pic>
-      </p:grpSp>
-      <p:cxnSp>
-        <p:nvCxnSpPr>
-          <p:cNvPr id="15" name="Straight Connector 14">
-            <a:extLst>
-              <a:ext uri="{FF2B5EF4-FFF2-40B4-BE49-F238E27FC236}">
-                <a16:creationId xmlns:a16="http://schemas.microsoft.com/office/drawing/2014/main" id="{4E89C98F-6C81-4949-A1F9-43A487067C95}"/>
-              </a:ext>
-            </a:extLst>
-          </p:cNvPr>
-          <p:cNvCxnSpPr>
-            <a:cxnSpLocks/>
-            <a:stCxn id="5" idx="2"/>
-            <a:endCxn id="9" idx="0"/>
-          </p:cNvCxnSpPr>
-          <p:nvPr/>
-        </p:nvCxnSpPr>
+        </p:nvSpPr>
         <p:spPr>
           <a:xfrm>
-            <a:off x="5793170" y="3117883"/>
-            <a:ext cx="1198934" cy="359177"/>
-          </a:xfrm>
-          <a:prstGeom prst="line">
-            <a:avLst/>
-          </a:prstGeom>
-        </p:spPr>
-        <p:style>
-          <a:lnRef idx="1">
-            <a:schemeClr val="dk1"/>
-          </a:lnRef>
-          <a:fillRef idx="0">
-            <a:schemeClr val="dk1"/>
-          </a:fillRef>
-          <a:effectRef idx="0">
-            <a:schemeClr val="dk1"/>
-          </a:effectRef>
-          <a:fontRef idx="minor">
-            <a:schemeClr val="tx1"/>
-          </a:fontRef>
-        </p:style>
-      </p:cxnSp>
-      <p:cxnSp>
-        <p:nvCxnSpPr>
-          <p:cNvPr id="17" name="Straight Connector 16">
-            <a:extLst>
-              <a:ext uri="{FF2B5EF4-FFF2-40B4-BE49-F238E27FC236}">
-                <a16:creationId xmlns:a16="http://schemas.microsoft.com/office/drawing/2014/main" id="{523E95D4-61B1-4B36-83D5-2BA31BD2E73C}"/>
-              </a:ext>
-            </a:extLst>
-          </p:cNvPr>
-          <p:cNvCxnSpPr>
-            <a:cxnSpLocks/>
-          </p:cNvCxnSpPr>
-          <p:nvPr/>
-        </p:nvCxnSpPr>
-        <p:spPr>
-          <a:xfrm flipH="1">
-            <a:off x="4594235" y="3115712"/>
-            <a:ext cx="1227448" cy="352881"/>
-          </a:xfrm>
-          <a:prstGeom prst="line">
-            <a:avLst/>
-          </a:prstGeom>
-        </p:spPr>
-        <p:style>
-          <a:lnRef idx="1">
-            <a:schemeClr val="dk1"/>
-          </a:lnRef>
-          <a:fillRef idx="0">
-            <a:schemeClr val="dk1"/>
-          </a:fillRef>
-          <a:effectRef idx="0">
-            <a:schemeClr val="dk1"/>
-          </a:effectRef>
-          <a:fontRef idx="minor">
-            <a:schemeClr val="tx1"/>
-          </a:fontRef>
-        </p:style>
-      </p:cxnSp>
-      <p:cxnSp>
-        <p:nvCxnSpPr>
-          <p:cNvPr id="19" name="Straight Connector 18">
-            <a:extLst>
-              <a:ext uri="{FF2B5EF4-FFF2-40B4-BE49-F238E27FC236}">
-                <a16:creationId xmlns:a16="http://schemas.microsoft.com/office/drawing/2014/main" id="{53ABE858-F6D3-4575-B5E6-81C65405C6C8}"/>
-              </a:ext>
-            </a:extLst>
-          </p:cNvPr>
-          <p:cNvCxnSpPr>
-            <a:cxnSpLocks/>
-            <a:stCxn id="9" idx="1"/>
-            <a:endCxn id="7" idx="3"/>
-          </p:cNvCxnSpPr>
-          <p:nvPr/>
-        </p:nvCxnSpPr>
-        <p:spPr>
-          <a:xfrm flipH="1">
-            <a:off x="5305875" y="3965596"/>
-            <a:ext cx="974589" cy="0"/>
-          </a:xfrm>
-          <a:prstGeom prst="line">
-            <a:avLst/>
-          </a:prstGeom>
-        </p:spPr>
-        <p:style>
-          <a:lnRef idx="1">
-            <a:schemeClr val="dk1"/>
-          </a:lnRef>
-          <a:fillRef idx="0">
-            <a:schemeClr val="dk1"/>
-          </a:fillRef>
-          <a:effectRef idx="0">
-            <a:schemeClr val="dk1"/>
-          </a:effectRef>
-          <a:fontRef idx="minor">
-            <a:schemeClr val="tx1"/>
-          </a:fontRef>
-        </p:style>
-      </p:cxnSp>
-      <p:sp>
-        <p:nvSpPr>
-          <p:cNvPr id="22" name="TextBox 21">
-            <a:extLst>
-              <a:ext uri="{FF2B5EF4-FFF2-40B4-BE49-F238E27FC236}">
-                <a16:creationId xmlns:a16="http://schemas.microsoft.com/office/drawing/2014/main" id="{1A7F5BF7-E241-4A1D-B289-58F5D15426E9}"/>
-              </a:ext>
-            </a:extLst>
-          </p:cNvPr>
-          <p:cNvSpPr txBox="1"/>
-          <p:nvPr/>
-        </p:nvSpPr>
-        <p:spPr>
-          <a:xfrm>
-            <a:off x="5563545" y="3445428"/>
-            <a:ext cx="453970" cy="246221"/>
+            <a:off x="1129609" y="1084591"/>
+            <a:ext cx="1342658" cy="261610"/>
           </a:xfrm>
           <a:prstGeom prst="rect">
             <a:avLst/>
@@ -4069,65 +3595,62 @@
           <a:noFill/>
         </p:spPr>
         <p:txBody>
-          <a:bodyPr wrap="none" rtlCol="0">
+          <a:bodyPr wrap="square" rtlCol="0">
             <a:spAutoFit/>
           </a:bodyPr>
           <a:lstStyle/>
           <a:p>
             <a:r>
-              <a:rPr lang="en-US" sz="1000" dirty="0">
+              <a:rPr lang="en-US" sz="1100" dirty="0">
                 <a:latin typeface="Poppins" panose="00000500000000000000" pitchFamily="2" charset="0"/>
                 <a:cs typeface="Poppins" panose="00000500000000000000" pitchFamily="2" charset="0"/>
               </a:rPr>
-              <a:t>WEB</a:t>
-            </a:r>
-          </a:p>
-        </p:txBody>
-      </p:sp>
-      <p:cxnSp>
-        <p:nvCxnSpPr>
-          <p:cNvPr id="25" name="Straight Connector 24">
-            <a:extLst>
-              <a:ext uri="{FF2B5EF4-FFF2-40B4-BE49-F238E27FC236}">
-                <a16:creationId xmlns:a16="http://schemas.microsoft.com/office/drawing/2014/main" id="{9C4C5593-27A3-4B19-A8F8-4AD6F348977E}"/>
-              </a:ext>
-            </a:extLst>
-          </p:cNvPr>
-          <p:cNvCxnSpPr>
-            <a:cxnSpLocks/>
-          </p:cNvCxnSpPr>
+              <a:t>Without module</a:t>
+            </a:r>
+          </a:p>
+        </p:txBody>
+      </p:sp>
+      <p:pic>
+        <p:nvPicPr>
+          <p:cNvPr id="10" name="Picture 9">
+            <a:extLst>
+              <a:ext uri="{FF2B5EF4-FFF2-40B4-BE49-F238E27FC236}">
+                <a16:creationId xmlns:a16="http://schemas.microsoft.com/office/drawing/2014/main" id="{01941E6D-A9D8-41EF-80F8-5FA1314FF979}"/>
+              </a:ext>
+            </a:extLst>
+          </p:cNvPr>
+          <p:cNvPicPr>
+            <a:picLocks noChangeAspect="1"/>
+          </p:cNvPicPr>
           <p:nvPr/>
-        </p:nvCxnSpPr>
+        </p:nvPicPr>
+        <p:blipFill>
+          <a:blip r:embed="rId3">
+            <a:extLst>
+              <a:ext uri="{28A0092B-C50C-407E-A947-70E740481C1C}">
+                <a14:useLocalDpi xmlns:a14="http://schemas.microsoft.com/office/drawing/2010/main" val="0"/>
+              </a:ext>
+            </a:extLst>
+          </a:blip>
+          <a:srcRect/>
+          <a:stretch/>
+        </p:blipFill>
         <p:spPr>
-          <a:xfrm flipV="1">
-            <a:off x="6504809" y="2629346"/>
-            <a:ext cx="1198935" cy="16427"/>
+          <a:xfrm>
+            <a:off x="6620935" y="3249562"/>
+            <a:ext cx="4790219" cy="2329971"/>
           </a:xfrm>
-          <a:prstGeom prst="line">
+          <a:prstGeom prst="rect">
             <a:avLst/>
           </a:prstGeom>
         </p:spPr>
-        <p:style>
-          <a:lnRef idx="1">
-            <a:schemeClr val="dk1"/>
-          </a:lnRef>
-          <a:fillRef idx="0">
-            <a:schemeClr val="dk1"/>
-          </a:fillRef>
-          <a:effectRef idx="0">
-            <a:schemeClr val="dk1"/>
-          </a:effectRef>
-          <a:fontRef idx="minor">
-            <a:schemeClr val="tx1"/>
-          </a:fontRef>
-        </p:style>
-      </p:cxnSp>
-      <p:sp>
-        <p:nvSpPr>
-          <p:cNvPr id="27" name="TextBox 26">
-            <a:extLst>
-              <a:ext uri="{FF2B5EF4-FFF2-40B4-BE49-F238E27FC236}">
-                <a16:creationId xmlns:a16="http://schemas.microsoft.com/office/drawing/2014/main" id="{BFD5A24B-03AB-4458-9FC6-7B6BEAB018E9}"/>
+      </p:pic>
+      <p:sp>
+        <p:nvSpPr>
+          <p:cNvPr id="11" name="TextBox 10">
+            <a:extLst>
+              <a:ext uri="{FF2B5EF4-FFF2-40B4-BE49-F238E27FC236}">
+                <a16:creationId xmlns:a16="http://schemas.microsoft.com/office/drawing/2014/main" id="{B1EB0DBD-3EF7-462C-AA97-C3BAF9FB2A2B}"/>
               </a:ext>
             </a:extLst>
           </p:cNvPr>
@@ -4136,8 +3659,8 @@
         </p:nvSpPr>
         <p:spPr>
           <a:xfrm>
-            <a:off x="7874945" y="2522662"/>
-            <a:ext cx="745717" cy="246221"/>
+            <a:off x="6620934" y="2987952"/>
+            <a:ext cx="1342658" cy="261610"/>
           </a:xfrm>
           <a:prstGeom prst="rect">
             <a:avLst/>
@@ -4145,245 +3668,17 @@
           <a:noFill/>
         </p:spPr>
         <p:txBody>
-          <a:bodyPr wrap="none" rtlCol="0">
+          <a:bodyPr wrap="square" rtlCol="0">
             <a:spAutoFit/>
           </a:bodyPr>
           <a:lstStyle/>
           <a:p>
             <a:r>
-              <a:rPr lang="en-US" sz="1000" dirty="0">
+              <a:rPr lang="en-US" sz="1100" dirty="0">
                 <a:latin typeface="Poppins" panose="00000500000000000000" pitchFamily="2" charset="0"/>
                 <a:cs typeface="Poppins" panose="00000500000000000000" pitchFamily="2" charset="0"/>
               </a:rPr>
-              <a:t>Behavior</a:t>
-            </a:r>
-          </a:p>
-        </p:txBody>
-      </p:sp>
-      <p:sp>
-        <p:nvSpPr>
-          <p:cNvPr id="28" name="TextBox 27">
-            <a:extLst>
-              <a:ext uri="{FF2B5EF4-FFF2-40B4-BE49-F238E27FC236}">
-                <a16:creationId xmlns:a16="http://schemas.microsoft.com/office/drawing/2014/main" id="{0B719C4F-27F0-4E87-BE29-BD73441B144A}"/>
-              </a:ext>
-            </a:extLst>
-          </p:cNvPr>
-          <p:cNvSpPr txBox="1"/>
-          <p:nvPr/>
-        </p:nvSpPr>
-        <p:spPr>
-          <a:xfrm>
-            <a:off x="2551348" y="3880896"/>
-            <a:ext cx="490840" cy="246221"/>
-          </a:xfrm>
-          <a:prstGeom prst="rect">
-            <a:avLst/>
-          </a:prstGeom>
-          <a:noFill/>
-        </p:spPr>
-        <p:txBody>
-          <a:bodyPr wrap="none" rtlCol="0">
-            <a:spAutoFit/>
-          </a:bodyPr>
-          <a:lstStyle/>
-          <a:p>
-            <a:r>
-              <a:rPr lang="en-US" sz="1000" dirty="0">
-                <a:latin typeface="Poppins" panose="00000500000000000000" pitchFamily="2" charset="0"/>
-                <a:cs typeface="Poppins" panose="00000500000000000000" pitchFamily="2" charset="0"/>
-              </a:rPr>
-              <a:t>Style</a:t>
-            </a:r>
-          </a:p>
-        </p:txBody>
-      </p:sp>
-      <p:cxnSp>
-        <p:nvCxnSpPr>
-          <p:cNvPr id="29" name="Straight Connector 28">
-            <a:extLst>
-              <a:ext uri="{FF2B5EF4-FFF2-40B4-BE49-F238E27FC236}">
-                <a16:creationId xmlns:a16="http://schemas.microsoft.com/office/drawing/2014/main" id="{1048D6ED-6035-44A5-9A55-7752018AEF3E}"/>
-              </a:ext>
-            </a:extLst>
-          </p:cNvPr>
-          <p:cNvCxnSpPr>
-            <a:cxnSpLocks/>
-          </p:cNvCxnSpPr>
-          <p:nvPr/>
-        </p:nvCxnSpPr>
-        <p:spPr>
-          <a:xfrm>
-            <a:off x="3054438" y="4004007"/>
-            <a:ext cx="828156" cy="1"/>
-          </a:xfrm>
-          <a:prstGeom prst="line">
-            <a:avLst/>
-          </a:prstGeom>
-        </p:spPr>
-        <p:style>
-          <a:lnRef idx="1">
-            <a:schemeClr val="dk1"/>
-          </a:lnRef>
-          <a:fillRef idx="0">
-            <a:schemeClr val="dk1"/>
-          </a:fillRef>
-          <a:effectRef idx="0">
-            <a:schemeClr val="dk1"/>
-          </a:effectRef>
-          <a:fontRef idx="minor">
-            <a:schemeClr val="tx1"/>
-          </a:fontRef>
-        </p:style>
-      </p:cxnSp>
-      <p:sp>
-        <p:nvSpPr>
-          <p:cNvPr id="31" name="TextBox 30">
-            <a:extLst>
-              <a:ext uri="{FF2B5EF4-FFF2-40B4-BE49-F238E27FC236}">
-                <a16:creationId xmlns:a16="http://schemas.microsoft.com/office/drawing/2014/main" id="{1D0D69D1-9DB5-4AFE-8D04-8DB2C536B206}"/>
-              </a:ext>
-            </a:extLst>
-          </p:cNvPr>
-          <p:cNvSpPr txBox="1"/>
-          <p:nvPr/>
-        </p:nvSpPr>
-        <p:spPr>
-          <a:xfrm>
-            <a:off x="8474504" y="3842485"/>
-            <a:ext cx="896399" cy="246221"/>
-          </a:xfrm>
-          <a:prstGeom prst="rect">
-            <a:avLst/>
-          </a:prstGeom>
-          <a:noFill/>
-        </p:spPr>
-        <p:txBody>
-          <a:bodyPr wrap="none" rtlCol="0">
-            <a:spAutoFit/>
-          </a:bodyPr>
-          <a:lstStyle/>
-          <a:p>
-            <a:r>
-              <a:rPr lang="en-US" sz="1000" dirty="0">
-                <a:latin typeface="Poppins" panose="00000500000000000000" pitchFamily="2" charset="0"/>
-                <a:cs typeface="Poppins" panose="00000500000000000000" pitchFamily="2" charset="0"/>
-              </a:rPr>
-              <a:t>Framework</a:t>
-            </a:r>
-          </a:p>
-        </p:txBody>
-      </p:sp>
-      <p:cxnSp>
-        <p:nvCxnSpPr>
-          <p:cNvPr id="32" name="Straight Connector 31">
-            <a:extLst>
-              <a:ext uri="{FF2B5EF4-FFF2-40B4-BE49-F238E27FC236}">
-                <a16:creationId xmlns:a16="http://schemas.microsoft.com/office/drawing/2014/main" id="{5584CB06-025B-4D0A-B129-52563B05F2B3}"/>
-              </a:ext>
-            </a:extLst>
-          </p:cNvPr>
-          <p:cNvCxnSpPr>
-            <a:cxnSpLocks/>
-          </p:cNvCxnSpPr>
-          <p:nvPr/>
-        </p:nvCxnSpPr>
-        <p:spPr>
-          <a:xfrm>
-            <a:off x="7695553" y="3982455"/>
-            <a:ext cx="828156" cy="1"/>
-          </a:xfrm>
-          <a:prstGeom prst="line">
-            <a:avLst/>
-          </a:prstGeom>
-        </p:spPr>
-        <p:style>
-          <a:lnRef idx="1">
-            <a:schemeClr val="dk1"/>
-          </a:lnRef>
-          <a:fillRef idx="0">
-            <a:schemeClr val="dk1"/>
-          </a:fillRef>
-          <a:effectRef idx="0">
-            <a:schemeClr val="dk1"/>
-          </a:effectRef>
-          <a:fontRef idx="minor">
-            <a:schemeClr val="tx1"/>
-          </a:fontRef>
-        </p:style>
-      </p:cxnSp>
-      <p:sp>
-        <p:nvSpPr>
-          <p:cNvPr id="33" name="TextBox 32">
-            <a:extLst>
-              <a:ext uri="{FF2B5EF4-FFF2-40B4-BE49-F238E27FC236}">
-                <a16:creationId xmlns:a16="http://schemas.microsoft.com/office/drawing/2014/main" id="{3506EDE1-8CEB-4DF9-9A5E-0342D29F92F5}"/>
-              </a:ext>
-            </a:extLst>
-          </p:cNvPr>
-          <p:cNvSpPr txBox="1"/>
-          <p:nvPr/>
-        </p:nvSpPr>
-        <p:spPr>
-          <a:xfrm rot="1127896">
-            <a:off x="6475725" y="3114673"/>
-            <a:ext cx="487634" cy="230832"/>
-          </a:xfrm>
-          <a:prstGeom prst="rect">
-            <a:avLst/>
-          </a:prstGeom>
-          <a:noFill/>
-        </p:spPr>
-        <p:txBody>
-          <a:bodyPr wrap="square" rtlCol="0">
-            <a:spAutoFit/>
-          </a:bodyPr>
-          <a:lstStyle/>
-          <a:p>
-            <a:r>
-              <a:rPr lang="en-US" sz="900" dirty="0">
-                <a:latin typeface="Poppins" panose="00000500000000000000" pitchFamily="2" charset="0"/>
-                <a:cs typeface="Poppins" panose="00000500000000000000" pitchFamily="2" charset="0"/>
-              </a:rPr>
-              <a:t>DOM</a:t>
-            </a:r>
-          </a:p>
-        </p:txBody>
-      </p:sp>
-      <p:sp>
-        <p:nvSpPr>
-          <p:cNvPr id="34" name="TextBox 33">
-            <a:extLst>
-              <a:ext uri="{FF2B5EF4-FFF2-40B4-BE49-F238E27FC236}">
-                <a16:creationId xmlns:a16="http://schemas.microsoft.com/office/drawing/2014/main" id="{8B9FF785-11D6-4CF1-8A3F-BC73C56584A0}"/>
-              </a:ext>
-            </a:extLst>
-          </p:cNvPr>
-          <p:cNvSpPr txBox="1"/>
-          <p:nvPr/>
-        </p:nvSpPr>
-        <p:spPr>
-          <a:xfrm rot="20514694">
-            <a:off x="4658329" y="3130393"/>
-            <a:ext cx="487634" cy="230832"/>
-          </a:xfrm>
-          <a:prstGeom prst="rect">
-            <a:avLst/>
-          </a:prstGeom>
-          <a:noFill/>
-        </p:spPr>
-        <p:txBody>
-          <a:bodyPr wrap="square" rtlCol="0">
-            <a:spAutoFit/>
-          </a:bodyPr>
-          <a:lstStyle/>
-          <a:p>
-            <a:r>
-              <a:rPr lang="en-US" sz="900" dirty="0">
-                <a:latin typeface="Poppins" panose="00000500000000000000" pitchFamily="2" charset="0"/>
-                <a:cs typeface="Poppins" panose="00000500000000000000" pitchFamily="2" charset="0"/>
-              </a:rPr>
-              <a:t>DOM</a:t>
+              <a:t>With module</a:t>
             </a:r>
           </a:p>
         </p:txBody>
@@ -4391,7 +3686,7 @@
     </p:spTree>
     <p:extLst>
       <p:ext uri="{BB962C8B-B14F-4D97-AF65-F5344CB8AC3E}">
-        <p14:creationId xmlns:p14="http://schemas.microsoft.com/office/powerpoint/2010/main" val="2685309408"/>
+        <p14:creationId xmlns:p14="http://schemas.microsoft.com/office/powerpoint/2010/main" val="2201091343"/>
       </p:ext>
     </p:extLst>
   </p:cSld>
@@ -4418,59 +3713,12 @@
           <a:chExt cx="0" cy="0"/>
         </a:xfrm>
       </p:grpSpPr>
-      <p:pic>
-        <p:nvPicPr>
-          <p:cNvPr id="1026" name="Picture 2" descr="DOM Manipulation">
-            <a:extLst>
-              <a:ext uri="{FF2B5EF4-FFF2-40B4-BE49-F238E27FC236}">
-                <a16:creationId xmlns:a16="http://schemas.microsoft.com/office/drawing/2014/main" id="{730FA4D9-C6D4-479E-84F5-73752626424D}"/>
-              </a:ext>
-            </a:extLst>
-          </p:cNvPr>
-          <p:cNvPicPr>
-            <a:picLocks noChangeAspect="1" noChangeArrowheads="1"/>
-          </p:cNvPicPr>
-          <p:nvPr/>
-        </p:nvPicPr>
-        <p:blipFill>
-          <a:blip r:embed="rId2">
-            <a:extLst>
-              <a:ext uri="{28A0092B-C50C-407E-A947-70E740481C1C}">
-                <a14:useLocalDpi xmlns:a14="http://schemas.microsoft.com/office/drawing/2010/main" val="0"/>
-              </a:ext>
-            </a:extLst>
-          </a:blip>
-          <a:srcRect/>
-          <a:stretch>
-            <a:fillRect/>
-          </a:stretch>
-        </p:blipFill>
-        <p:spPr bwMode="auto">
-          <a:xfrm>
-            <a:off x="3116262" y="1143529"/>
-            <a:ext cx="5400675" cy="3876675"/>
-          </a:xfrm>
-          <a:prstGeom prst="rect">
-            <a:avLst/>
-          </a:prstGeom>
-          <a:noFill/>
-          <a:extLst>
-            <a:ext uri="{909E8E84-426E-40DD-AFC4-6F175D3DCCD1}">
-              <a14:hiddenFill xmlns:a14="http://schemas.microsoft.com/office/drawing/2010/main">
-                <a:solidFill>
-                  <a:srgbClr val="FFFFFF"/>
-                </a:solidFill>
-              </a14:hiddenFill>
-            </a:ext>
-          </a:extLst>
-        </p:spPr>
-      </p:pic>
-      <p:sp>
-        <p:nvSpPr>
-          <p:cNvPr id="3" name="TextBox 2">
-            <a:extLst>
-              <a:ext uri="{FF2B5EF4-FFF2-40B4-BE49-F238E27FC236}">
-                <a16:creationId xmlns:a16="http://schemas.microsoft.com/office/drawing/2014/main" id="{73B13841-6D3C-4B2A-82BA-BFB34112E2FE}"/>
+      <p:sp>
+        <p:nvSpPr>
+          <p:cNvPr id="2" name="TextBox 1">
+            <a:extLst>
+              <a:ext uri="{FF2B5EF4-FFF2-40B4-BE49-F238E27FC236}">
+                <a16:creationId xmlns:a16="http://schemas.microsoft.com/office/drawing/2014/main" id="{645A74B9-F72F-4C74-9BD6-9C6ACBFF57A7}"/>
               </a:ext>
             </a:extLst>
           </p:cNvPr>
@@ -4480,7 +3728,7 @@
         <p:spPr>
           <a:xfrm>
             <a:off x="770950" y="377376"/>
-            <a:ext cx="1162498" cy="338554"/>
+            <a:ext cx="1806905" cy="338554"/>
           </a:xfrm>
           <a:prstGeom prst="rect">
             <a:avLst/>
@@ -4498,15 +3746,128 @@
                 <a:latin typeface="Poppins" panose="00000500000000000000" pitchFamily="2" charset="0"/>
                 <a:cs typeface="Poppins" panose="00000500000000000000" pitchFamily="2" charset="0"/>
               </a:rPr>
-              <a:t>DOM Tree</a:t>
-            </a:r>
-          </a:p>
-        </p:txBody>
-      </p:sp>
+              <a:t>Structure Folder</a:t>
+            </a:r>
+          </a:p>
+        </p:txBody>
+      </p:sp>
+      <p:pic>
+        <p:nvPicPr>
+          <p:cNvPr id="6" name="Picture 5">
+            <a:extLst>
+              <a:ext uri="{FF2B5EF4-FFF2-40B4-BE49-F238E27FC236}">
+                <a16:creationId xmlns:a16="http://schemas.microsoft.com/office/drawing/2014/main" id="{AEC0FD1F-5ACB-44E0-BC5B-6D742076E34E}"/>
+              </a:ext>
+            </a:extLst>
+          </p:cNvPr>
+          <p:cNvPicPr>
+            <a:picLocks noChangeAspect="1"/>
+          </p:cNvPicPr>
+          <p:nvPr/>
+        </p:nvPicPr>
+        <p:blipFill>
+          <a:blip r:embed="rId2">
+            <a:extLst>
+              <a:ext uri="{28A0092B-C50C-407E-A947-70E740481C1C}">
+                <a14:useLocalDpi xmlns:a14="http://schemas.microsoft.com/office/drawing/2010/main" val="0"/>
+              </a:ext>
+            </a:extLst>
+          </a:blip>
+          <a:stretch>
+            <a:fillRect/>
+          </a:stretch>
+        </p:blipFill>
+        <p:spPr>
+          <a:xfrm>
+            <a:off x="6762869" y="2339498"/>
+            <a:ext cx="4239683" cy="1237313"/>
+          </a:xfrm>
+          <a:prstGeom prst="rect">
+            <a:avLst/>
+          </a:prstGeom>
+        </p:spPr>
+      </p:pic>
+      <p:pic>
+        <p:nvPicPr>
+          <p:cNvPr id="7" name="Picture 6">
+            <a:extLst>
+              <a:ext uri="{FF2B5EF4-FFF2-40B4-BE49-F238E27FC236}">
+                <a16:creationId xmlns:a16="http://schemas.microsoft.com/office/drawing/2014/main" id="{3749D759-4AE7-46FB-A018-A6910E0AFB90}"/>
+              </a:ext>
+            </a:extLst>
+          </p:cNvPr>
+          <p:cNvPicPr>
+            <a:picLocks noChangeAspect="1"/>
+          </p:cNvPicPr>
+          <p:nvPr/>
+        </p:nvPicPr>
+        <p:blipFill>
+          <a:blip r:embed="rId3">
+            <a:extLst>
+              <a:ext uri="{28A0092B-C50C-407E-A947-70E740481C1C}">
+                <a14:useLocalDpi xmlns:a14="http://schemas.microsoft.com/office/drawing/2010/main" val="0"/>
+              </a:ext>
+            </a:extLst>
+          </a:blip>
+          <a:stretch>
+            <a:fillRect/>
+          </a:stretch>
+        </p:blipFill>
+        <p:spPr>
+          <a:xfrm>
+            <a:off x="1124069" y="2303337"/>
+            <a:ext cx="4649167" cy="1264418"/>
+          </a:xfrm>
+          <a:prstGeom prst="rect">
+            <a:avLst/>
+          </a:prstGeom>
+        </p:spPr>
+      </p:pic>
+      <p:cxnSp>
+        <p:nvCxnSpPr>
+          <p:cNvPr id="10" name="Straight Arrow Connector 9">
+            <a:extLst>
+              <a:ext uri="{FF2B5EF4-FFF2-40B4-BE49-F238E27FC236}">
+                <a16:creationId xmlns:a16="http://schemas.microsoft.com/office/drawing/2014/main" id="{A2C5DDD4-D091-4AA1-8433-D7BB91E68622}"/>
+              </a:ext>
+            </a:extLst>
+          </p:cNvPr>
+          <p:cNvCxnSpPr>
+            <a:cxnSpLocks/>
+          </p:cNvCxnSpPr>
+          <p:nvPr/>
+        </p:nvCxnSpPr>
+        <p:spPr>
+          <a:xfrm>
+            <a:off x="5855905" y="2921652"/>
+            <a:ext cx="773495" cy="0"/>
+          </a:xfrm>
+          <a:prstGeom prst="straightConnector1">
+            <a:avLst/>
+          </a:prstGeom>
+          <a:ln>
+            <a:tailEnd type="triangle"/>
+          </a:ln>
+        </p:spPr>
+        <p:style>
+          <a:lnRef idx="1">
+            <a:schemeClr val="dk1"/>
+          </a:lnRef>
+          <a:fillRef idx="0">
+            <a:schemeClr val="dk1"/>
+          </a:fillRef>
+          <a:effectRef idx="0">
+            <a:schemeClr val="dk1"/>
+          </a:effectRef>
+          <a:fontRef idx="minor">
+            <a:schemeClr val="tx1"/>
+          </a:fontRef>
+        </p:style>
+      </p:cxnSp>
     </p:spTree>
     <p:extLst>
       <p:ext uri="{BB962C8B-B14F-4D97-AF65-F5344CB8AC3E}">
-        <p14:creationId xmlns:p14="http://schemas.microsoft.com/office/powerpoint/2010/main" val="2683046435"/>
+        <p14:creationId xmlns:p14="http://schemas.microsoft.com/office/powerpoint/2010/main" val="2044443237"/>
       </p:ext>
     </p:extLst>
   </p:cSld>
@@ -4538,7 +3899,7 @@
           <p:cNvPr id="2" name="TextBox 1">
             <a:extLst>
               <a:ext uri="{FF2B5EF4-FFF2-40B4-BE49-F238E27FC236}">
-                <a16:creationId xmlns:a16="http://schemas.microsoft.com/office/drawing/2014/main" id="{2156EDF3-5C98-4061-8858-330E1472AC2A}"/>
+                <a16:creationId xmlns:a16="http://schemas.microsoft.com/office/drawing/2014/main" id="{A35EAD99-D1DB-404F-BF65-F518751AF22D}"/>
               </a:ext>
             </a:extLst>
           </p:cNvPr>
@@ -4548,7 +3909,7 @@
         <p:spPr>
           <a:xfrm>
             <a:off x="770950" y="377376"/>
-            <a:ext cx="1806905" cy="338554"/>
+            <a:ext cx="1550424" cy="338554"/>
           </a:xfrm>
           <a:prstGeom prst="rect">
             <a:avLst/>
@@ -4566,7 +3927,7 @@
                 <a:latin typeface="Poppins" panose="00000500000000000000" pitchFamily="2" charset="0"/>
                 <a:cs typeface="Poppins" panose="00000500000000000000" pitchFamily="2" charset="0"/>
               </a:rPr>
-              <a:t>Structure Folder</a:t>
+              <a:t>Export Import</a:t>
             </a:r>
           </a:p>
         </p:txBody>
@@ -4576,7 +3937,7 @@
           <p:cNvPr id="4" name="Picture 3">
             <a:extLst>
               <a:ext uri="{FF2B5EF4-FFF2-40B4-BE49-F238E27FC236}">
-                <a16:creationId xmlns:a16="http://schemas.microsoft.com/office/drawing/2014/main" id="{E047F414-EEED-4E38-A555-7940DC3D8AD4}"/>
+                <a16:creationId xmlns:a16="http://schemas.microsoft.com/office/drawing/2014/main" id="{35E96481-93E1-48C4-9326-F8BAD9FF291F}"/>
               </a:ext>
             </a:extLst>
           </p:cNvPr>
@@ -4599,8 +3960,8 @@
         </p:blipFill>
         <p:spPr>
           <a:xfrm>
-            <a:off x="1674402" y="847838"/>
-            <a:ext cx="5362365" cy="1458384"/>
+            <a:off x="5762561" y="4178848"/>
+            <a:ext cx="5585883" cy="1530859"/>
           </a:xfrm>
           <a:prstGeom prst="rect">
             <a:avLst/>
@@ -4612,7 +3973,7 @@
           <p:cNvPr id="6" name="Picture 5">
             <a:extLst>
               <a:ext uri="{FF2B5EF4-FFF2-40B4-BE49-F238E27FC236}">
-                <a16:creationId xmlns:a16="http://schemas.microsoft.com/office/drawing/2014/main" id="{94A01476-EA41-484C-A552-4DB9F1EED95A}"/>
+                <a16:creationId xmlns:a16="http://schemas.microsoft.com/office/drawing/2014/main" id="{A291701E-A9E0-4981-8B5B-492831DB41C1}"/>
               </a:ext>
             </a:extLst>
           </p:cNvPr>
@@ -4635,8 +3996,44 @@
         </p:blipFill>
         <p:spPr>
           <a:xfrm>
-            <a:off x="3835400" y="2438130"/>
-            <a:ext cx="7414683" cy="3622026"/>
+            <a:off x="1021352" y="1630532"/>
+            <a:ext cx="4552950" cy="895350"/>
+          </a:xfrm>
+          <a:prstGeom prst="rect">
+            <a:avLst/>
+          </a:prstGeom>
+        </p:spPr>
+      </p:pic>
+      <p:pic>
+        <p:nvPicPr>
+          <p:cNvPr id="8" name="Picture 7">
+            <a:extLst>
+              <a:ext uri="{FF2B5EF4-FFF2-40B4-BE49-F238E27FC236}">
+                <a16:creationId xmlns:a16="http://schemas.microsoft.com/office/drawing/2014/main" id="{09A24D56-DFB1-455B-9C2C-AF254FADA83D}"/>
+              </a:ext>
+            </a:extLst>
+          </p:cNvPr>
+          <p:cNvPicPr>
+            <a:picLocks noChangeAspect="1"/>
+          </p:cNvPicPr>
+          <p:nvPr/>
+        </p:nvPicPr>
+        <p:blipFill>
+          <a:blip r:embed="rId4">
+            <a:extLst>
+              <a:ext uri="{28A0092B-C50C-407E-A947-70E740481C1C}">
+                <a14:useLocalDpi xmlns:a14="http://schemas.microsoft.com/office/drawing/2010/main" val="0"/>
+              </a:ext>
+            </a:extLst>
+          </a:blip>
+          <a:stretch>
+            <a:fillRect/>
+          </a:stretch>
+        </p:blipFill>
+        <p:spPr>
+          <a:xfrm>
+            <a:off x="1021352" y="2662816"/>
+            <a:ext cx="4552950" cy="1247775"/>
           </a:xfrm>
           <a:prstGeom prst="rect">
             <a:avLst/>
@@ -4645,10 +4042,10 @@
       </p:pic>
       <p:cxnSp>
         <p:nvCxnSpPr>
-          <p:cNvPr id="7" name="Straight Connector 6">
-            <a:extLst>
-              <a:ext uri="{FF2B5EF4-FFF2-40B4-BE49-F238E27FC236}">
-                <a16:creationId xmlns:a16="http://schemas.microsoft.com/office/drawing/2014/main" id="{C6578ACC-C0B1-4687-B9A5-C92160C3BFBD}"/>
+          <p:cNvPr id="9" name="Straight Connector 8">
+            <a:extLst>
+              <a:ext uri="{FF2B5EF4-FFF2-40B4-BE49-F238E27FC236}">
+                <a16:creationId xmlns:a16="http://schemas.microsoft.com/office/drawing/2014/main" id="{DA3176DF-17A1-4123-B80B-BB65C6E7C775}"/>
               </a:ext>
             </a:extLst>
           </p:cNvPr>
@@ -4658,9 +4055,9 @@
           <p:nvPr/>
         </p:nvCxnSpPr>
         <p:spPr>
-          <a:xfrm>
-            <a:off x="3513666" y="5088467"/>
-            <a:ext cx="1016000" cy="0"/>
+          <a:xfrm flipV="1">
+            <a:off x="1490326" y="1462997"/>
+            <a:ext cx="1120838" cy="619728"/>
           </a:xfrm>
           <a:prstGeom prst="line">
             <a:avLst/>
@@ -4688,10 +4085,10 @@
       </p:cxnSp>
       <p:sp>
         <p:nvSpPr>
-          <p:cNvPr id="10" name="TextBox 9">
-            <a:extLst>
-              <a:ext uri="{FF2B5EF4-FFF2-40B4-BE49-F238E27FC236}">
-                <a16:creationId xmlns:a16="http://schemas.microsoft.com/office/drawing/2014/main" id="{BC517E23-F844-4735-BE67-D54E8E505271}"/>
+          <p:cNvPr id="13" name="TextBox 12">
+            <a:extLst>
+              <a:ext uri="{FF2B5EF4-FFF2-40B4-BE49-F238E27FC236}">
+                <a16:creationId xmlns:a16="http://schemas.microsoft.com/office/drawing/2014/main" id="{3B6BA978-EAFA-41D9-A341-B930AD8E1F61}"/>
               </a:ext>
             </a:extLst>
           </p:cNvPr>
@@ -4700,8 +4097,8 @@
         </p:nvSpPr>
         <p:spPr>
           <a:xfrm>
-            <a:off x="1291980" y="4888412"/>
-            <a:ext cx="2571749" cy="400110"/>
+            <a:off x="2321374" y="1034449"/>
+            <a:ext cx="3514274" cy="430887"/>
           </a:xfrm>
           <a:prstGeom prst="rect">
             <a:avLst/>
@@ -4715,67 +4112,63 @@
           <a:lstStyle/>
           <a:p>
             <a:r>
-              <a:rPr lang="en-US" sz="1000" dirty="0" err="1">
+              <a:rPr lang="en-US" sz="1100" dirty="0">
                 <a:latin typeface="Poppins" panose="00000500000000000000" pitchFamily="2" charset="0"/>
                 <a:cs typeface="Poppins" panose="00000500000000000000" pitchFamily="2" charset="0"/>
               </a:rPr>
-              <a:t>Menghubungkan</a:t>
-            </a:r>
-            <a:r>
-              <a:rPr lang="en-US" sz="1000" dirty="0">
+              <a:t>Export </a:t>
+            </a:r>
+            <a:r>
+              <a:rPr lang="en-US" sz="1100" dirty="0" err="1">
+                <a:latin typeface="Poppins" panose="00000500000000000000" pitchFamily="2" charset="0"/>
+                <a:cs typeface="Poppins" panose="00000500000000000000" pitchFamily="2" charset="0"/>
+              </a:rPr>
+              <a:t>variabel</a:t>
+            </a:r>
+            <a:r>
+              <a:rPr lang="en-US" sz="1100" dirty="0">
+                <a:latin typeface="Poppins" panose="00000500000000000000" pitchFamily="2" charset="0"/>
+                <a:cs typeface="Poppins" panose="00000500000000000000" pitchFamily="2" charset="0"/>
+              </a:rPr>
+              <a:t> yang </a:t>
+            </a:r>
+            <a:r>
+              <a:rPr lang="en-US" sz="1100" dirty="0" err="1">
+                <a:latin typeface="Poppins" panose="00000500000000000000" pitchFamily="2" charset="0"/>
+                <a:cs typeface="Poppins" panose="00000500000000000000" pitchFamily="2" charset="0"/>
+              </a:rPr>
+              <a:t>nantinya</a:t>
+            </a:r>
+            <a:r>
+              <a:rPr lang="en-US" sz="1100" dirty="0">
                 <a:latin typeface="Poppins" panose="00000500000000000000" pitchFamily="2" charset="0"/>
                 <a:cs typeface="Poppins" panose="00000500000000000000" pitchFamily="2" charset="0"/>
               </a:rPr>
               <a:t> </a:t>
             </a:r>
             <a:r>
-              <a:rPr lang="en-US" sz="1000" dirty="0" err="1">
+              <a:rPr lang="en-US" sz="1100" dirty="0" err="1">
                 <a:latin typeface="Poppins" panose="00000500000000000000" pitchFamily="2" charset="0"/>
                 <a:cs typeface="Poppins" panose="00000500000000000000" pitchFamily="2" charset="0"/>
               </a:rPr>
-              <a:t>antar</a:t>
-            </a:r>
-            <a:r>
-              <a:rPr lang="en-US" sz="1000" dirty="0">
+              <a:t>akan</a:t>
+            </a:r>
+            <a:r>
+              <a:rPr lang="en-US" sz="1100" dirty="0">
                 <a:latin typeface="Poppins" panose="00000500000000000000" pitchFamily="2" charset="0"/>
                 <a:cs typeface="Poppins" panose="00000500000000000000" pitchFamily="2" charset="0"/>
               </a:rPr>
-              <a:t> file html </a:t>
-            </a:r>
-            <a:r>
-              <a:rPr lang="en-US" sz="1000" dirty="0" err="1">
-                <a:latin typeface="Poppins" panose="00000500000000000000" pitchFamily="2" charset="0"/>
-                <a:cs typeface="Poppins" panose="00000500000000000000" pitchFamily="2" charset="0"/>
-              </a:rPr>
-              <a:t>dengan</a:t>
-            </a:r>
-            <a:r>
-              <a:rPr lang="en-US" sz="1000" dirty="0">
-                <a:latin typeface="Poppins" panose="00000500000000000000" pitchFamily="2" charset="0"/>
-                <a:cs typeface="Poppins" panose="00000500000000000000" pitchFamily="2" charset="0"/>
-              </a:rPr>
-              <a:t> file </a:t>
-            </a:r>
-            <a:r>
-              <a:rPr lang="en-US" sz="1000" dirty="0" err="1">
-                <a:latin typeface="Poppins" panose="00000500000000000000" pitchFamily="2" charset="0"/>
-                <a:cs typeface="Poppins" panose="00000500000000000000" pitchFamily="2" charset="0"/>
-              </a:rPr>
-              <a:t>javascript</a:t>
-            </a:r>
-            <a:endParaRPr lang="en-US" sz="1000" dirty="0">
-              <a:latin typeface="Poppins" panose="00000500000000000000" pitchFamily="2" charset="0"/>
-              <a:cs typeface="Poppins" panose="00000500000000000000" pitchFamily="2" charset="0"/>
-            </a:endParaRPr>
+              <a:t> di import pada main module </a:t>
+            </a:r>
           </a:p>
         </p:txBody>
       </p:sp>
       <p:cxnSp>
         <p:nvCxnSpPr>
-          <p:cNvPr id="11" name="Straight Connector 10">
-            <a:extLst>
-              <a:ext uri="{FF2B5EF4-FFF2-40B4-BE49-F238E27FC236}">
-                <a16:creationId xmlns:a16="http://schemas.microsoft.com/office/drawing/2014/main" id="{D0C01CB9-0031-479E-ADAD-F9FF863E0D2C}"/>
+          <p:cNvPr id="14" name="Straight Connector 13">
+            <a:extLst>
+              <a:ext uri="{FF2B5EF4-FFF2-40B4-BE49-F238E27FC236}">
+                <a16:creationId xmlns:a16="http://schemas.microsoft.com/office/drawing/2014/main" id="{8CF3410E-DF4E-41E7-B860-A23DCC9270BC}"/>
               </a:ext>
             </a:extLst>
           </p:cNvPr>
@@ -4785,9 +4178,9 @@
           <p:nvPr/>
         </p:nvCxnSpPr>
         <p:spPr>
-          <a:xfrm>
-            <a:off x="3598333" y="4648200"/>
-            <a:ext cx="1016000" cy="0"/>
+          <a:xfrm flipV="1">
+            <a:off x="1403474" y="3286704"/>
+            <a:ext cx="1" cy="969115"/>
           </a:xfrm>
           <a:prstGeom prst="line">
             <a:avLst/>
@@ -4815,10 +4208,10 @@
       </p:cxnSp>
       <p:sp>
         <p:nvSpPr>
-          <p:cNvPr id="12" name="TextBox 11">
-            <a:extLst>
-              <a:ext uri="{FF2B5EF4-FFF2-40B4-BE49-F238E27FC236}">
-                <a16:creationId xmlns:a16="http://schemas.microsoft.com/office/drawing/2014/main" id="{7EF493A4-7E7A-43C3-B600-16E9BE52EFD6}"/>
+          <p:cNvPr id="17" name="TextBox 16">
+            <a:extLst>
+              <a:ext uri="{FF2B5EF4-FFF2-40B4-BE49-F238E27FC236}">
+                <a16:creationId xmlns:a16="http://schemas.microsoft.com/office/drawing/2014/main" id="{6E403E52-A7C5-4214-A9E9-F2BAFF0B9E55}"/>
               </a:ext>
             </a:extLst>
           </p:cNvPr>
@@ -4827,8 +4220,8 @@
         </p:nvSpPr>
         <p:spPr>
           <a:xfrm>
-            <a:off x="2419468" y="4522085"/>
-            <a:ext cx="1178865" cy="246221"/>
+            <a:off x="948585" y="4255819"/>
+            <a:ext cx="2557537" cy="600164"/>
           </a:xfrm>
           <a:prstGeom prst="rect">
             <a:avLst/>
@@ -4842,11 +4235,243 @@
           <a:lstStyle/>
           <a:p>
             <a:r>
-              <a:rPr lang="en-US" sz="1000" dirty="0">
+              <a:rPr lang="en-US" sz="1100" dirty="0">
                 <a:latin typeface="Poppins" panose="00000500000000000000" pitchFamily="2" charset="0"/>
                 <a:cs typeface="Poppins" panose="00000500000000000000" pitchFamily="2" charset="0"/>
               </a:rPr>
-              <a:t>Parent element </a:t>
+              <a:t>Export function yang </a:t>
+            </a:r>
+            <a:r>
+              <a:rPr lang="en-US" sz="1100" dirty="0" err="1">
+                <a:latin typeface="Poppins" panose="00000500000000000000" pitchFamily="2" charset="0"/>
+                <a:cs typeface="Poppins" panose="00000500000000000000" pitchFamily="2" charset="0"/>
+              </a:rPr>
+              <a:t>nantinya</a:t>
+            </a:r>
+            <a:r>
+              <a:rPr lang="en-US" sz="1100" dirty="0">
+                <a:latin typeface="Poppins" panose="00000500000000000000" pitchFamily="2" charset="0"/>
+                <a:cs typeface="Poppins" panose="00000500000000000000" pitchFamily="2" charset="0"/>
+              </a:rPr>
+              <a:t> </a:t>
+            </a:r>
+            <a:r>
+              <a:rPr lang="en-US" sz="1100" dirty="0" err="1">
+                <a:latin typeface="Poppins" panose="00000500000000000000" pitchFamily="2" charset="0"/>
+                <a:cs typeface="Poppins" panose="00000500000000000000" pitchFamily="2" charset="0"/>
+              </a:rPr>
+              <a:t>akan</a:t>
+            </a:r>
+            <a:r>
+              <a:rPr lang="en-US" sz="1100" dirty="0">
+                <a:latin typeface="Poppins" panose="00000500000000000000" pitchFamily="2" charset="0"/>
+                <a:cs typeface="Poppins" panose="00000500000000000000" pitchFamily="2" charset="0"/>
+              </a:rPr>
+              <a:t> di import pada main module </a:t>
+            </a:r>
+          </a:p>
+        </p:txBody>
+      </p:sp>
+      <p:cxnSp>
+        <p:nvCxnSpPr>
+          <p:cNvPr id="19" name="Straight Connector 18">
+            <a:extLst>
+              <a:ext uri="{FF2B5EF4-FFF2-40B4-BE49-F238E27FC236}">
+                <a16:creationId xmlns:a16="http://schemas.microsoft.com/office/drawing/2014/main" id="{6D61EF81-72D4-41D1-8719-A1A6254007B4}"/>
+              </a:ext>
+            </a:extLst>
+          </p:cNvPr>
+          <p:cNvCxnSpPr>
+            <a:cxnSpLocks/>
+          </p:cNvCxnSpPr>
+          <p:nvPr/>
+        </p:nvCxnSpPr>
+        <p:spPr>
+          <a:xfrm flipV="1">
+            <a:off x="9042592" y="3910591"/>
+            <a:ext cx="507808" cy="955174"/>
+          </a:xfrm>
+          <a:prstGeom prst="line">
+            <a:avLst/>
+          </a:prstGeom>
+          <a:ln>
+            <a:solidFill>
+              <a:srgbClr val="FF0000"/>
+            </a:solidFill>
+          </a:ln>
+        </p:spPr>
+        <p:style>
+          <a:lnRef idx="1">
+            <a:schemeClr val="accent6"/>
+          </a:lnRef>
+          <a:fillRef idx="0">
+            <a:schemeClr val="accent6"/>
+          </a:fillRef>
+          <a:effectRef idx="0">
+            <a:schemeClr val="accent6"/>
+          </a:effectRef>
+          <a:fontRef idx="minor">
+            <a:schemeClr val="tx1"/>
+          </a:fontRef>
+        </p:style>
+      </p:cxnSp>
+      <p:sp>
+        <p:nvSpPr>
+          <p:cNvPr id="21" name="TextBox 20">
+            <a:extLst>
+              <a:ext uri="{FF2B5EF4-FFF2-40B4-BE49-F238E27FC236}">
+                <a16:creationId xmlns:a16="http://schemas.microsoft.com/office/drawing/2014/main" id="{82F3CB34-2C91-44DB-8934-CC90D66E9944}"/>
+              </a:ext>
+            </a:extLst>
+          </p:cNvPr>
+          <p:cNvSpPr txBox="1"/>
+          <p:nvPr/>
+        </p:nvSpPr>
+        <p:spPr>
+          <a:xfrm>
+            <a:off x="8408907" y="3621894"/>
+            <a:ext cx="3514274" cy="261610"/>
+          </a:xfrm>
+          <a:prstGeom prst="rect">
+            <a:avLst/>
+          </a:prstGeom>
+          <a:noFill/>
+        </p:spPr>
+        <p:txBody>
+          <a:bodyPr wrap="square" rtlCol="0">
+            <a:spAutoFit/>
+          </a:bodyPr>
+          <a:lstStyle/>
+          <a:p>
+            <a:r>
+              <a:rPr lang="en-US" sz="1100" dirty="0">
+                <a:latin typeface="Poppins" panose="00000500000000000000" pitchFamily="2" charset="0"/>
+                <a:cs typeface="Poppins" panose="00000500000000000000" pitchFamily="2" charset="0"/>
+              </a:rPr>
+              <a:t>Import function yang </a:t>
+            </a:r>
+            <a:r>
+              <a:rPr lang="en-US" sz="1100" dirty="0" err="1">
+                <a:latin typeface="Poppins" panose="00000500000000000000" pitchFamily="2" charset="0"/>
+                <a:cs typeface="Poppins" panose="00000500000000000000" pitchFamily="2" charset="0"/>
+              </a:rPr>
+              <a:t>sudah</a:t>
+            </a:r>
+            <a:r>
+              <a:rPr lang="en-US" sz="1100" dirty="0">
+                <a:latin typeface="Poppins" panose="00000500000000000000" pitchFamily="2" charset="0"/>
+                <a:cs typeface="Poppins" panose="00000500000000000000" pitchFamily="2" charset="0"/>
+              </a:rPr>
+              <a:t> di export</a:t>
+            </a:r>
+          </a:p>
+        </p:txBody>
+      </p:sp>
+      <p:cxnSp>
+        <p:nvCxnSpPr>
+          <p:cNvPr id="22" name="Straight Connector 21">
+            <a:extLst>
+              <a:ext uri="{FF2B5EF4-FFF2-40B4-BE49-F238E27FC236}">
+                <a16:creationId xmlns:a16="http://schemas.microsoft.com/office/drawing/2014/main" id="{FDE43D6F-5F56-417F-9EA2-2890C010AE69}"/>
+              </a:ext>
+            </a:extLst>
+          </p:cNvPr>
+          <p:cNvCxnSpPr>
+            <a:cxnSpLocks/>
+          </p:cNvCxnSpPr>
+          <p:nvPr/>
+        </p:nvCxnSpPr>
+        <p:spPr>
+          <a:xfrm flipH="1">
+            <a:off x="5080000" y="5007593"/>
+            <a:ext cx="1016001" cy="495740"/>
+          </a:xfrm>
+          <a:prstGeom prst="line">
+            <a:avLst/>
+          </a:prstGeom>
+          <a:ln>
+            <a:solidFill>
+              <a:srgbClr val="FF0000"/>
+            </a:solidFill>
+          </a:ln>
+        </p:spPr>
+        <p:style>
+          <a:lnRef idx="1">
+            <a:schemeClr val="accent6"/>
+          </a:lnRef>
+          <a:fillRef idx="0">
+            <a:schemeClr val="accent6"/>
+          </a:fillRef>
+          <a:effectRef idx="0">
+            <a:schemeClr val="accent6"/>
+          </a:effectRef>
+          <a:fontRef idx="minor">
+            <a:schemeClr val="tx1"/>
+          </a:fontRef>
+        </p:style>
+      </p:cxnSp>
+      <p:sp>
+        <p:nvSpPr>
+          <p:cNvPr id="26" name="TextBox 25">
+            <a:extLst>
+              <a:ext uri="{FF2B5EF4-FFF2-40B4-BE49-F238E27FC236}">
+                <a16:creationId xmlns:a16="http://schemas.microsoft.com/office/drawing/2014/main" id="{474C942A-D6EA-42C0-BC5B-845C06AD9D87}"/>
+              </a:ext>
+            </a:extLst>
+          </p:cNvPr>
+          <p:cNvSpPr txBox="1"/>
+          <p:nvPr/>
+        </p:nvSpPr>
+        <p:spPr>
+          <a:xfrm>
+            <a:off x="2919230" y="5551284"/>
+            <a:ext cx="2916418" cy="261610"/>
+          </a:xfrm>
+          <a:prstGeom prst="rect">
+            <a:avLst/>
+          </a:prstGeom>
+          <a:noFill/>
+        </p:spPr>
+        <p:txBody>
+          <a:bodyPr wrap="square" rtlCol="0">
+            <a:spAutoFit/>
+          </a:bodyPr>
+          <a:lstStyle/>
+          <a:p>
+            <a:r>
+              <a:rPr lang="en-US" sz="1100" dirty="0">
+                <a:latin typeface="Poppins" panose="00000500000000000000" pitchFamily="2" charset="0"/>
+                <a:cs typeface="Poppins" panose="00000500000000000000" pitchFamily="2" charset="0"/>
+              </a:rPr>
+              <a:t>Import </a:t>
+            </a:r>
+            <a:r>
+              <a:rPr lang="en-US" sz="1100" dirty="0" err="1">
+                <a:latin typeface="Poppins" panose="00000500000000000000" pitchFamily="2" charset="0"/>
+                <a:cs typeface="Poppins" panose="00000500000000000000" pitchFamily="2" charset="0"/>
+              </a:rPr>
+              <a:t>variabel</a:t>
+            </a:r>
+            <a:r>
+              <a:rPr lang="en-US" sz="1100" dirty="0">
+                <a:latin typeface="Poppins" panose="00000500000000000000" pitchFamily="2" charset="0"/>
+                <a:cs typeface="Poppins" panose="00000500000000000000" pitchFamily="2" charset="0"/>
+              </a:rPr>
+              <a:t> yang </a:t>
+            </a:r>
+            <a:r>
+              <a:rPr lang="en-US" sz="1100" dirty="0" err="1">
+                <a:latin typeface="Poppins" panose="00000500000000000000" pitchFamily="2" charset="0"/>
+                <a:cs typeface="Poppins" panose="00000500000000000000" pitchFamily="2" charset="0"/>
+              </a:rPr>
+              <a:t>sudah</a:t>
+            </a:r>
+            <a:r>
+              <a:rPr lang="en-US" sz="1100" dirty="0">
+                <a:latin typeface="Poppins" panose="00000500000000000000" pitchFamily="2" charset="0"/>
+                <a:cs typeface="Poppins" panose="00000500000000000000" pitchFamily="2" charset="0"/>
+              </a:rPr>
+              <a:t> di export</a:t>
             </a:r>
           </a:p>
         </p:txBody>
@@ -4854,7 +4479,7 @@
     </p:spTree>
     <p:extLst>
       <p:ext uri="{BB962C8B-B14F-4D97-AF65-F5344CB8AC3E}">
-        <p14:creationId xmlns:p14="http://schemas.microsoft.com/office/powerpoint/2010/main" val="3908565166"/>
+        <p14:creationId xmlns:p14="http://schemas.microsoft.com/office/powerpoint/2010/main" val="1031403564"/>
       </p:ext>
     </p:extLst>
   </p:cSld>
@@ -4883,10 +4508,10 @@
       </p:grpSpPr>
       <p:sp>
         <p:nvSpPr>
-          <p:cNvPr id="2" name="TextBox 1">
-            <a:extLst>
-              <a:ext uri="{FF2B5EF4-FFF2-40B4-BE49-F238E27FC236}">
-                <a16:creationId xmlns:a16="http://schemas.microsoft.com/office/drawing/2014/main" id="{FAFE2917-BD2A-4C0F-B7C1-217E85E2AA45}"/>
+          <p:cNvPr id="3" name="TextBox 2">
+            <a:extLst>
+              <a:ext uri="{FF2B5EF4-FFF2-40B4-BE49-F238E27FC236}">
+                <a16:creationId xmlns:a16="http://schemas.microsoft.com/office/drawing/2014/main" id="{5637F38B-DFAE-49D1-BAFA-D383FD1E2DE9}"/>
               </a:ext>
             </a:extLst>
           </p:cNvPr>
@@ -4895,8 +4520,8 @@
         </p:nvSpPr>
         <p:spPr>
           <a:xfrm>
-            <a:off x="770950" y="377376"/>
-            <a:ext cx="1164101" cy="338554"/>
+            <a:off x="4501651" y="2849920"/>
+            <a:ext cx="3188693" cy="338554"/>
           </a:xfrm>
           <a:prstGeom prst="rect">
             <a:avLst/>
@@ -4910,26 +4535,58 @@
           <a:lstStyle/>
           <a:p>
             <a:r>
+              <a:rPr lang="en-US" sz="1600" dirty="0" err="1">
+                <a:latin typeface="Poppins" panose="00000500000000000000" pitchFamily="2" charset="0"/>
+                <a:cs typeface="Poppins" panose="00000500000000000000" pitchFamily="2" charset="0"/>
+              </a:rPr>
+              <a:t>Pertanyaan</a:t>
+            </a:r>
+            <a:r>
               <a:rPr lang="en-US" sz="1600" dirty="0">
                 <a:latin typeface="Poppins" panose="00000500000000000000" pitchFamily="2" charset="0"/>
                 <a:cs typeface="Poppins" panose="00000500000000000000" pitchFamily="2" charset="0"/>
               </a:rPr>
-              <a:t>Get Class</a:t>
-            </a:r>
+              <a:t> </a:t>
+            </a:r>
+            <a:r>
+              <a:rPr lang="en-US" sz="1600" dirty="0" err="1">
+                <a:latin typeface="Poppins" panose="00000500000000000000" pitchFamily="2" charset="0"/>
+                <a:cs typeface="Poppins" panose="00000500000000000000" pitchFamily="2" charset="0"/>
+              </a:rPr>
+              <a:t>atau</a:t>
+            </a:r>
+            <a:r>
+              <a:rPr lang="en-US" sz="1600" dirty="0">
+                <a:latin typeface="Poppins" panose="00000500000000000000" pitchFamily="2" charset="0"/>
+                <a:cs typeface="Poppins" panose="00000500000000000000" pitchFamily="2" charset="0"/>
+              </a:rPr>
+              <a:t> </a:t>
+            </a:r>
+            <a:r>
+              <a:rPr lang="en-US" sz="1600" dirty="0" err="1">
+                <a:latin typeface="Poppins" panose="00000500000000000000" pitchFamily="2" charset="0"/>
+                <a:cs typeface="Poppins" panose="00000500000000000000" pitchFamily="2" charset="0"/>
+              </a:rPr>
+              <a:t>pernyataan</a:t>
+            </a:r>
+            <a:endParaRPr lang="en-US" sz="1600" dirty="0">
+              <a:latin typeface="Poppins" panose="00000500000000000000" pitchFamily="2" charset="0"/>
+              <a:cs typeface="Poppins" panose="00000500000000000000" pitchFamily="2" charset="0"/>
+            </a:endParaRPr>
           </a:p>
         </p:txBody>
       </p:sp>
       <p:pic>
         <p:nvPicPr>
-          <p:cNvPr id="4" name="Picture 3">
-            <a:extLst>
-              <a:ext uri="{FF2B5EF4-FFF2-40B4-BE49-F238E27FC236}">
-                <a16:creationId xmlns:a16="http://schemas.microsoft.com/office/drawing/2014/main" id="{D44040BC-8830-45DA-AC8F-745B96526756}"/>
+          <p:cNvPr id="5126" name="Picture 6" descr="50+] Riddler Question Mark Wallpaper on WallpaperSafari">
+            <a:extLst>
+              <a:ext uri="{FF2B5EF4-FFF2-40B4-BE49-F238E27FC236}">
+                <a16:creationId xmlns:a16="http://schemas.microsoft.com/office/drawing/2014/main" id="{223F1329-9215-44FA-9A56-2790CB402910}"/>
               </a:ext>
             </a:extLst>
           </p:cNvPr>
           <p:cNvPicPr>
-            <a:picLocks noChangeAspect="1"/>
+            <a:picLocks noChangeAspect="1" noChangeArrowheads="1"/>
           </p:cNvPicPr>
           <p:nvPr/>
         </p:nvPicPr>
@@ -4941,1687 +4598,35 @@
               </a:ext>
             </a:extLst>
           </a:blip>
+          <a:srcRect/>
           <a:stretch>
             <a:fillRect/>
           </a:stretch>
         </p:blipFill>
-        <p:spPr>
+        <p:spPr bwMode="auto">
           <a:xfrm>
-            <a:off x="1420733" y="1361293"/>
-            <a:ext cx="6358884" cy="1616327"/>
-          </a:xfrm>
-          <a:prstGeom prst="rect">
-            <a:avLst/>
-          </a:prstGeom>
-        </p:spPr>
-      </p:pic>
-      <p:cxnSp>
-        <p:nvCxnSpPr>
-          <p:cNvPr id="5" name="Straight Connector 4">
-            <a:extLst>
-              <a:ext uri="{FF2B5EF4-FFF2-40B4-BE49-F238E27FC236}">
-                <a16:creationId xmlns:a16="http://schemas.microsoft.com/office/drawing/2014/main" id="{334142BE-9A14-43E0-834E-FEEAC0603E70}"/>
-              </a:ext>
-            </a:extLst>
-          </p:cNvPr>
-          <p:cNvCxnSpPr>
-            <a:cxnSpLocks/>
-          </p:cNvCxnSpPr>
-          <p:nvPr/>
-        </p:nvCxnSpPr>
-        <p:spPr>
-          <a:xfrm flipV="1">
-            <a:off x="3741584" y="1010422"/>
-            <a:ext cx="466349" cy="1042550"/>
-          </a:xfrm>
-          <a:prstGeom prst="line">
-            <a:avLst/>
-          </a:prstGeom>
-          <a:ln>
-            <a:solidFill>
-              <a:srgbClr val="FF0000"/>
-            </a:solidFill>
-          </a:ln>
-        </p:spPr>
-        <p:style>
-          <a:lnRef idx="1">
-            <a:schemeClr val="accent6"/>
-          </a:lnRef>
-          <a:fillRef idx="0">
-            <a:schemeClr val="accent6"/>
-          </a:fillRef>
-          <a:effectRef idx="0">
-            <a:schemeClr val="accent6"/>
-          </a:effectRef>
-          <a:fontRef idx="minor">
-            <a:schemeClr val="tx1"/>
-          </a:fontRef>
-        </p:style>
-      </p:cxnSp>
-      <p:sp>
-        <p:nvSpPr>
-          <p:cNvPr id="8" name="TextBox 7">
-            <a:extLst>
-              <a:ext uri="{FF2B5EF4-FFF2-40B4-BE49-F238E27FC236}">
-                <a16:creationId xmlns:a16="http://schemas.microsoft.com/office/drawing/2014/main" id="{79240D79-EB30-408A-985F-6A3569AFA3A8}"/>
-              </a:ext>
-            </a:extLst>
-          </p:cNvPr>
-          <p:cNvSpPr txBox="1"/>
-          <p:nvPr/>
-        </p:nvSpPr>
-        <p:spPr>
-          <a:xfrm>
-            <a:off x="2775475" y="718931"/>
-            <a:ext cx="5259392" cy="246221"/>
+            <a:off x="5420175" y="3188474"/>
+            <a:ext cx="1351647" cy="2039510"/>
           </a:xfrm>
           <a:prstGeom prst="rect">
             <a:avLst/>
           </a:prstGeom>
           <a:noFill/>
-        </p:spPr>
-        <p:txBody>
-          <a:bodyPr wrap="square" rtlCol="0">
-            <a:spAutoFit/>
-          </a:bodyPr>
-          <a:lstStyle/>
-          <a:p>
-            <a:r>
-              <a:rPr lang="en-US" sz="1000" dirty="0" err="1">
-                <a:latin typeface="Poppins" panose="00000500000000000000" pitchFamily="2" charset="0"/>
-                <a:cs typeface="Poppins" panose="00000500000000000000" pitchFamily="2" charset="0"/>
-              </a:rPr>
-              <a:t>mengembalikan</a:t>
-            </a:r>
-            <a:r>
-              <a:rPr lang="en-US" sz="1000" dirty="0">
-                <a:latin typeface="Poppins" panose="00000500000000000000" pitchFamily="2" charset="0"/>
-                <a:cs typeface="Poppins" panose="00000500000000000000" pitchFamily="2" charset="0"/>
-              </a:rPr>
-              <a:t> </a:t>
-            </a:r>
-            <a:r>
-              <a:rPr lang="en-US" sz="1000" dirty="0" err="1">
-                <a:latin typeface="Poppins" panose="00000500000000000000" pitchFamily="2" charset="0"/>
-                <a:cs typeface="Poppins" panose="00000500000000000000" pitchFamily="2" charset="0"/>
-              </a:rPr>
-              <a:t>nilai</a:t>
-            </a:r>
-            <a:r>
-              <a:rPr lang="en-US" sz="1000" dirty="0">
-                <a:latin typeface="Poppins" panose="00000500000000000000" pitchFamily="2" charset="0"/>
-                <a:cs typeface="Poppins" panose="00000500000000000000" pitchFamily="2" charset="0"/>
-              </a:rPr>
-              <a:t> </a:t>
-            </a:r>
-            <a:r>
-              <a:rPr lang="en-US" sz="1000" dirty="0" err="1">
-                <a:latin typeface="Poppins" panose="00000500000000000000" pitchFamily="2" charset="0"/>
-                <a:cs typeface="Poppins" panose="00000500000000000000" pitchFamily="2" charset="0"/>
-              </a:rPr>
-              <a:t>berupa</a:t>
-            </a:r>
-            <a:r>
-              <a:rPr lang="en-US" sz="1000" dirty="0">
-                <a:latin typeface="Poppins" panose="00000500000000000000" pitchFamily="2" charset="0"/>
-                <a:cs typeface="Poppins" panose="00000500000000000000" pitchFamily="2" charset="0"/>
-              </a:rPr>
-              <a:t> html </a:t>
-            </a:r>
-            <a:r>
-              <a:rPr lang="en-US" sz="1000" dirty="0" err="1">
-                <a:latin typeface="Poppins" panose="00000500000000000000" pitchFamily="2" charset="0"/>
-                <a:cs typeface="Poppins" panose="00000500000000000000" pitchFamily="2" charset="0"/>
-              </a:rPr>
-              <a:t>colletions</a:t>
-            </a:r>
-            <a:r>
-              <a:rPr lang="en-US" sz="1000" dirty="0">
-                <a:latin typeface="Poppins" panose="00000500000000000000" pitchFamily="2" charset="0"/>
-                <a:cs typeface="Poppins" panose="00000500000000000000" pitchFamily="2" charset="0"/>
-              </a:rPr>
-              <a:t> (array yang </a:t>
-            </a:r>
-            <a:r>
-              <a:rPr lang="en-US" sz="1000" dirty="0" err="1">
-                <a:latin typeface="Poppins" panose="00000500000000000000" pitchFamily="2" charset="0"/>
-                <a:cs typeface="Poppins" panose="00000500000000000000" pitchFamily="2" charset="0"/>
-              </a:rPr>
-              <a:t>isinya</a:t>
-            </a:r>
-            <a:r>
-              <a:rPr lang="en-US" sz="1000" dirty="0">
-                <a:latin typeface="Poppins" panose="00000500000000000000" pitchFamily="2" charset="0"/>
-                <a:cs typeface="Poppins" panose="00000500000000000000" pitchFamily="2" charset="0"/>
-              </a:rPr>
-              <a:t> element html )</a:t>
-            </a:r>
-          </a:p>
-        </p:txBody>
-      </p:sp>
-      <p:cxnSp>
-        <p:nvCxnSpPr>
-          <p:cNvPr id="10" name="Straight Connector 9">
-            <a:extLst>
-              <a:ext uri="{FF2B5EF4-FFF2-40B4-BE49-F238E27FC236}">
-                <a16:creationId xmlns:a16="http://schemas.microsoft.com/office/drawing/2014/main" id="{D964DFDD-EEB7-4D65-B219-543539F11FFC}"/>
-              </a:ext>
-            </a:extLst>
-          </p:cNvPr>
-          <p:cNvCxnSpPr>
-            <a:cxnSpLocks/>
-          </p:cNvCxnSpPr>
-          <p:nvPr/>
-        </p:nvCxnSpPr>
-        <p:spPr>
-          <a:xfrm>
-            <a:off x="4600175" y="2247705"/>
-            <a:ext cx="234292" cy="1181295"/>
-          </a:xfrm>
-          <a:prstGeom prst="line">
-            <a:avLst/>
-          </a:prstGeom>
-          <a:ln>
-            <a:solidFill>
-              <a:srgbClr val="FF0000"/>
-            </a:solidFill>
-          </a:ln>
-        </p:spPr>
-        <p:style>
-          <a:lnRef idx="1">
-            <a:schemeClr val="accent6"/>
-          </a:lnRef>
-          <a:fillRef idx="0">
-            <a:schemeClr val="accent6"/>
-          </a:fillRef>
-          <a:effectRef idx="0">
-            <a:schemeClr val="accent6"/>
-          </a:effectRef>
-          <a:fontRef idx="minor">
-            <a:schemeClr val="tx1"/>
-          </a:fontRef>
-        </p:style>
-      </p:cxnSp>
-      <p:sp>
-        <p:nvSpPr>
-          <p:cNvPr id="12" name="TextBox 11">
-            <a:extLst>
-              <a:ext uri="{FF2B5EF4-FFF2-40B4-BE49-F238E27FC236}">
-                <a16:creationId xmlns:a16="http://schemas.microsoft.com/office/drawing/2014/main" id="{56CA8AD5-C579-4283-9433-9AC90F222996}"/>
-              </a:ext>
-            </a:extLst>
-          </p:cNvPr>
-          <p:cNvSpPr txBox="1"/>
-          <p:nvPr/>
-        </p:nvSpPr>
-        <p:spPr>
-          <a:xfrm>
-            <a:off x="3461275" y="3429000"/>
-            <a:ext cx="3574525" cy="246221"/>
-          </a:xfrm>
-          <a:prstGeom prst="rect">
-            <a:avLst/>
-          </a:prstGeom>
-          <a:noFill/>
-        </p:spPr>
-        <p:txBody>
-          <a:bodyPr wrap="square" rtlCol="0">
-            <a:spAutoFit/>
-          </a:bodyPr>
-          <a:lstStyle/>
-          <a:p>
-            <a:r>
-              <a:rPr lang="en-US" sz="1000" dirty="0">
-                <a:latin typeface="Poppins" panose="00000500000000000000" pitchFamily="2" charset="0"/>
-                <a:cs typeface="Poppins" panose="00000500000000000000" pitchFamily="2" charset="0"/>
-              </a:rPr>
-              <a:t>Nama class pada </a:t>
-            </a:r>
-            <a:r>
-              <a:rPr lang="en-US" sz="1000" dirty="0" err="1">
-                <a:latin typeface="Poppins" panose="00000500000000000000" pitchFamily="2" charset="0"/>
-                <a:cs typeface="Poppins" panose="00000500000000000000" pitchFamily="2" charset="0"/>
-              </a:rPr>
-              <a:t>elemnt</a:t>
-            </a:r>
-            <a:r>
-              <a:rPr lang="en-US" sz="1000" dirty="0">
-                <a:latin typeface="Poppins" panose="00000500000000000000" pitchFamily="2" charset="0"/>
-                <a:cs typeface="Poppins" panose="00000500000000000000" pitchFamily="2" charset="0"/>
-              </a:rPr>
-              <a:t> html yang </a:t>
-            </a:r>
-            <a:r>
-              <a:rPr lang="en-US" sz="1000" dirty="0" err="1">
-                <a:latin typeface="Poppins" panose="00000500000000000000" pitchFamily="2" charset="0"/>
-                <a:cs typeface="Poppins" panose="00000500000000000000" pitchFamily="2" charset="0"/>
-              </a:rPr>
-              <a:t>ingin</a:t>
-            </a:r>
-            <a:r>
-              <a:rPr lang="en-US" sz="1000" dirty="0">
-                <a:latin typeface="Poppins" panose="00000500000000000000" pitchFamily="2" charset="0"/>
-                <a:cs typeface="Poppins" panose="00000500000000000000" pitchFamily="2" charset="0"/>
-              </a:rPr>
-              <a:t> </a:t>
-            </a:r>
-            <a:r>
-              <a:rPr lang="en-US" sz="1000" dirty="0" err="1">
-                <a:latin typeface="Poppins" panose="00000500000000000000" pitchFamily="2" charset="0"/>
-                <a:cs typeface="Poppins" panose="00000500000000000000" pitchFamily="2" charset="0"/>
-              </a:rPr>
-              <a:t>dipanggil</a:t>
-            </a:r>
-            <a:endParaRPr lang="en-US" sz="1000" dirty="0">
-              <a:latin typeface="Poppins" panose="00000500000000000000" pitchFamily="2" charset="0"/>
-              <a:cs typeface="Poppins" panose="00000500000000000000" pitchFamily="2" charset="0"/>
-            </a:endParaRPr>
-          </a:p>
-        </p:txBody>
-      </p:sp>
-      <p:pic>
-        <p:nvPicPr>
-          <p:cNvPr id="14" name="Picture 13">
-            <a:extLst>
-              <a:ext uri="{FF2B5EF4-FFF2-40B4-BE49-F238E27FC236}">
-                <a16:creationId xmlns:a16="http://schemas.microsoft.com/office/drawing/2014/main" id="{5F921B47-6CF4-4118-81DF-B77EF54E44F2}"/>
-              </a:ext>
-            </a:extLst>
-          </p:cNvPr>
-          <p:cNvPicPr>
-            <a:picLocks noChangeAspect="1"/>
-          </p:cNvPicPr>
-          <p:nvPr/>
-        </p:nvPicPr>
-        <p:blipFill>
-          <a:blip r:embed="rId3">
-            <a:extLst>
-              <a:ext uri="{28A0092B-C50C-407E-A947-70E740481C1C}">
-                <a14:useLocalDpi xmlns:a14="http://schemas.microsoft.com/office/drawing/2010/main" val="0"/>
-              </a:ext>
-            </a:extLst>
-          </a:blip>
-          <a:stretch>
-            <a:fillRect/>
-          </a:stretch>
-        </p:blipFill>
-        <p:spPr>
-          <a:xfrm>
-            <a:off x="6333066" y="3925362"/>
-            <a:ext cx="5094817" cy="1486877"/>
-          </a:xfrm>
-          <a:prstGeom prst="rect">
-            <a:avLst/>
-          </a:prstGeom>
+          <a:extLst>
+            <a:ext uri="{909E8E84-426E-40DD-AFC4-6F175D3DCCD1}">
+              <a14:hiddenFill xmlns:a14="http://schemas.microsoft.com/office/drawing/2010/main">
+                <a:solidFill>
+                  <a:srgbClr val="FFFFFF"/>
+                </a:solidFill>
+              </a14:hiddenFill>
+            </a:ext>
+          </a:extLst>
         </p:spPr>
       </p:pic>
-      <p:cxnSp>
-        <p:nvCxnSpPr>
-          <p:cNvPr id="15" name="Straight Connector 14">
-            <a:extLst>
-              <a:ext uri="{FF2B5EF4-FFF2-40B4-BE49-F238E27FC236}">
-                <a16:creationId xmlns:a16="http://schemas.microsoft.com/office/drawing/2014/main" id="{28ACCFE5-6E84-4C67-A276-F60C427162A0}"/>
-              </a:ext>
-            </a:extLst>
-          </p:cNvPr>
-          <p:cNvCxnSpPr>
-            <a:cxnSpLocks/>
-          </p:cNvCxnSpPr>
-          <p:nvPr/>
-        </p:nvCxnSpPr>
-        <p:spPr>
-          <a:xfrm>
-            <a:off x="5664200" y="4809067"/>
-            <a:ext cx="982133" cy="0"/>
-          </a:xfrm>
-          <a:prstGeom prst="line">
-            <a:avLst/>
-          </a:prstGeom>
-          <a:ln>
-            <a:solidFill>
-              <a:srgbClr val="FF0000"/>
-            </a:solidFill>
-          </a:ln>
-        </p:spPr>
-        <p:style>
-          <a:lnRef idx="1">
-            <a:schemeClr val="accent6"/>
-          </a:lnRef>
-          <a:fillRef idx="0">
-            <a:schemeClr val="accent6"/>
-          </a:fillRef>
-          <a:effectRef idx="0">
-            <a:schemeClr val="accent6"/>
-          </a:effectRef>
-          <a:fontRef idx="minor">
-            <a:schemeClr val="tx1"/>
-          </a:fontRef>
-        </p:style>
-      </p:cxnSp>
-      <p:sp>
-        <p:nvSpPr>
-          <p:cNvPr id="19" name="TextBox 18">
-            <a:extLst>
-              <a:ext uri="{FF2B5EF4-FFF2-40B4-BE49-F238E27FC236}">
-                <a16:creationId xmlns:a16="http://schemas.microsoft.com/office/drawing/2014/main" id="{BFA744A0-39BF-4FDF-A35A-086B134C7E9C}"/>
-              </a:ext>
-            </a:extLst>
-          </p:cNvPr>
-          <p:cNvSpPr txBox="1"/>
-          <p:nvPr/>
-        </p:nvSpPr>
-        <p:spPr>
-          <a:xfrm>
-            <a:off x="2187495" y="4668800"/>
-            <a:ext cx="3574525" cy="246221"/>
-          </a:xfrm>
-          <a:prstGeom prst="rect">
-            <a:avLst/>
-          </a:prstGeom>
-          <a:noFill/>
-        </p:spPr>
-        <p:txBody>
-          <a:bodyPr wrap="square" rtlCol="0">
-            <a:spAutoFit/>
-          </a:bodyPr>
-          <a:lstStyle/>
-          <a:p>
-            <a:r>
-              <a:rPr lang="en-US" sz="1000" dirty="0" err="1">
-                <a:latin typeface="Poppins" panose="00000500000000000000" pitchFamily="2" charset="0"/>
-                <a:cs typeface="Poppins" panose="00000500000000000000" pitchFamily="2" charset="0"/>
-              </a:rPr>
-              <a:t>Lakukan</a:t>
-            </a:r>
-            <a:r>
-              <a:rPr lang="en-US" sz="1000" dirty="0">
-                <a:latin typeface="Poppins" panose="00000500000000000000" pitchFamily="2" charset="0"/>
-                <a:cs typeface="Poppins" panose="00000500000000000000" pitchFamily="2" charset="0"/>
-              </a:rPr>
-              <a:t> </a:t>
-            </a:r>
-            <a:r>
-              <a:rPr lang="en-US" sz="1000" dirty="0" err="1">
-                <a:latin typeface="Poppins" panose="00000500000000000000" pitchFamily="2" charset="0"/>
-                <a:cs typeface="Poppins" panose="00000500000000000000" pitchFamily="2" charset="0"/>
-              </a:rPr>
-              <a:t>perulangan</a:t>
-            </a:r>
-            <a:r>
-              <a:rPr lang="en-US" sz="1000" dirty="0">
-                <a:latin typeface="Poppins" panose="00000500000000000000" pitchFamily="2" charset="0"/>
-                <a:cs typeface="Poppins" panose="00000500000000000000" pitchFamily="2" charset="0"/>
-              </a:rPr>
-              <a:t> </a:t>
-            </a:r>
-            <a:r>
-              <a:rPr lang="en-US" sz="1000" dirty="0" err="1">
-                <a:latin typeface="Poppins" panose="00000500000000000000" pitchFamily="2" charset="0"/>
-                <a:cs typeface="Poppins" panose="00000500000000000000" pitchFamily="2" charset="0"/>
-              </a:rPr>
-              <a:t>sebanyak</a:t>
-            </a:r>
-            <a:r>
-              <a:rPr lang="en-US" sz="1000" dirty="0">
-                <a:latin typeface="Poppins" panose="00000500000000000000" pitchFamily="2" charset="0"/>
-                <a:cs typeface="Poppins" panose="00000500000000000000" pitchFamily="2" charset="0"/>
-              </a:rPr>
-              <a:t> class yang </a:t>
-            </a:r>
-            <a:r>
-              <a:rPr lang="en-US" sz="1000" dirty="0" err="1">
-                <a:latin typeface="Poppins" panose="00000500000000000000" pitchFamily="2" charset="0"/>
-                <a:cs typeface="Poppins" panose="00000500000000000000" pitchFamily="2" charset="0"/>
-              </a:rPr>
-              <a:t>dipanggil</a:t>
-            </a:r>
-            <a:endParaRPr lang="en-US" sz="1000" dirty="0">
-              <a:latin typeface="Poppins" panose="00000500000000000000" pitchFamily="2" charset="0"/>
-              <a:cs typeface="Poppins" panose="00000500000000000000" pitchFamily="2" charset="0"/>
-            </a:endParaRPr>
-          </a:p>
-        </p:txBody>
-      </p:sp>
     </p:spTree>
     <p:extLst>
       <p:ext uri="{BB962C8B-B14F-4D97-AF65-F5344CB8AC3E}">
-        <p14:creationId xmlns:p14="http://schemas.microsoft.com/office/powerpoint/2010/main" val="1346663340"/>
-      </p:ext>
-    </p:extLst>
-  </p:cSld>
-  <p:clrMapOvr>
-    <a:masterClrMapping/>
-  </p:clrMapOvr>
-</p:sld>
-</file>
-
-<file path=ppt/slides/slide6.xml><?xml version="1.0" encoding="utf-8"?>
-<p:sld xmlns:a="http://schemas.openxmlformats.org/drawingml/2006/main" xmlns:r="http://schemas.openxmlformats.org/officeDocument/2006/relationships" xmlns:p="http://schemas.openxmlformats.org/presentationml/2006/main">
-  <p:cSld>
-    <p:spTree>
-      <p:nvGrpSpPr>
-        <p:cNvPr id="1" name=""/>
-        <p:cNvGrpSpPr/>
-        <p:nvPr/>
-      </p:nvGrpSpPr>
-      <p:grpSpPr>
-        <a:xfrm>
-          <a:off x="0" y="0"/>
-          <a:ext cx="0" cy="0"/>
-          <a:chOff x="0" y="0"/>
-          <a:chExt cx="0" cy="0"/>
-        </a:xfrm>
-      </p:grpSpPr>
-      <p:sp>
-        <p:nvSpPr>
-          <p:cNvPr id="2" name="TextBox 1">
-            <a:extLst>
-              <a:ext uri="{FF2B5EF4-FFF2-40B4-BE49-F238E27FC236}">
-                <a16:creationId xmlns:a16="http://schemas.microsoft.com/office/drawing/2014/main" id="{E0368BD4-BD87-475C-A815-16664BA0BA9A}"/>
-              </a:ext>
-            </a:extLst>
-          </p:cNvPr>
-          <p:cNvSpPr txBox="1"/>
-          <p:nvPr/>
-        </p:nvSpPr>
-        <p:spPr>
-          <a:xfrm>
-            <a:off x="770950" y="377376"/>
-            <a:ext cx="795411" cy="338554"/>
-          </a:xfrm>
-          <a:prstGeom prst="rect">
-            <a:avLst/>
-          </a:prstGeom>
-          <a:noFill/>
-        </p:spPr>
-        <p:txBody>
-          <a:bodyPr wrap="none" rtlCol="0">
-            <a:spAutoFit/>
-          </a:bodyPr>
-          <a:lstStyle/>
-          <a:p>
-            <a:r>
-              <a:rPr lang="en-US" sz="1600" dirty="0">
-                <a:latin typeface="Poppins" panose="00000500000000000000" pitchFamily="2" charset="0"/>
-                <a:cs typeface="Poppins" panose="00000500000000000000" pitchFamily="2" charset="0"/>
-              </a:rPr>
-              <a:t>Get ID</a:t>
-            </a:r>
-          </a:p>
-        </p:txBody>
-      </p:sp>
-      <p:pic>
-        <p:nvPicPr>
-          <p:cNvPr id="4" name="Picture 3">
-            <a:extLst>
-              <a:ext uri="{FF2B5EF4-FFF2-40B4-BE49-F238E27FC236}">
-                <a16:creationId xmlns:a16="http://schemas.microsoft.com/office/drawing/2014/main" id="{2824DE29-060E-4FC6-8242-5F04DBC718AE}"/>
-              </a:ext>
-            </a:extLst>
-          </p:cNvPr>
-          <p:cNvPicPr>
-            <a:picLocks noChangeAspect="1"/>
-          </p:cNvPicPr>
-          <p:nvPr/>
-        </p:nvPicPr>
-        <p:blipFill>
-          <a:blip r:embed="rId2">
-            <a:extLst>
-              <a:ext uri="{28A0092B-C50C-407E-A947-70E740481C1C}">
-                <a14:useLocalDpi xmlns:a14="http://schemas.microsoft.com/office/drawing/2010/main" val="0"/>
-              </a:ext>
-            </a:extLst>
-          </a:blip>
-          <a:stretch>
-            <a:fillRect/>
-          </a:stretch>
-        </p:blipFill>
-        <p:spPr>
-          <a:xfrm>
-            <a:off x="1676427" y="2213505"/>
-            <a:ext cx="5164503" cy="1215495"/>
-          </a:xfrm>
-          <a:prstGeom prst="rect">
-            <a:avLst/>
-          </a:prstGeom>
-        </p:spPr>
-      </p:pic>
-      <p:cxnSp>
-        <p:nvCxnSpPr>
-          <p:cNvPr id="5" name="Straight Connector 4">
-            <a:extLst>
-              <a:ext uri="{FF2B5EF4-FFF2-40B4-BE49-F238E27FC236}">
-                <a16:creationId xmlns:a16="http://schemas.microsoft.com/office/drawing/2014/main" id="{6C1E25DB-5D72-4BD5-8334-57016BB46386}"/>
-              </a:ext>
-            </a:extLst>
-          </p:cNvPr>
-          <p:cNvCxnSpPr>
-            <a:cxnSpLocks/>
-          </p:cNvCxnSpPr>
-          <p:nvPr/>
-        </p:nvCxnSpPr>
-        <p:spPr>
-          <a:xfrm flipV="1">
-            <a:off x="3479118" y="2015067"/>
-            <a:ext cx="474815" cy="719713"/>
-          </a:xfrm>
-          <a:prstGeom prst="line">
-            <a:avLst/>
-          </a:prstGeom>
-          <a:ln>
-            <a:solidFill>
-              <a:srgbClr val="FF0000"/>
-            </a:solidFill>
-          </a:ln>
-        </p:spPr>
-        <p:style>
-          <a:lnRef idx="1">
-            <a:schemeClr val="accent6"/>
-          </a:lnRef>
-          <a:fillRef idx="0">
-            <a:schemeClr val="accent6"/>
-          </a:fillRef>
-          <a:effectRef idx="0">
-            <a:schemeClr val="accent6"/>
-          </a:effectRef>
-          <a:fontRef idx="minor">
-            <a:schemeClr val="tx1"/>
-          </a:fontRef>
-        </p:style>
-      </p:cxnSp>
-      <p:sp>
-        <p:nvSpPr>
-          <p:cNvPr id="7" name="TextBox 6">
-            <a:extLst>
-              <a:ext uri="{FF2B5EF4-FFF2-40B4-BE49-F238E27FC236}">
-                <a16:creationId xmlns:a16="http://schemas.microsoft.com/office/drawing/2014/main" id="{F827C336-9825-4435-9005-AD81F2A552D9}"/>
-              </a:ext>
-            </a:extLst>
-          </p:cNvPr>
-          <p:cNvSpPr txBox="1"/>
-          <p:nvPr/>
-        </p:nvSpPr>
-        <p:spPr>
-          <a:xfrm>
-            <a:off x="3232675" y="1744955"/>
-            <a:ext cx="2956458" cy="246221"/>
-          </a:xfrm>
-          <a:prstGeom prst="rect">
-            <a:avLst/>
-          </a:prstGeom>
-          <a:noFill/>
-        </p:spPr>
-        <p:txBody>
-          <a:bodyPr wrap="square" rtlCol="0">
-            <a:spAutoFit/>
-          </a:bodyPr>
-          <a:lstStyle/>
-          <a:p>
-            <a:r>
-              <a:rPr lang="en-US" sz="1000" dirty="0" err="1">
-                <a:latin typeface="Poppins" panose="00000500000000000000" pitchFamily="2" charset="0"/>
-                <a:cs typeface="Poppins" panose="00000500000000000000" pitchFamily="2" charset="0"/>
-              </a:rPr>
-              <a:t>mengembalikan</a:t>
-            </a:r>
-            <a:r>
-              <a:rPr lang="en-US" sz="1000" dirty="0">
-                <a:latin typeface="Poppins" panose="00000500000000000000" pitchFamily="2" charset="0"/>
-                <a:cs typeface="Poppins" panose="00000500000000000000" pitchFamily="2" charset="0"/>
-              </a:rPr>
-              <a:t> </a:t>
-            </a:r>
-            <a:r>
-              <a:rPr lang="en-US" sz="1000" dirty="0" err="1">
-                <a:latin typeface="Poppins" panose="00000500000000000000" pitchFamily="2" charset="0"/>
-                <a:cs typeface="Poppins" panose="00000500000000000000" pitchFamily="2" charset="0"/>
-              </a:rPr>
-              <a:t>nilai</a:t>
-            </a:r>
-            <a:r>
-              <a:rPr lang="en-US" sz="1000" dirty="0">
-                <a:latin typeface="Poppins" panose="00000500000000000000" pitchFamily="2" charset="0"/>
-                <a:cs typeface="Poppins" panose="00000500000000000000" pitchFamily="2" charset="0"/>
-              </a:rPr>
-              <a:t> </a:t>
-            </a:r>
-            <a:r>
-              <a:rPr lang="en-US" sz="1000" dirty="0" err="1">
-                <a:latin typeface="Poppins" panose="00000500000000000000" pitchFamily="2" charset="0"/>
-                <a:cs typeface="Poppins" panose="00000500000000000000" pitchFamily="2" charset="0"/>
-              </a:rPr>
-              <a:t>berupa</a:t>
-            </a:r>
-            <a:r>
-              <a:rPr lang="en-US" sz="1000" dirty="0">
-                <a:latin typeface="Poppins" panose="00000500000000000000" pitchFamily="2" charset="0"/>
-                <a:cs typeface="Poppins" panose="00000500000000000000" pitchFamily="2" charset="0"/>
-              </a:rPr>
-              <a:t> element html</a:t>
-            </a:r>
-          </a:p>
-        </p:txBody>
-      </p:sp>
-      <p:sp>
-        <p:nvSpPr>
-          <p:cNvPr id="8" name="TextBox 7">
-            <a:extLst>
-              <a:ext uri="{FF2B5EF4-FFF2-40B4-BE49-F238E27FC236}">
-                <a16:creationId xmlns:a16="http://schemas.microsoft.com/office/drawing/2014/main" id="{F83FBBA1-2999-4C6B-AE6E-116EA72AFC0B}"/>
-              </a:ext>
-            </a:extLst>
-          </p:cNvPr>
-          <p:cNvSpPr txBox="1"/>
-          <p:nvPr/>
-        </p:nvSpPr>
-        <p:spPr>
-          <a:xfrm>
-            <a:off x="3716525" y="3844689"/>
-            <a:ext cx="2956458" cy="246221"/>
-          </a:xfrm>
-          <a:prstGeom prst="rect">
-            <a:avLst/>
-          </a:prstGeom>
-          <a:noFill/>
-        </p:spPr>
-        <p:txBody>
-          <a:bodyPr wrap="square" rtlCol="0">
-            <a:spAutoFit/>
-          </a:bodyPr>
-          <a:lstStyle/>
-          <a:p>
-            <a:r>
-              <a:rPr lang="en-US" sz="1000" dirty="0">
-                <a:latin typeface="Poppins" panose="00000500000000000000" pitchFamily="2" charset="0"/>
-                <a:cs typeface="Poppins" panose="00000500000000000000" pitchFamily="2" charset="0"/>
-              </a:rPr>
-              <a:t>Nama ID pada element HTML</a:t>
-            </a:r>
-          </a:p>
-        </p:txBody>
-      </p:sp>
-      <p:cxnSp>
-        <p:nvCxnSpPr>
-          <p:cNvPr id="9" name="Straight Connector 8">
-            <a:extLst>
-              <a:ext uri="{FF2B5EF4-FFF2-40B4-BE49-F238E27FC236}">
-                <a16:creationId xmlns:a16="http://schemas.microsoft.com/office/drawing/2014/main" id="{B38F3961-6AB3-4360-B9EB-F17C77355F1D}"/>
-              </a:ext>
-            </a:extLst>
-          </p:cNvPr>
-          <p:cNvCxnSpPr>
-            <a:cxnSpLocks/>
-          </p:cNvCxnSpPr>
-          <p:nvPr/>
-        </p:nvCxnSpPr>
-        <p:spPr>
-          <a:xfrm flipH="1" flipV="1">
-            <a:off x="3953933" y="2939785"/>
-            <a:ext cx="914400" cy="794015"/>
-          </a:xfrm>
-          <a:prstGeom prst="line">
-            <a:avLst/>
-          </a:prstGeom>
-          <a:ln>
-            <a:solidFill>
-              <a:srgbClr val="FF0000"/>
-            </a:solidFill>
-          </a:ln>
-        </p:spPr>
-        <p:style>
-          <a:lnRef idx="1">
-            <a:schemeClr val="accent6"/>
-          </a:lnRef>
-          <a:fillRef idx="0">
-            <a:schemeClr val="accent6"/>
-          </a:fillRef>
-          <a:effectRef idx="0">
-            <a:schemeClr val="accent6"/>
-          </a:effectRef>
-          <a:fontRef idx="minor">
-            <a:schemeClr val="tx1"/>
-          </a:fontRef>
-        </p:style>
-      </p:cxnSp>
-    </p:spTree>
-    <p:extLst>
-      <p:ext uri="{BB962C8B-B14F-4D97-AF65-F5344CB8AC3E}">
-        <p14:creationId xmlns:p14="http://schemas.microsoft.com/office/powerpoint/2010/main" val="1092940817"/>
-      </p:ext>
-    </p:extLst>
-  </p:cSld>
-  <p:clrMapOvr>
-    <a:masterClrMapping/>
-  </p:clrMapOvr>
-</p:sld>
-</file>
-
-<file path=ppt/slides/slide7.xml><?xml version="1.0" encoding="utf-8"?>
-<p:sld xmlns:a="http://schemas.openxmlformats.org/drawingml/2006/main" xmlns:r="http://schemas.openxmlformats.org/officeDocument/2006/relationships" xmlns:p="http://schemas.openxmlformats.org/presentationml/2006/main">
-  <p:cSld>
-    <p:spTree>
-      <p:nvGrpSpPr>
-        <p:cNvPr id="1" name=""/>
-        <p:cNvGrpSpPr/>
-        <p:nvPr/>
-      </p:nvGrpSpPr>
-      <p:grpSpPr>
-        <a:xfrm>
-          <a:off x="0" y="0"/>
-          <a:ext cx="0" cy="0"/>
-          <a:chOff x="0" y="0"/>
-          <a:chExt cx="0" cy="0"/>
-        </a:xfrm>
-      </p:grpSpPr>
-      <p:pic>
-        <p:nvPicPr>
-          <p:cNvPr id="3" name="Picture 2">
-            <a:extLst>
-              <a:ext uri="{FF2B5EF4-FFF2-40B4-BE49-F238E27FC236}">
-                <a16:creationId xmlns:a16="http://schemas.microsoft.com/office/drawing/2014/main" id="{7CB84ED7-B7AD-47E1-9270-89D3407CBE52}"/>
-              </a:ext>
-            </a:extLst>
-          </p:cNvPr>
-          <p:cNvPicPr>
-            <a:picLocks noChangeAspect="1"/>
-          </p:cNvPicPr>
-          <p:nvPr/>
-        </p:nvPicPr>
-        <p:blipFill>
-          <a:blip r:embed="rId2">
-            <a:extLst>
-              <a:ext uri="{28A0092B-C50C-407E-A947-70E740481C1C}">
-                <a14:useLocalDpi xmlns:a14="http://schemas.microsoft.com/office/drawing/2010/main" val="0"/>
-              </a:ext>
-            </a:extLst>
-          </a:blip>
-          <a:stretch>
-            <a:fillRect/>
-          </a:stretch>
-        </p:blipFill>
-        <p:spPr>
-          <a:xfrm>
-            <a:off x="1818217" y="1845734"/>
-            <a:ext cx="6070600" cy="2133600"/>
-          </a:xfrm>
-          <a:prstGeom prst="rect">
-            <a:avLst/>
-          </a:prstGeom>
-        </p:spPr>
-      </p:pic>
-      <p:cxnSp>
-        <p:nvCxnSpPr>
-          <p:cNvPr id="4" name="Straight Connector 3">
-            <a:extLst>
-              <a:ext uri="{FF2B5EF4-FFF2-40B4-BE49-F238E27FC236}">
-                <a16:creationId xmlns:a16="http://schemas.microsoft.com/office/drawing/2014/main" id="{30C90A56-E906-44F7-B00F-CAA91C47D53F}"/>
-              </a:ext>
-            </a:extLst>
-          </p:cNvPr>
-          <p:cNvCxnSpPr>
-            <a:cxnSpLocks/>
-          </p:cNvCxnSpPr>
-          <p:nvPr/>
-        </p:nvCxnSpPr>
-        <p:spPr>
-          <a:xfrm flipH="1" flipV="1">
-            <a:off x="3200400" y="1646423"/>
-            <a:ext cx="1480984" cy="880684"/>
-          </a:xfrm>
-          <a:prstGeom prst="line">
-            <a:avLst/>
-          </a:prstGeom>
-          <a:ln>
-            <a:solidFill>
-              <a:srgbClr val="FF0000"/>
-            </a:solidFill>
-          </a:ln>
-        </p:spPr>
-        <p:style>
-          <a:lnRef idx="1">
-            <a:schemeClr val="accent6"/>
-          </a:lnRef>
-          <a:fillRef idx="0">
-            <a:schemeClr val="accent6"/>
-          </a:fillRef>
-          <a:effectRef idx="0">
-            <a:schemeClr val="accent6"/>
-          </a:effectRef>
-          <a:fontRef idx="minor">
-            <a:schemeClr val="tx1"/>
-          </a:fontRef>
-        </p:style>
-      </p:cxnSp>
-      <p:sp>
-        <p:nvSpPr>
-          <p:cNvPr id="7" name="TextBox 6">
-            <a:extLst>
-              <a:ext uri="{FF2B5EF4-FFF2-40B4-BE49-F238E27FC236}">
-                <a16:creationId xmlns:a16="http://schemas.microsoft.com/office/drawing/2014/main" id="{521B8CBF-9670-41EA-B278-DE960BA0B2A8}"/>
-              </a:ext>
-            </a:extLst>
-          </p:cNvPr>
-          <p:cNvSpPr txBox="1"/>
-          <p:nvPr/>
-        </p:nvSpPr>
-        <p:spPr>
-          <a:xfrm>
-            <a:off x="4578875" y="1357869"/>
-            <a:ext cx="3024192" cy="246221"/>
-          </a:xfrm>
-          <a:prstGeom prst="rect">
-            <a:avLst/>
-          </a:prstGeom>
-          <a:noFill/>
-        </p:spPr>
-        <p:txBody>
-          <a:bodyPr wrap="square" rtlCol="0">
-            <a:spAutoFit/>
-          </a:bodyPr>
-          <a:lstStyle/>
-          <a:p>
-            <a:r>
-              <a:rPr lang="en-US" sz="1000" dirty="0" err="1">
-                <a:latin typeface="Poppins" panose="00000500000000000000" pitchFamily="2" charset="0"/>
-                <a:cs typeface="Poppins" panose="00000500000000000000" pitchFamily="2" charset="0"/>
-              </a:rPr>
-              <a:t>Gunakan</a:t>
-            </a:r>
-            <a:r>
-              <a:rPr lang="en-US" sz="1000" dirty="0">
-                <a:latin typeface="Poppins" panose="00000500000000000000" pitchFamily="2" charset="0"/>
-                <a:cs typeface="Poppins" panose="00000500000000000000" pitchFamily="2" charset="0"/>
-              </a:rPr>
-              <a:t> # (</a:t>
-            </a:r>
-            <a:r>
-              <a:rPr lang="en-US" sz="1000" dirty="0" err="1">
-                <a:latin typeface="Poppins" panose="00000500000000000000" pitchFamily="2" charset="0"/>
-                <a:cs typeface="Poppins" panose="00000500000000000000" pitchFamily="2" charset="0"/>
-              </a:rPr>
-              <a:t>hastag</a:t>
-            </a:r>
-            <a:r>
-              <a:rPr lang="en-US" sz="1000" dirty="0">
-                <a:latin typeface="Poppins" panose="00000500000000000000" pitchFamily="2" charset="0"/>
-                <a:cs typeface="Poppins" panose="00000500000000000000" pitchFamily="2" charset="0"/>
-              </a:rPr>
-              <a:t>) </a:t>
-            </a:r>
-            <a:r>
-              <a:rPr lang="en-US" sz="1000" dirty="0" err="1">
-                <a:latin typeface="Poppins" panose="00000500000000000000" pitchFamily="2" charset="0"/>
-                <a:cs typeface="Poppins" panose="00000500000000000000" pitchFamily="2" charset="0"/>
-              </a:rPr>
-              <a:t>jika</a:t>
-            </a:r>
-            <a:r>
-              <a:rPr lang="en-US" sz="1000" dirty="0">
-                <a:latin typeface="Poppins" panose="00000500000000000000" pitchFamily="2" charset="0"/>
-                <a:cs typeface="Poppins" panose="00000500000000000000" pitchFamily="2" charset="0"/>
-              </a:rPr>
-              <a:t> </a:t>
-            </a:r>
-            <a:r>
-              <a:rPr lang="en-US" sz="1000" dirty="0" err="1">
-                <a:latin typeface="Poppins" panose="00000500000000000000" pitchFamily="2" charset="0"/>
-                <a:cs typeface="Poppins" panose="00000500000000000000" pitchFamily="2" charset="0"/>
-              </a:rPr>
-              <a:t>ingin</a:t>
-            </a:r>
-            <a:r>
-              <a:rPr lang="en-US" sz="1000" dirty="0">
-                <a:latin typeface="Poppins" panose="00000500000000000000" pitchFamily="2" charset="0"/>
-                <a:cs typeface="Poppins" panose="00000500000000000000" pitchFamily="2" charset="0"/>
-              </a:rPr>
-              <a:t> </a:t>
-            </a:r>
-            <a:r>
-              <a:rPr lang="en-US" sz="1000" dirty="0" err="1">
-                <a:latin typeface="Poppins" panose="00000500000000000000" pitchFamily="2" charset="0"/>
-                <a:cs typeface="Poppins" panose="00000500000000000000" pitchFamily="2" charset="0"/>
-              </a:rPr>
-              <a:t>memanggil</a:t>
-            </a:r>
-            <a:r>
-              <a:rPr lang="en-US" sz="1000" dirty="0">
-                <a:latin typeface="Poppins" panose="00000500000000000000" pitchFamily="2" charset="0"/>
-                <a:cs typeface="Poppins" panose="00000500000000000000" pitchFamily="2" charset="0"/>
-              </a:rPr>
-              <a:t> id</a:t>
-            </a:r>
-          </a:p>
-        </p:txBody>
-      </p:sp>
-      <p:sp>
-        <p:nvSpPr>
-          <p:cNvPr id="8" name="TextBox 7">
-            <a:extLst>
-              <a:ext uri="{FF2B5EF4-FFF2-40B4-BE49-F238E27FC236}">
-                <a16:creationId xmlns:a16="http://schemas.microsoft.com/office/drawing/2014/main" id="{ED2FD58D-D460-48B0-B77C-13F8396F6FFF}"/>
-              </a:ext>
-            </a:extLst>
-          </p:cNvPr>
-          <p:cNvSpPr txBox="1"/>
-          <p:nvPr/>
-        </p:nvSpPr>
-        <p:spPr>
-          <a:xfrm>
-            <a:off x="1420808" y="1315536"/>
-            <a:ext cx="3158067" cy="246221"/>
-          </a:xfrm>
-          <a:prstGeom prst="rect">
-            <a:avLst/>
-          </a:prstGeom>
-          <a:noFill/>
-        </p:spPr>
-        <p:txBody>
-          <a:bodyPr wrap="square" rtlCol="0">
-            <a:spAutoFit/>
-          </a:bodyPr>
-          <a:lstStyle/>
-          <a:p>
-            <a:r>
-              <a:rPr lang="en-US" sz="1000" dirty="0" err="1">
-                <a:latin typeface="Poppins" panose="00000500000000000000" pitchFamily="2" charset="0"/>
-                <a:cs typeface="Poppins" panose="00000500000000000000" pitchFamily="2" charset="0"/>
-              </a:rPr>
-              <a:t>Gunakan</a:t>
-            </a:r>
-            <a:r>
-              <a:rPr lang="en-US" sz="1000" dirty="0">
-                <a:latin typeface="Poppins" panose="00000500000000000000" pitchFamily="2" charset="0"/>
-                <a:cs typeface="Poppins" panose="00000500000000000000" pitchFamily="2" charset="0"/>
-              </a:rPr>
-              <a:t> . (</a:t>
-            </a:r>
-            <a:r>
-              <a:rPr lang="en-US" sz="1000" dirty="0" err="1">
-                <a:latin typeface="Poppins" panose="00000500000000000000" pitchFamily="2" charset="0"/>
-                <a:cs typeface="Poppins" panose="00000500000000000000" pitchFamily="2" charset="0"/>
-              </a:rPr>
-              <a:t>titik</a:t>
-            </a:r>
-            <a:r>
-              <a:rPr lang="en-US" sz="1000" dirty="0">
-                <a:latin typeface="Poppins" panose="00000500000000000000" pitchFamily="2" charset="0"/>
-                <a:cs typeface="Poppins" panose="00000500000000000000" pitchFamily="2" charset="0"/>
-              </a:rPr>
-              <a:t>) </a:t>
-            </a:r>
-            <a:r>
-              <a:rPr lang="en-US" sz="1000" dirty="0" err="1">
-                <a:latin typeface="Poppins" panose="00000500000000000000" pitchFamily="2" charset="0"/>
-                <a:cs typeface="Poppins" panose="00000500000000000000" pitchFamily="2" charset="0"/>
-              </a:rPr>
-              <a:t>jika</a:t>
-            </a:r>
-            <a:r>
-              <a:rPr lang="en-US" sz="1000" dirty="0">
-                <a:latin typeface="Poppins" panose="00000500000000000000" pitchFamily="2" charset="0"/>
-                <a:cs typeface="Poppins" panose="00000500000000000000" pitchFamily="2" charset="0"/>
-              </a:rPr>
-              <a:t> </a:t>
-            </a:r>
-            <a:r>
-              <a:rPr lang="en-US" sz="1000" dirty="0" err="1">
-                <a:latin typeface="Poppins" panose="00000500000000000000" pitchFamily="2" charset="0"/>
-                <a:cs typeface="Poppins" panose="00000500000000000000" pitchFamily="2" charset="0"/>
-              </a:rPr>
-              <a:t>ingin</a:t>
-            </a:r>
-            <a:r>
-              <a:rPr lang="en-US" sz="1000" dirty="0">
-                <a:latin typeface="Poppins" panose="00000500000000000000" pitchFamily="2" charset="0"/>
-                <a:cs typeface="Poppins" panose="00000500000000000000" pitchFamily="2" charset="0"/>
-              </a:rPr>
-              <a:t> </a:t>
-            </a:r>
-            <a:r>
-              <a:rPr lang="en-US" sz="1000" dirty="0" err="1">
-                <a:latin typeface="Poppins" panose="00000500000000000000" pitchFamily="2" charset="0"/>
-                <a:cs typeface="Poppins" panose="00000500000000000000" pitchFamily="2" charset="0"/>
-              </a:rPr>
-              <a:t>memanggil</a:t>
-            </a:r>
-            <a:r>
-              <a:rPr lang="en-US" sz="1000" dirty="0">
-                <a:latin typeface="Poppins" panose="00000500000000000000" pitchFamily="2" charset="0"/>
-                <a:cs typeface="Poppins" panose="00000500000000000000" pitchFamily="2" charset="0"/>
-              </a:rPr>
-              <a:t> class</a:t>
-            </a:r>
-          </a:p>
-        </p:txBody>
-      </p:sp>
-      <p:cxnSp>
-        <p:nvCxnSpPr>
-          <p:cNvPr id="10" name="Straight Connector 9">
-            <a:extLst>
-              <a:ext uri="{FF2B5EF4-FFF2-40B4-BE49-F238E27FC236}">
-                <a16:creationId xmlns:a16="http://schemas.microsoft.com/office/drawing/2014/main" id="{C91BDFF0-A44F-4321-9722-BA86D5EC8E90}"/>
-              </a:ext>
-            </a:extLst>
-          </p:cNvPr>
-          <p:cNvCxnSpPr>
-            <a:cxnSpLocks/>
-          </p:cNvCxnSpPr>
-          <p:nvPr/>
-        </p:nvCxnSpPr>
-        <p:spPr>
-          <a:xfrm flipV="1">
-            <a:off x="4578875" y="1688756"/>
-            <a:ext cx="1076858" cy="1079996"/>
-          </a:xfrm>
-          <a:prstGeom prst="line">
-            <a:avLst/>
-          </a:prstGeom>
-          <a:ln>
-            <a:solidFill>
-              <a:srgbClr val="FF0000"/>
-            </a:solidFill>
-          </a:ln>
-        </p:spPr>
-        <p:style>
-          <a:lnRef idx="1">
-            <a:schemeClr val="accent6"/>
-          </a:lnRef>
-          <a:fillRef idx="0">
-            <a:schemeClr val="accent6"/>
-          </a:fillRef>
-          <a:effectRef idx="0">
-            <a:schemeClr val="accent6"/>
-          </a:effectRef>
-          <a:fontRef idx="minor">
-            <a:schemeClr val="tx1"/>
-          </a:fontRef>
-        </p:style>
-      </p:cxnSp>
-      <p:cxnSp>
-        <p:nvCxnSpPr>
-          <p:cNvPr id="13" name="Straight Connector 12">
-            <a:extLst>
-              <a:ext uri="{FF2B5EF4-FFF2-40B4-BE49-F238E27FC236}">
-                <a16:creationId xmlns:a16="http://schemas.microsoft.com/office/drawing/2014/main" id="{2D7E4962-7206-473D-97CA-7155EEAE9649}"/>
-              </a:ext>
-            </a:extLst>
-          </p:cNvPr>
-          <p:cNvCxnSpPr>
-            <a:cxnSpLocks/>
-          </p:cNvCxnSpPr>
-          <p:nvPr/>
-        </p:nvCxnSpPr>
-        <p:spPr>
-          <a:xfrm flipV="1">
-            <a:off x="3905434" y="2912534"/>
-            <a:ext cx="0" cy="1456267"/>
-          </a:xfrm>
-          <a:prstGeom prst="line">
-            <a:avLst/>
-          </a:prstGeom>
-          <a:ln>
-            <a:solidFill>
-              <a:srgbClr val="FF0000"/>
-            </a:solidFill>
-          </a:ln>
-        </p:spPr>
-        <p:style>
-          <a:lnRef idx="1">
-            <a:schemeClr val="accent6"/>
-          </a:lnRef>
-          <a:fillRef idx="0">
-            <a:schemeClr val="accent6"/>
-          </a:fillRef>
-          <a:effectRef idx="0">
-            <a:schemeClr val="accent6"/>
-          </a:effectRef>
-          <a:fontRef idx="minor">
-            <a:schemeClr val="tx1"/>
-          </a:fontRef>
-        </p:style>
-      </p:cxnSp>
-      <p:sp>
-        <p:nvSpPr>
-          <p:cNvPr id="15" name="TextBox 14">
-            <a:extLst>
-              <a:ext uri="{FF2B5EF4-FFF2-40B4-BE49-F238E27FC236}">
-                <a16:creationId xmlns:a16="http://schemas.microsoft.com/office/drawing/2014/main" id="{49FEEC68-1C3A-492D-9F6F-707DDA6D7294}"/>
-              </a:ext>
-            </a:extLst>
-          </p:cNvPr>
-          <p:cNvSpPr txBox="1"/>
-          <p:nvPr/>
-        </p:nvSpPr>
-        <p:spPr>
-          <a:xfrm>
-            <a:off x="2343675" y="4364761"/>
-            <a:ext cx="5259392" cy="246221"/>
-          </a:xfrm>
-          <a:prstGeom prst="rect">
-            <a:avLst/>
-          </a:prstGeom>
-          <a:noFill/>
-        </p:spPr>
-        <p:txBody>
-          <a:bodyPr wrap="square" rtlCol="0">
-            <a:spAutoFit/>
-          </a:bodyPr>
-          <a:lstStyle/>
-          <a:p>
-            <a:r>
-              <a:rPr lang="en-US" sz="1000" dirty="0" err="1">
-                <a:latin typeface="Poppins" panose="00000500000000000000" pitchFamily="2" charset="0"/>
-                <a:cs typeface="Poppins" panose="00000500000000000000" pitchFamily="2" charset="0"/>
-              </a:rPr>
-              <a:t>mengembalikan</a:t>
-            </a:r>
-            <a:r>
-              <a:rPr lang="en-US" sz="1000" dirty="0">
-                <a:latin typeface="Poppins" panose="00000500000000000000" pitchFamily="2" charset="0"/>
-                <a:cs typeface="Poppins" panose="00000500000000000000" pitchFamily="2" charset="0"/>
-              </a:rPr>
-              <a:t> </a:t>
-            </a:r>
-            <a:r>
-              <a:rPr lang="en-US" sz="1000" dirty="0" err="1">
-                <a:latin typeface="Poppins" panose="00000500000000000000" pitchFamily="2" charset="0"/>
-                <a:cs typeface="Poppins" panose="00000500000000000000" pitchFamily="2" charset="0"/>
-              </a:rPr>
-              <a:t>nilai</a:t>
-            </a:r>
-            <a:r>
-              <a:rPr lang="en-US" sz="1000" dirty="0">
-                <a:latin typeface="Poppins" panose="00000500000000000000" pitchFamily="2" charset="0"/>
-                <a:cs typeface="Poppins" panose="00000500000000000000" pitchFamily="2" charset="0"/>
-              </a:rPr>
-              <a:t> </a:t>
-            </a:r>
-            <a:r>
-              <a:rPr lang="en-US" sz="1000" dirty="0" err="1">
-                <a:latin typeface="Poppins" panose="00000500000000000000" pitchFamily="2" charset="0"/>
-                <a:cs typeface="Poppins" panose="00000500000000000000" pitchFamily="2" charset="0"/>
-              </a:rPr>
-              <a:t>berupa</a:t>
-            </a:r>
-            <a:r>
-              <a:rPr lang="en-US" sz="1000" dirty="0">
-                <a:latin typeface="Poppins" panose="00000500000000000000" pitchFamily="2" charset="0"/>
-                <a:cs typeface="Poppins" panose="00000500000000000000" pitchFamily="2" charset="0"/>
-              </a:rPr>
-              <a:t> element html</a:t>
-            </a:r>
-          </a:p>
-        </p:txBody>
-      </p:sp>
-      <p:sp>
-        <p:nvSpPr>
-          <p:cNvPr id="16" name="TextBox 15">
-            <a:extLst>
-              <a:ext uri="{FF2B5EF4-FFF2-40B4-BE49-F238E27FC236}">
-                <a16:creationId xmlns:a16="http://schemas.microsoft.com/office/drawing/2014/main" id="{4D2BFC6D-7806-4CE2-9002-D6F6853AB455}"/>
-              </a:ext>
-            </a:extLst>
-          </p:cNvPr>
-          <p:cNvSpPr txBox="1"/>
-          <p:nvPr/>
-        </p:nvSpPr>
-        <p:spPr>
-          <a:xfrm>
-            <a:off x="770950" y="377376"/>
-            <a:ext cx="1683474" cy="338554"/>
-          </a:xfrm>
-          <a:prstGeom prst="rect">
-            <a:avLst/>
-          </a:prstGeom>
-          <a:noFill/>
-        </p:spPr>
-        <p:txBody>
-          <a:bodyPr wrap="none" rtlCol="0">
-            <a:spAutoFit/>
-          </a:bodyPr>
-          <a:lstStyle/>
-          <a:p>
-            <a:r>
-              <a:rPr lang="en-US" sz="1600" dirty="0">
-                <a:latin typeface="Poppins" panose="00000500000000000000" pitchFamily="2" charset="0"/>
-                <a:cs typeface="Poppins" panose="00000500000000000000" pitchFamily="2" charset="0"/>
-              </a:rPr>
-              <a:t>Query Selector</a:t>
-            </a:r>
-          </a:p>
-        </p:txBody>
-      </p:sp>
-      <p:sp>
-        <p:nvSpPr>
-          <p:cNvPr id="17" name="TextBox 16">
-            <a:extLst>
-              <a:ext uri="{FF2B5EF4-FFF2-40B4-BE49-F238E27FC236}">
-                <a16:creationId xmlns:a16="http://schemas.microsoft.com/office/drawing/2014/main" id="{C607F430-78E8-4F1A-9856-A80EC15E4616}"/>
-              </a:ext>
-            </a:extLst>
-          </p:cNvPr>
-          <p:cNvSpPr txBox="1"/>
-          <p:nvPr/>
-        </p:nvSpPr>
-        <p:spPr>
-          <a:xfrm>
-            <a:off x="7279741" y="4610982"/>
-            <a:ext cx="3396726" cy="861774"/>
-          </a:xfrm>
-          <a:prstGeom prst="rect">
-            <a:avLst/>
-          </a:prstGeom>
-          <a:noFill/>
-        </p:spPr>
-        <p:txBody>
-          <a:bodyPr wrap="square" rtlCol="0">
-            <a:spAutoFit/>
-          </a:bodyPr>
-          <a:lstStyle/>
-          <a:p>
-            <a:pPr marL="171450" indent="-171450">
-              <a:buFontTx/>
-              <a:buChar char="-"/>
-            </a:pPr>
-            <a:r>
-              <a:rPr lang="en-US" sz="1000" dirty="0">
-                <a:latin typeface="Poppins" panose="00000500000000000000" pitchFamily="2" charset="0"/>
-                <a:cs typeface="Poppins" panose="00000500000000000000" pitchFamily="2" charset="0"/>
-              </a:rPr>
-              <a:t>Jika class yang </a:t>
-            </a:r>
-            <a:r>
-              <a:rPr lang="en-US" sz="1000" dirty="0" err="1">
-                <a:latin typeface="Poppins" panose="00000500000000000000" pitchFamily="2" charset="0"/>
-                <a:cs typeface="Poppins" panose="00000500000000000000" pitchFamily="2" charset="0"/>
-              </a:rPr>
-              <a:t>dipanggil</a:t>
-            </a:r>
-            <a:r>
-              <a:rPr lang="en-US" sz="1000" dirty="0">
-                <a:latin typeface="Poppins" panose="00000500000000000000" pitchFamily="2" charset="0"/>
-                <a:cs typeface="Poppins" panose="00000500000000000000" pitchFamily="2" charset="0"/>
-              </a:rPr>
-              <a:t> </a:t>
-            </a:r>
-            <a:r>
-              <a:rPr lang="en-US" sz="1000" dirty="0" err="1">
-                <a:latin typeface="Poppins" panose="00000500000000000000" pitchFamily="2" charset="0"/>
-                <a:cs typeface="Poppins" panose="00000500000000000000" pitchFamily="2" charset="0"/>
-              </a:rPr>
-              <a:t>lebih</a:t>
-            </a:r>
-            <a:r>
-              <a:rPr lang="en-US" sz="1000" dirty="0">
-                <a:latin typeface="Poppins" panose="00000500000000000000" pitchFamily="2" charset="0"/>
-                <a:cs typeface="Poppins" panose="00000500000000000000" pitchFamily="2" charset="0"/>
-              </a:rPr>
-              <a:t> </a:t>
-            </a:r>
-            <a:r>
-              <a:rPr lang="en-US" sz="1000" dirty="0" err="1">
-                <a:latin typeface="Poppins" panose="00000500000000000000" pitchFamily="2" charset="0"/>
-                <a:cs typeface="Poppins" panose="00000500000000000000" pitchFamily="2" charset="0"/>
-              </a:rPr>
-              <a:t>dari</a:t>
-            </a:r>
-            <a:r>
-              <a:rPr lang="en-US" sz="1000" dirty="0">
-                <a:latin typeface="Poppins" panose="00000500000000000000" pitchFamily="2" charset="0"/>
-                <a:cs typeface="Poppins" panose="00000500000000000000" pitchFamily="2" charset="0"/>
-              </a:rPr>
-              <a:t> 2, </a:t>
-            </a:r>
-            <a:r>
-              <a:rPr lang="en-US" sz="1000" dirty="0" err="1">
-                <a:latin typeface="Poppins" panose="00000500000000000000" pitchFamily="2" charset="0"/>
-                <a:cs typeface="Poppins" panose="00000500000000000000" pitchFamily="2" charset="0"/>
-              </a:rPr>
-              <a:t>maka</a:t>
-            </a:r>
-            <a:r>
-              <a:rPr lang="en-US" sz="1000" dirty="0">
-                <a:latin typeface="Poppins" panose="00000500000000000000" pitchFamily="2" charset="0"/>
-                <a:cs typeface="Poppins" panose="00000500000000000000" pitchFamily="2" charset="0"/>
-              </a:rPr>
-              <a:t> class </a:t>
-            </a:r>
-            <a:r>
-              <a:rPr lang="en-US" sz="1000" dirty="0" err="1">
-                <a:latin typeface="Poppins" panose="00000500000000000000" pitchFamily="2" charset="0"/>
-                <a:cs typeface="Poppins" panose="00000500000000000000" pitchFamily="2" charset="0"/>
-              </a:rPr>
-              <a:t>pertama</a:t>
-            </a:r>
-            <a:r>
-              <a:rPr lang="en-US" sz="1000" dirty="0">
-                <a:latin typeface="Poppins" panose="00000500000000000000" pitchFamily="2" charset="0"/>
-                <a:cs typeface="Poppins" panose="00000500000000000000" pitchFamily="2" charset="0"/>
-              </a:rPr>
-              <a:t> yang </a:t>
-            </a:r>
-            <a:r>
-              <a:rPr lang="en-US" sz="1000" dirty="0" err="1">
-                <a:latin typeface="Poppins" panose="00000500000000000000" pitchFamily="2" charset="0"/>
-                <a:cs typeface="Poppins" panose="00000500000000000000" pitchFamily="2" charset="0"/>
-              </a:rPr>
-              <a:t>akan</a:t>
-            </a:r>
-            <a:r>
-              <a:rPr lang="en-US" sz="1000" dirty="0">
-                <a:latin typeface="Poppins" panose="00000500000000000000" pitchFamily="2" charset="0"/>
-                <a:cs typeface="Poppins" panose="00000500000000000000" pitchFamily="2" charset="0"/>
-              </a:rPr>
-              <a:t> </a:t>
-            </a:r>
-            <a:r>
-              <a:rPr lang="en-US" sz="1000" dirty="0" err="1">
-                <a:latin typeface="Poppins" panose="00000500000000000000" pitchFamily="2" charset="0"/>
-                <a:cs typeface="Poppins" panose="00000500000000000000" pitchFamily="2" charset="0"/>
-              </a:rPr>
-              <a:t>dikembalikan</a:t>
-            </a:r>
-            <a:r>
-              <a:rPr lang="en-US" sz="1000" dirty="0">
-                <a:latin typeface="Poppins" panose="00000500000000000000" pitchFamily="2" charset="0"/>
-                <a:cs typeface="Poppins" panose="00000500000000000000" pitchFamily="2" charset="0"/>
-              </a:rPr>
-              <a:t> </a:t>
-            </a:r>
-            <a:r>
-              <a:rPr lang="en-US" sz="1000" dirty="0" err="1">
-                <a:latin typeface="Poppins" panose="00000500000000000000" pitchFamily="2" charset="0"/>
-                <a:cs typeface="Poppins" panose="00000500000000000000" pitchFamily="2" charset="0"/>
-              </a:rPr>
-              <a:t>nilainya</a:t>
-            </a:r>
-            <a:endParaRPr lang="en-US" sz="1000" dirty="0">
-              <a:latin typeface="Poppins" panose="00000500000000000000" pitchFamily="2" charset="0"/>
-              <a:cs typeface="Poppins" panose="00000500000000000000" pitchFamily="2" charset="0"/>
-            </a:endParaRPr>
-          </a:p>
-          <a:p>
-            <a:pPr marL="171450" indent="-171450">
-              <a:buFontTx/>
-              <a:buChar char="-"/>
-            </a:pPr>
-            <a:r>
-              <a:rPr lang="en-US" sz="1000" dirty="0" err="1">
-                <a:latin typeface="Poppins" panose="00000500000000000000" pitchFamily="2" charset="0"/>
-                <a:cs typeface="Poppins" panose="00000500000000000000" pitchFamily="2" charset="0"/>
-              </a:rPr>
-              <a:t>Gunakan</a:t>
-            </a:r>
-            <a:r>
-              <a:rPr lang="en-US" sz="1000" dirty="0">
-                <a:latin typeface="Poppins" panose="00000500000000000000" pitchFamily="2" charset="0"/>
-                <a:cs typeface="Poppins" panose="00000500000000000000" pitchFamily="2" charset="0"/>
-              </a:rPr>
-              <a:t> </a:t>
-            </a:r>
-            <a:r>
-              <a:rPr lang="en-US" sz="1000" dirty="0" err="1">
-                <a:latin typeface="Poppins" panose="00000500000000000000" pitchFamily="2" charset="0"/>
-                <a:cs typeface="Poppins" panose="00000500000000000000" pitchFamily="2" charset="0"/>
-              </a:rPr>
-              <a:t>querySelectorAll</a:t>
-            </a:r>
-            <a:r>
-              <a:rPr lang="en-US" sz="1000" dirty="0">
-                <a:latin typeface="Poppins" panose="00000500000000000000" pitchFamily="2" charset="0"/>
-                <a:cs typeface="Poppins" panose="00000500000000000000" pitchFamily="2" charset="0"/>
-              </a:rPr>
-              <a:t> </a:t>
-            </a:r>
-            <a:r>
-              <a:rPr lang="en-US" sz="1000" dirty="0" err="1">
-                <a:latin typeface="Poppins" panose="00000500000000000000" pitchFamily="2" charset="0"/>
-                <a:cs typeface="Poppins" panose="00000500000000000000" pitchFamily="2" charset="0"/>
-              </a:rPr>
-              <a:t>jika</a:t>
-            </a:r>
-            <a:r>
-              <a:rPr lang="en-US" sz="1000" dirty="0">
-                <a:latin typeface="Poppins" panose="00000500000000000000" pitchFamily="2" charset="0"/>
-                <a:cs typeface="Poppins" panose="00000500000000000000" pitchFamily="2" charset="0"/>
-              </a:rPr>
-              <a:t> </a:t>
-            </a:r>
-            <a:r>
-              <a:rPr lang="en-US" sz="1000" dirty="0" err="1">
-                <a:latin typeface="Poppins" panose="00000500000000000000" pitchFamily="2" charset="0"/>
-                <a:cs typeface="Poppins" panose="00000500000000000000" pitchFamily="2" charset="0"/>
-              </a:rPr>
-              <a:t>ingin</a:t>
-            </a:r>
-            <a:r>
-              <a:rPr lang="en-US" sz="1000" dirty="0">
-                <a:latin typeface="Poppins" panose="00000500000000000000" pitchFamily="2" charset="0"/>
-                <a:cs typeface="Poppins" panose="00000500000000000000" pitchFamily="2" charset="0"/>
-              </a:rPr>
-              <a:t> </a:t>
-            </a:r>
-            <a:r>
-              <a:rPr lang="en-US" sz="1000" dirty="0" err="1">
-                <a:latin typeface="Poppins" panose="00000500000000000000" pitchFamily="2" charset="0"/>
-                <a:cs typeface="Poppins" panose="00000500000000000000" pitchFamily="2" charset="0"/>
-              </a:rPr>
-              <a:t>memanggil</a:t>
-            </a:r>
-            <a:r>
-              <a:rPr lang="en-US" sz="1000" dirty="0">
-                <a:latin typeface="Poppins" panose="00000500000000000000" pitchFamily="2" charset="0"/>
-                <a:cs typeface="Poppins" panose="00000500000000000000" pitchFamily="2" charset="0"/>
-              </a:rPr>
-              <a:t> </a:t>
-            </a:r>
-            <a:r>
-              <a:rPr lang="en-US" sz="1000" dirty="0" err="1">
-                <a:latin typeface="Poppins" panose="00000500000000000000" pitchFamily="2" charset="0"/>
-                <a:cs typeface="Poppins" panose="00000500000000000000" pitchFamily="2" charset="0"/>
-              </a:rPr>
-              <a:t>semua</a:t>
-            </a:r>
-            <a:r>
-              <a:rPr lang="en-US" sz="1000" dirty="0">
-                <a:latin typeface="Poppins" panose="00000500000000000000" pitchFamily="2" charset="0"/>
-                <a:cs typeface="Poppins" panose="00000500000000000000" pitchFamily="2" charset="0"/>
-              </a:rPr>
-              <a:t> class</a:t>
-            </a:r>
-          </a:p>
-        </p:txBody>
-      </p:sp>
-    </p:spTree>
-    <p:extLst>
-      <p:ext uri="{BB962C8B-B14F-4D97-AF65-F5344CB8AC3E}">
-        <p14:creationId xmlns:p14="http://schemas.microsoft.com/office/powerpoint/2010/main" val="1627861564"/>
-      </p:ext>
-    </p:extLst>
-  </p:cSld>
-  <p:clrMapOvr>
-    <a:masterClrMapping/>
-  </p:clrMapOvr>
-</p:sld>
-</file>
-
-<file path=ppt/slides/slide8.xml><?xml version="1.0" encoding="utf-8"?>
-<p:sld xmlns:a="http://schemas.openxmlformats.org/drawingml/2006/main" xmlns:r="http://schemas.openxmlformats.org/officeDocument/2006/relationships" xmlns:p="http://schemas.openxmlformats.org/presentationml/2006/main">
-  <p:cSld>
-    <p:spTree>
-      <p:nvGrpSpPr>
-        <p:cNvPr id="1" name=""/>
-        <p:cNvGrpSpPr/>
-        <p:nvPr/>
-      </p:nvGrpSpPr>
-      <p:grpSpPr>
-        <a:xfrm>
-          <a:off x="0" y="0"/>
-          <a:ext cx="0" cy="0"/>
-          <a:chOff x="0" y="0"/>
-          <a:chExt cx="0" cy="0"/>
-        </a:xfrm>
-      </p:grpSpPr>
-      <p:sp>
-        <p:nvSpPr>
-          <p:cNvPr id="3" name="TextBox 2">
-            <a:extLst>
-              <a:ext uri="{FF2B5EF4-FFF2-40B4-BE49-F238E27FC236}">
-                <a16:creationId xmlns:a16="http://schemas.microsoft.com/office/drawing/2014/main" id="{FCC6D65E-EAD8-40B9-A332-4939AEEE33A8}"/>
-              </a:ext>
-            </a:extLst>
-          </p:cNvPr>
-          <p:cNvSpPr txBox="1"/>
-          <p:nvPr/>
-        </p:nvSpPr>
-        <p:spPr>
-          <a:xfrm>
-            <a:off x="5132434" y="3259723"/>
-            <a:ext cx="1927131" cy="338554"/>
-          </a:xfrm>
-          <a:prstGeom prst="rect">
-            <a:avLst/>
-          </a:prstGeom>
-          <a:noFill/>
-        </p:spPr>
-        <p:txBody>
-          <a:bodyPr wrap="none" rtlCol="0">
-            <a:spAutoFit/>
-          </a:bodyPr>
-          <a:lstStyle/>
-          <a:p>
-            <a:r>
-              <a:rPr lang="en-US" sz="1600" dirty="0">
-                <a:latin typeface="Poppins" panose="00000500000000000000" pitchFamily="2" charset="0"/>
-                <a:cs typeface="Poppins" panose="00000500000000000000" pitchFamily="2" charset="0"/>
-              </a:rPr>
-              <a:t>Live coding DOM</a:t>
-            </a:r>
-          </a:p>
-        </p:txBody>
-      </p:sp>
-      <p:sp>
-        <p:nvSpPr>
-          <p:cNvPr id="4" name="TextBox 3">
-            <a:extLst>
-              <a:ext uri="{FF2B5EF4-FFF2-40B4-BE49-F238E27FC236}">
-                <a16:creationId xmlns:a16="http://schemas.microsoft.com/office/drawing/2014/main" id="{26BF369B-1F49-41E3-BACE-8B4B791EF39C}"/>
-              </a:ext>
-            </a:extLst>
-          </p:cNvPr>
-          <p:cNvSpPr txBox="1"/>
-          <p:nvPr/>
-        </p:nvSpPr>
-        <p:spPr>
-          <a:xfrm>
-            <a:off x="785998" y="6330251"/>
-            <a:ext cx="3062057" cy="246221"/>
-          </a:xfrm>
-          <a:prstGeom prst="rect">
-            <a:avLst/>
-          </a:prstGeom>
-          <a:noFill/>
-        </p:spPr>
-        <p:txBody>
-          <a:bodyPr wrap="none" rtlCol="0">
-            <a:spAutoFit/>
-          </a:bodyPr>
-          <a:lstStyle/>
-          <a:p>
-            <a:r>
-              <a:rPr lang="en-US" sz="1000" i="1" dirty="0">
-                <a:latin typeface="Poppins" panose="00000500000000000000" pitchFamily="2" charset="0"/>
-                <a:cs typeface="Poppins" panose="00000500000000000000" pitchFamily="2" charset="0"/>
-              </a:rPr>
-              <a:t>“DOM </a:t>
-            </a:r>
-            <a:r>
-              <a:rPr lang="en-US" sz="1000" i="1" dirty="0" err="1">
-                <a:latin typeface="Poppins" panose="00000500000000000000" pitchFamily="2" charset="0"/>
-                <a:cs typeface="Poppins" panose="00000500000000000000" pitchFamily="2" charset="0"/>
-              </a:rPr>
-              <a:t>berjalan</a:t>
-            </a:r>
-            <a:r>
-              <a:rPr lang="en-US" sz="1000" i="1" dirty="0">
-                <a:latin typeface="Poppins" panose="00000500000000000000" pitchFamily="2" charset="0"/>
-                <a:cs typeface="Poppins" panose="00000500000000000000" pitchFamily="2" charset="0"/>
-              </a:rPr>
-              <a:t> </a:t>
-            </a:r>
-            <a:r>
-              <a:rPr lang="en-US" sz="1000" i="1" dirty="0" err="1">
-                <a:latin typeface="Poppins" panose="00000500000000000000" pitchFamily="2" charset="0"/>
-                <a:cs typeface="Poppins" panose="00000500000000000000" pitchFamily="2" charset="0"/>
-              </a:rPr>
-              <a:t>dengan</a:t>
-            </a:r>
-            <a:r>
-              <a:rPr lang="en-US" sz="1000" i="1" dirty="0">
-                <a:latin typeface="Poppins" panose="00000500000000000000" pitchFamily="2" charset="0"/>
-                <a:cs typeface="Poppins" panose="00000500000000000000" pitchFamily="2" charset="0"/>
-              </a:rPr>
-              <a:t> </a:t>
-            </a:r>
-            <a:r>
-              <a:rPr lang="en-US" sz="1000" i="1" dirty="0" err="1">
-                <a:latin typeface="Poppins" panose="00000500000000000000" pitchFamily="2" charset="0"/>
-                <a:cs typeface="Poppins" panose="00000500000000000000" pitchFamily="2" charset="0"/>
-              </a:rPr>
-              <a:t>sistem</a:t>
-            </a:r>
-            <a:r>
-              <a:rPr lang="en-US" sz="1000" i="1" dirty="0">
-                <a:latin typeface="Poppins" panose="00000500000000000000" pitchFamily="2" charset="0"/>
-                <a:cs typeface="Poppins" panose="00000500000000000000" pitchFamily="2" charset="0"/>
-              </a:rPr>
-              <a:t> parent-child”</a:t>
-            </a:r>
-          </a:p>
-        </p:txBody>
-      </p:sp>
-      <p:sp>
-        <p:nvSpPr>
-          <p:cNvPr id="5" name="TextBox 4">
-            <a:extLst>
-              <a:ext uri="{FF2B5EF4-FFF2-40B4-BE49-F238E27FC236}">
-                <a16:creationId xmlns:a16="http://schemas.microsoft.com/office/drawing/2014/main" id="{94B41C81-C469-444D-909A-716B9F1FCED3}"/>
-              </a:ext>
-            </a:extLst>
-          </p:cNvPr>
-          <p:cNvSpPr txBox="1"/>
-          <p:nvPr/>
-        </p:nvSpPr>
-        <p:spPr>
-          <a:xfrm>
-            <a:off x="8108831" y="6330250"/>
-            <a:ext cx="4083169" cy="246221"/>
-          </a:xfrm>
-          <a:prstGeom prst="rect">
-            <a:avLst/>
-          </a:prstGeom>
-          <a:noFill/>
-        </p:spPr>
-        <p:txBody>
-          <a:bodyPr wrap="none" rtlCol="0">
-            <a:spAutoFit/>
-          </a:bodyPr>
-          <a:lstStyle/>
-          <a:p>
-            <a:r>
-              <a:rPr lang="en-US" sz="1000" i="1" dirty="0">
-                <a:latin typeface="Poppins" panose="00000500000000000000" pitchFamily="2" charset="0"/>
-                <a:cs typeface="Poppins" panose="00000500000000000000" pitchFamily="2" charset="0"/>
-              </a:rPr>
-              <a:t>Reference: https://www.w3schools.com/js/js_htmldom.asp</a:t>
-            </a:r>
-          </a:p>
-        </p:txBody>
-      </p:sp>
-    </p:spTree>
-    <p:extLst>
-      <p:ext uri="{BB962C8B-B14F-4D97-AF65-F5344CB8AC3E}">
-        <p14:creationId xmlns:p14="http://schemas.microsoft.com/office/powerpoint/2010/main" val="3284568033"/>
+        <p14:creationId xmlns:p14="http://schemas.microsoft.com/office/powerpoint/2010/main" val="568692128"/>
       </p:ext>
     </p:extLst>
   </p:cSld>

--- a/march/week-1/meeting-3/PPT.pptx
+++ b/march/week-1/meeting-3/PPT.pptx
@@ -9,7 +9,10 @@
     <p:sldId id="257" r:id="rId3"/>
     <p:sldId id="258" r:id="rId4"/>
     <p:sldId id="259" r:id="rId5"/>
-    <p:sldId id="267" r:id="rId6"/>
+    <p:sldId id="268" r:id="rId6"/>
+    <p:sldId id="269" r:id="rId7"/>
+    <p:sldId id="270" r:id="rId8"/>
+    <p:sldId id="267" r:id="rId9"/>
   </p:sldIdLst>
   <p:sldSz cx="12192000" cy="6858000"/>
   <p:notesSz cx="6858000" cy="9144000"/>
@@ -263,7 +266,7 @@
           <a:p>
             <a:fld id="{2F4DA9B3-DF99-4495-91F7-D4A32634DDC1}" type="datetimeFigureOut">
               <a:rPr lang="en-US" smtClean="0"/>
-              <a:t>3/1/2022</a:t>
+              <a:t>3/3/2022</a:t>
             </a:fld>
             <a:endParaRPr lang="en-US"/>
           </a:p>
@@ -461,7 +464,7 @@
           <a:p>
             <a:fld id="{2F4DA9B3-DF99-4495-91F7-D4A32634DDC1}" type="datetimeFigureOut">
               <a:rPr lang="en-US" smtClean="0"/>
-              <a:t>3/1/2022</a:t>
+              <a:t>3/3/2022</a:t>
             </a:fld>
             <a:endParaRPr lang="en-US"/>
           </a:p>
@@ -669,7 +672,7 @@
           <a:p>
             <a:fld id="{2F4DA9B3-DF99-4495-91F7-D4A32634DDC1}" type="datetimeFigureOut">
               <a:rPr lang="en-US" smtClean="0"/>
-              <a:t>3/1/2022</a:t>
+              <a:t>3/3/2022</a:t>
             </a:fld>
             <a:endParaRPr lang="en-US"/>
           </a:p>
@@ -867,7 +870,7 @@
           <a:p>
             <a:fld id="{2F4DA9B3-DF99-4495-91F7-D4A32634DDC1}" type="datetimeFigureOut">
               <a:rPr lang="en-US" smtClean="0"/>
-              <a:t>3/1/2022</a:t>
+              <a:t>3/3/2022</a:t>
             </a:fld>
             <a:endParaRPr lang="en-US"/>
           </a:p>
@@ -1142,7 +1145,7 @@
           <a:p>
             <a:fld id="{2F4DA9B3-DF99-4495-91F7-D4A32634DDC1}" type="datetimeFigureOut">
               <a:rPr lang="en-US" smtClean="0"/>
-              <a:t>3/1/2022</a:t>
+              <a:t>3/3/2022</a:t>
             </a:fld>
             <a:endParaRPr lang="en-US"/>
           </a:p>
@@ -1407,7 +1410,7 @@
           <a:p>
             <a:fld id="{2F4DA9B3-DF99-4495-91F7-D4A32634DDC1}" type="datetimeFigureOut">
               <a:rPr lang="en-US" smtClean="0"/>
-              <a:t>3/1/2022</a:t>
+              <a:t>3/3/2022</a:t>
             </a:fld>
             <a:endParaRPr lang="en-US"/>
           </a:p>
@@ -1819,7 +1822,7 @@
           <a:p>
             <a:fld id="{2F4DA9B3-DF99-4495-91F7-D4A32634DDC1}" type="datetimeFigureOut">
               <a:rPr lang="en-US" smtClean="0"/>
-              <a:t>3/1/2022</a:t>
+              <a:t>3/3/2022</a:t>
             </a:fld>
             <a:endParaRPr lang="en-US"/>
           </a:p>
@@ -1960,7 +1963,7 @@
           <a:p>
             <a:fld id="{2F4DA9B3-DF99-4495-91F7-D4A32634DDC1}" type="datetimeFigureOut">
               <a:rPr lang="en-US" smtClean="0"/>
-              <a:t>3/1/2022</a:t>
+              <a:t>3/3/2022</a:t>
             </a:fld>
             <a:endParaRPr lang="en-US"/>
           </a:p>
@@ -2073,7 +2076,7 @@
           <a:p>
             <a:fld id="{2F4DA9B3-DF99-4495-91F7-D4A32634DDC1}" type="datetimeFigureOut">
               <a:rPr lang="en-US" smtClean="0"/>
-              <a:t>3/1/2022</a:t>
+              <a:t>3/3/2022</a:t>
             </a:fld>
             <a:endParaRPr lang="en-US"/>
           </a:p>
@@ -2384,7 +2387,7 @@
           <a:p>
             <a:fld id="{2F4DA9B3-DF99-4495-91F7-D4A32634DDC1}" type="datetimeFigureOut">
               <a:rPr lang="en-US" smtClean="0"/>
-              <a:t>3/1/2022</a:t>
+              <a:t>3/3/2022</a:t>
             </a:fld>
             <a:endParaRPr lang="en-US"/>
           </a:p>
@@ -2672,7 +2675,7 @@
           <a:p>
             <a:fld id="{2F4DA9B3-DF99-4495-91F7-D4A32634DDC1}" type="datetimeFigureOut">
               <a:rPr lang="en-US" smtClean="0"/>
-              <a:t>3/1/2022</a:t>
+              <a:t>3/3/2022</a:t>
             </a:fld>
             <a:endParaRPr lang="en-US"/>
           </a:p>
@@ -2913,7 +2916,7 @@
           <a:p>
             <a:fld id="{2F4DA9B3-DF99-4495-91F7-D4A32634DDC1}" type="datetimeFigureOut">
               <a:rPr lang="en-US" smtClean="0"/>
-              <a:t>3/1/2022</a:t>
+              <a:t>3/3/2022</a:t>
             </a:fld>
             <a:endParaRPr lang="en-US"/>
           </a:p>
@@ -4508,6 +4511,3011 @@
       </p:grpSpPr>
       <p:sp>
         <p:nvSpPr>
+          <p:cNvPr id="2" name="Rectangle: Rounded Corners 1">
+            <a:extLst>
+              <a:ext uri="{FF2B5EF4-FFF2-40B4-BE49-F238E27FC236}">
+                <a16:creationId xmlns:a16="http://schemas.microsoft.com/office/drawing/2014/main" id="{814BAC12-70C4-4522-8DD0-35E7BBA63FEF}"/>
+              </a:ext>
+            </a:extLst>
+          </p:cNvPr>
+          <p:cNvSpPr/>
+          <p:nvPr/>
+        </p:nvSpPr>
+        <p:spPr>
+          <a:xfrm>
+            <a:off x="5384360" y="820010"/>
+            <a:ext cx="1423280" cy="977071"/>
+          </a:xfrm>
+          <a:prstGeom prst="roundRect">
+            <a:avLst/>
+          </a:prstGeom>
+          <a:solidFill>
+            <a:schemeClr val="bg1"/>
+          </a:solidFill>
+          <a:ln>
+            <a:solidFill>
+              <a:schemeClr val="tx1"/>
+            </a:solidFill>
+          </a:ln>
+        </p:spPr>
+        <p:style>
+          <a:lnRef idx="2">
+            <a:schemeClr val="accent1">
+              <a:shade val="50000"/>
+            </a:schemeClr>
+          </a:lnRef>
+          <a:fillRef idx="1">
+            <a:schemeClr val="accent1"/>
+          </a:fillRef>
+          <a:effectRef idx="0">
+            <a:schemeClr val="accent1"/>
+          </a:effectRef>
+          <a:fontRef idx="minor">
+            <a:schemeClr val="lt1"/>
+          </a:fontRef>
+        </p:style>
+        <p:txBody>
+          <a:bodyPr rtlCol="0" anchor="ctr"/>
+          <a:lstStyle/>
+          <a:p>
+            <a:pPr algn="ctr"/>
+            <a:r>
+              <a:rPr lang="en-US" sz="1000" dirty="0">
+                <a:solidFill>
+                  <a:schemeClr val="tx1"/>
+                </a:solidFill>
+                <a:latin typeface="Poppins" panose="00000500000000000000" pitchFamily="2" charset="0"/>
+                <a:cs typeface="Poppins" panose="00000500000000000000" pitchFamily="2" charset="0"/>
+              </a:rPr>
+              <a:t>Main.js</a:t>
+            </a:r>
+          </a:p>
+        </p:txBody>
+      </p:sp>
+      <p:cxnSp>
+        <p:nvCxnSpPr>
+          <p:cNvPr id="4" name="Straight Connector 3">
+            <a:extLst>
+              <a:ext uri="{FF2B5EF4-FFF2-40B4-BE49-F238E27FC236}">
+                <a16:creationId xmlns:a16="http://schemas.microsoft.com/office/drawing/2014/main" id="{B2DF2E4D-DD89-4A92-8144-E4763706E7FD}"/>
+              </a:ext>
+            </a:extLst>
+          </p:cNvPr>
+          <p:cNvCxnSpPr>
+            <a:cxnSpLocks/>
+            <a:endCxn id="8" idx="0"/>
+          </p:cNvCxnSpPr>
+          <p:nvPr/>
+        </p:nvCxnSpPr>
+        <p:spPr>
+          <a:xfrm>
+            <a:off x="6096000" y="1797081"/>
+            <a:ext cx="0" cy="318328"/>
+          </a:xfrm>
+          <a:prstGeom prst="line">
+            <a:avLst/>
+          </a:prstGeom>
+        </p:spPr>
+        <p:style>
+          <a:lnRef idx="1">
+            <a:schemeClr val="dk1"/>
+          </a:lnRef>
+          <a:fillRef idx="0">
+            <a:schemeClr val="dk1"/>
+          </a:fillRef>
+          <a:effectRef idx="0">
+            <a:schemeClr val="dk1"/>
+          </a:effectRef>
+          <a:fontRef idx="minor">
+            <a:schemeClr val="tx1"/>
+          </a:fontRef>
+        </p:style>
+      </p:cxnSp>
+      <p:sp>
+        <p:nvSpPr>
+          <p:cNvPr id="7" name="Rectangle: Rounded Corners 6">
+            <a:extLst>
+              <a:ext uri="{FF2B5EF4-FFF2-40B4-BE49-F238E27FC236}">
+                <a16:creationId xmlns:a16="http://schemas.microsoft.com/office/drawing/2014/main" id="{1787D0DD-B804-4FC1-8446-AC0539F203B1}"/>
+              </a:ext>
+            </a:extLst>
+          </p:cNvPr>
+          <p:cNvSpPr/>
+          <p:nvPr/>
+        </p:nvSpPr>
+        <p:spPr>
+          <a:xfrm>
+            <a:off x="3605260" y="2103154"/>
+            <a:ext cx="1423280" cy="977071"/>
+          </a:xfrm>
+          <a:prstGeom prst="roundRect">
+            <a:avLst/>
+          </a:prstGeom>
+          <a:solidFill>
+            <a:schemeClr val="bg1"/>
+          </a:solidFill>
+          <a:ln>
+            <a:solidFill>
+              <a:schemeClr val="tx1"/>
+            </a:solidFill>
+          </a:ln>
+        </p:spPr>
+        <p:style>
+          <a:lnRef idx="2">
+            <a:schemeClr val="accent1">
+              <a:shade val="50000"/>
+            </a:schemeClr>
+          </a:lnRef>
+          <a:fillRef idx="1">
+            <a:schemeClr val="accent1"/>
+          </a:fillRef>
+          <a:effectRef idx="0">
+            <a:schemeClr val="accent1"/>
+          </a:effectRef>
+          <a:fontRef idx="minor">
+            <a:schemeClr val="lt1"/>
+          </a:fontRef>
+        </p:style>
+        <p:txBody>
+          <a:bodyPr rtlCol="0" anchor="ctr"/>
+          <a:lstStyle/>
+          <a:p>
+            <a:pPr algn="ctr"/>
+            <a:r>
+              <a:rPr lang="en-US" sz="1000" dirty="0">
+                <a:solidFill>
+                  <a:schemeClr val="tx1"/>
+                </a:solidFill>
+                <a:latin typeface="Poppins" panose="00000500000000000000" pitchFamily="2" charset="0"/>
+                <a:cs typeface="Poppins" panose="00000500000000000000" pitchFamily="2" charset="0"/>
+              </a:rPr>
+              <a:t>operation.js</a:t>
+            </a:r>
+          </a:p>
+        </p:txBody>
+      </p:sp>
+      <p:sp>
+        <p:nvSpPr>
+          <p:cNvPr id="8" name="Rectangle: Rounded Corners 7">
+            <a:extLst>
+              <a:ext uri="{FF2B5EF4-FFF2-40B4-BE49-F238E27FC236}">
+                <a16:creationId xmlns:a16="http://schemas.microsoft.com/office/drawing/2014/main" id="{6979F720-9198-40FB-A0B7-F12A328C67E4}"/>
+              </a:ext>
+            </a:extLst>
+          </p:cNvPr>
+          <p:cNvSpPr/>
+          <p:nvPr/>
+        </p:nvSpPr>
+        <p:spPr>
+          <a:xfrm>
+            <a:off x="5384360" y="2115409"/>
+            <a:ext cx="1423280" cy="977071"/>
+          </a:xfrm>
+          <a:prstGeom prst="roundRect">
+            <a:avLst/>
+          </a:prstGeom>
+          <a:solidFill>
+            <a:schemeClr val="bg1"/>
+          </a:solidFill>
+          <a:ln>
+            <a:solidFill>
+              <a:schemeClr val="tx1"/>
+            </a:solidFill>
+          </a:ln>
+        </p:spPr>
+        <p:style>
+          <a:lnRef idx="2">
+            <a:schemeClr val="accent1">
+              <a:shade val="50000"/>
+            </a:schemeClr>
+          </a:lnRef>
+          <a:fillRef idx="1">
+            <a:schemeClr val="accent1"/>
+          </a:fillRef>
+          <a:effectRef idx="0">
+            <a:schemeClr val="accent1"/>
+          </a:effectRef>
+          <a:fontRef idx="minor">
+            <a:schemeClr val="lt1"/>
+          </a:fontRef>
+        </p:style>
+        <p:txBody>
+          <a:bodyPr rtlCol="0" anchor="ctr"/>
+          <a:lstStyle/>
+          <a:p>
+            <a:pPr algn="ctr"/>
+            <a:r>
+              <a:rPr lang="en-US" sz="1000" dirty="0">
+                <a:solidFill>
+                  <a:schemeClr val="tx1"/>
+                </a:solidFill>
+                <a:latin typeface="Poppins" panose="00000500000000000000" pitchFamily="2" charset="0"/>
+                <a:cs typeface="Poppins" panose="00000500000000000000" pitchFamily="2" charset="0"/>
+              </a:rPr>
+              <a:t>dom.js</a:t>
+            </a:r>
+          </a:p>
+        </p:txBody>
+      </p:sp>
+      <p:sp>
+        <p:nvSpPr>
+          <p:cNvPr id="9" name="Rectangle: Rounded Corners 8">
+            <a:extLst>
+              <a:ext uri="{FF2B5EF4-FFF2-40B4-BE49-F238E27FC236}">
+                <a16:creationId xmlns:a16="http://schemas.microsoft.com/office/drawing/2014/main" id="{F41F17F5-7105-43F9-A356-B823A2CFB2A7}"/>
+              </a:ext>
+            </a:extLst>
+          </p:cNvPr>
+          <p:cNvSpPr/>
+          <p:nvPr/>
+        </p:nvSpPr>
+        <p:spPr>
+          <a:xfrm>
+            <a:off x="7163460" y="2115409"/>
+            <a:ext cx="1423280" cy="977071"/>
+          </a:xfrm>
+          <a:prstGeom prst="roundRect">
+            <a:avLst/>
+          </a:prstGeom>
+          <a:solidFill>
+            <a:schemeClr val="bg1"/>
+          </a:solidFill>
+          <a:ln>
+            <a:solidFill>
+              <a:schemeClr val="tx1"/>
+            </a:solidFill>
+          </a:ln>
+        </p:spPr>
+        <p:style>
+          <a:lnRef idx="2">
+            <a:schemeClr val="accent1">
+              <a:shade val="50000"/>
+            </a:schemeClr>
+          </a:lnRef>
+          <a:fillRef idx="1">
+            <a:schemeClr val="accent1"/>
+          </a:fillRef>
+          <a:effectRef idx="0">
+            <a:schemeClr val="accent1"/>
+          </a:effectRef>
+          <a:fontRef idx="minor">
+            <a:schemeClr val="lt1"/>
+          </a:fontRef>
+        </p:style>
+        <p:txBody>
+          <a:bodyPr rtlCol="0" anchor="ctr"/>
+          <a:lstStyle/>
+          <a:p>
+            <a:pPr algn="ctr"/>
+            <a:r>
+              <a:rPr lang="en-US" sz="1000" dirty="0">
+                <a:solidFill>
+                  <a:schemeClr val="tx1"/>
+                </a:solidFill>
+                <a:latin typeface="Poppins" panose="00000500000000000000" pitchFamily="2" charset="0"/>
+                <a:cs typeface="Poppins" panose="00000500000000000000" pitchFamily="2" charset="0"/>
+              </a:rPr>
+              <a:t>logical.js</a:t>
+            </a:r>
+          </a:p>
+        </p:txBody>
+      </p:sp>
+      <p:cxnSp>
+        <p:nvCxnSpPr>
+          <p:cNvPr id="11" name="Straight Connector 10">
+            <a:extLst>
+              <a:ext uri="{FF2B5EF4-FFF2-40B4-BE49-F238E27FC236}">
+                <a16:creationId xmlns:a16="http://schemas.microsoft.com/office/drawing/2014/main" id="{833955AA-E3B3-4A83-8B43-1E52C6A5979D}"/>
+              </a:ext>
+            </a:extLst>
+          </p:cNvPr>
+          <p:cNvCxnSpPr>
+            <a:cxnSpLocks/>
+            <a:stCxn id="2" idx="2"/>
+            <a:endCxn id="9" idx="0"/>
+          </p:cNvCxnSpPr>
+          <p:nvPr/>
+        </p:nvCxnSpPr>
+        <p:spPr>
+          <a:xfrm>
+            <a:off x="6096000" y="1797081"/>
+            <a:ext cx="1779100" cy="318328"/>
+          </a:xfrm>
+          <a:prstGeom prst="line">
+            <a:avLst/>
+          </a:prstGeom>
+        </p:spPr>
+        <p:style>
+          <a:lnRef idx="1">
+            <a:schemeClr val="dk1"/>
+          </a:lnRef>
+          <a:fillRef idx="0">
+            <a:schemeClr val="dk1"/>
+          </a:fillRef>
+          <a:effectRef idx="0">
+            <a:schemeClr val="dk1"/>
+          </a:effectRef>
+          <a:fontRef idx="minor">
+            <a:schemeClr val="tx1"/>
+          </a:fontRef>
+        </p:style>
+      </p:cxnSp>
+      <p:cxnSp>
+        <p:nvCxnSpPr>
+          <p:cNvPr id="14" name="Straight Connector 13">
+            <a:extLst>
+              <a:ext uri="{FF2B5EF4-FFF2-40B4-BE49-F238E27FC236}">
+                <a16:creationId xmlns:a16="http://schemas.microsoft.com/office/drawing/2014/main" id="{8AE8F60C-53E6-4C30-8D5E-6E595BDEC49F}"/>
+              </a:ext>
+            </a:extLst>
+          </p:cNvPr>
+          <p:cNvCxnSpPr>
+            <a:cxnSpLocks/>
+            <a:stCxn id="7" idx="0"/>
+            <a:endCxn id="2" idx="2"/>
+          </p:cNvCxnSpPr>
+          <p:nvPr/>
+        </p:nvCxnSpPr>
+        <p:spPr>
+          <a:xfrm flipV="1">
+            <a:off x="4316900" y="1797081"/>
+            <a:ext cx="1779100" cy="306073"/>
+          </a:xfrm>
+          <a:prstGeom prst="line">
+            <a:avLst/>
+          </a:prstGeom>
+        </p:spPr>
+        <p:style>
+          <a:lnRef idx="1">
+            <a:schemeClr val="dk1"/>
+          </a:lnRef>
+          <a:fillRef idx="0">
+            <a:schemeClr val="dk1"/>
+          </a:fillRef>
+          <a:effectRef idx="0">
+            <a:schemeClr val="dk1"/>
+          </a:effectRef>
+          <a:fontRef idx="minor">
+            <a:schemeClr val="tx1"/>
+          </a:fontRef>
+        </p:style>
+      </p:cxnSp>
+      <p:sp>
+        <p:nvSpPr>
+          <p:cNvPr id="17" name="TextBox 16">
+            <a:extLst>
+              <a:ext uri="{FF2B5EF4-FFF2-40B4-BE49-F238E27FC236}">
+                <a16:creationId xmlns:a16="http://schemas.microsoft.com/office/drawing/2014/main" id="{DAFC22F5-9963-403B-921E-9DDFFC665B64}"/>
+              </a:ext>
+            </a:extLst>
+          </p:cNvPr>
+          <p:cNvSpPr txBox="1"/>
+          <p:nvPr/>
+        </p:nvSpPr>
+        <p:spPr>
+          <a:xfrm>
+            <a:off x="770950" y="377376"/>
+            <a:ext cx="1737976" cy="338554"/>
+          </a:xfrm>
+          <a:prstGeom prst="rect">
+            <a:avLst/>
+          </a:prstGeom>
+          <a:noFill/>
+        </p:spPr>
+        <p:txBody>
+          <a:bodyPr wrap="none" rtlCol="0">
+            <a:spAutoFit/>
+          </a:bodyPr>
+          <a:lstStyle/>
+          <a:p>
+            <a:r>
+              <a:rPr lang="en-US" sz="1600" dirty="0">
+                <a:latin typeface="Poppins" panose="00000500000000000000" pitchFamily="2" charset="0"/>
+                <a:cs typeface="Poppins" panose="00000500000000000000" pitchFamily="2" charset="0"/>
+              </a:rPr>
+              <a:t>Module system</a:t>
+            </a:r>
+          </a:p>
+        </p:txBody>
+      </p:sp>
+      <p:cxnSp>
+        <p:nvCxnSpPr>
+          <p:cNvPr id="18" name="Straight Connector 17">
+            <a:extLst>
+              <a:ext uri="{FF2B5EF4-FFF2-40B4-BE49-F238E27FC236}">
+                <a16:creationId xmlns:a16="http://schemas.microsoft.com/office/drawing/2014/main" id="{EA866D3A-B2B1-4650-9BB2-0FF2B17C5431}"/>
+              </a:ext>
+            </a:extLst>
+          </p:cNvPr>
+          <p:cNvCxnSpPr>
+            <a:cxnSpLocks/>
+            <a:stCxn id="21" idx="0"/>
+            <a:endCxn id="7" idx="2"/>
+          </p:cNvCxnSpPr>
+          <p:nvPr/>
+        </p:nvCxnSpPr>
+        <p:spPr>
+          <a:xfrm flipV="1">
+            <a:off x="1937107" y="3080225"/>
+            <a:ext cx="2379793" cy="665566"/>
+          </a:xfrm>
+          <a:prstGeom prst="line">
+            <a:avLst/>
+          </a:prstGeom>
+        </p:spPr>
+        <p:style>
+          <a:lnRef idx="1">
+            <a:schemeClr val="dk1"/>
+          </a:lnRef>
+          <a:fillRef idx="0">
+            <a:schemeClr val="dk1"/>
+          </a:fillRef>
+          <a:effectRef idx="0">
+            <a:schemeClr val="dk1"/>
+          </a:effectRef>
+          <a:fontRef idx="minor">
+            <a:schemeClr val="tx1"/>
+          </a:fontRef>
+        </p:style>
+      </p:cxnSp>
+      <p:sp>
+        <p:nvSpPr>
+          <p:cNvPr id="21" name="Rectangle: Rounded Corners 20">
+            <a:extLst>
+              <a:ext uri="{FF2B5EF4-FFF2-40B4-BE49-F238E27FC236}">
+                <a16:creationId xmlns:a16="http://schemas.microsoft.com/office/drawing/2014/main" id="{5CBE251F-029D-49DF-B324-D77F4316C199}"/>
+              </a:ext>
+            </a:extLst>
+          </p:cNvPr>
+          <p:cNvSpPr/>
+          <p:nvPr/>
+        </p:nvSpPr>
+        <p:spPr>
+          <a:xfrm>
+            <a:off x="1470340" y="3745791"/>
+            <a:ext cx="933534" cy="623010"/>
+          </a:xfrm>
+          <a:prstGeom prst="roundRect">
+            <a:avLst/>
+          </a:prstGeom>
+          <a:solidFill>
+            <a:schemeClr val="bg1"/>
+          </a:solidFill>
+          <a:ln>
+            <a:solidFill>
+              <a:schemeClr val="tx1"/>
+            </a:solidFill>
+          </a:ln>
+        </p:spPr>
+        <p:style>
+          <a:lnRef idx="2">
+            <a:schemeClr val="accent1">
+              <a:shade val="50000"/>
+            </a:schemeClr>
+          </a:lnRef>
+          <a:fillRef idx="1">
+            <a:schemeClr val="accent1"/>
+          </a:fillRef>
+          <a:effectRef idx="0">
+            <a:schemeClr val="accent1"/>
+          </a:effectRef>
+          <a:fontRef idx="minor">
+            <a:schemeClr val="lt1"/>
+          </a:fontRef>
+        </p:style>
+        <p:txBody>
+          <a:bodyPr rtlCol="0" anchor="ctr"/>
+          <a:lstStyle/>
+          <a:p>
+            <a:pPr algn="ctr"/>
+            <a:r>
+              <a:rPr lang="en-US" sz="800" dirty="0">
+                <a:solidFill>
+                  <a:schemeClr val="tx1"/>
+                </a:solidFill>
+                <a:latin typeface="Poppins" panose="00000500000000000000" pitchFamily="2" charset="0"/>
+                <a:cs typeface="Poppins" panose="00000500000000000000" pitchFamily="2" charset="0"/>
+              </a:rPr>
+              <a:t>times.js</a:t>
+            </a:r>
+          </a:p>
+        </p:txBody>
+      </p:sp>
+      <p:sp>
+        <p:nvSpPr>
+          <p:cNvPr id="26" name="Rectangle: Rounded Corners 25">
+            <a:extLst>
+              <a:ext uri="{FF2B5EF4-FFF2-40B4-BE49-F238E27FC236}">
+                <a16:creationId xmlns:a16="http://schemas.microsoft.com/office/drawing/2014/main" id="{BCE791B9-DA48-4CF2-AF7C-DB70966E1B79}"/>
+              </a:ext>
+            </a:extLst>
+          </p:cNvPr>
+          <p:cNvSpPr/>
+          <p:nvPr/>
+        </p:nvSpPr>
+        <p:spPr>
+          <a:xfrm>
+            <a:off x="2537800" y="3745791"/>
+            <a:ext cx="933534" cy="623010"/>
+          </a:xfrm>
+          <a:prstGeom prst="roundRect">
+            <a:avLst/>
+          </a:prstGeom>
+          <a:solidFill>
+            <a:schemeClr val="bg1"/>
+          </a:solidFill>
+          <a:ln>
+            <a:solidFill>
+              <a:schemeClr val="tx1"/>
+            </a:solidFill>
+          </a:ln>
+        </p:spPr>
+        <p:style>
+          <a:lnRef idx="2">
+            <a:schemeClr val="accent1">
+              <a:shade val="50000"/>
+            </a:schemeClr>
+          </a:lnRef>
+          <a:fillRef idx="1">
+            <a:schemeClr val="accent1"/>
+          </a:fillRef>
+          <a:effectRef idx="0">
+            <a:schemeClr val="accent1"/>
+          </a:effectRef>
+          <a:fontRef idx="minor">
+            <a:schemeClr val="lt1"/>
+          </a:fontRef>
+        </p:style>
+        <p:txBody>
+          <a:bodyPr rtlCol="0" anchor="ctr"/>
+          <a:lstStyle/>
+          <a:p>
+            <a:pPr algn="ctr"/>
+            <a:r>
+              <a:rPr lang="en-US" sz="800" dirty="0">
+                <a:solidFill>
+                  <a:schemeClr val="tx1"/>
+                </a:solidFill>
+                <a:latin typeface="Poppins" panose="00000500000000000000" pitchFamily="2" charset="0"/>
+                <a:cs typeface="Poppins" panose="00000500000000000000" pitchFamily="2" charset="0"/>
+              </a:rPr>
+              <a:t>sum.js</a:t>
+            </a:r>
+          </a:p>
+        </p:txBody>
+      </p:sp>
+      <p:sp>
+        <p:nvSpPr>
+          <p:cNvPr id="27" name="Rectangle: Rounded Corners 26">
+            <a:extLst>
+              <a:ext uri="{FF2B5EF4-FFF2-40B4-BE49-F238E27FC236}">
+                <a16:creationId xmlns:a16="http://schemas.microsoft.com/office/drawing/2014/main" id="{68329D80-6FE3-4310-9075-03BEEECAC903}"/>
+              </a:ext>
+            </a:extLst>
+          </p:cNvPr>
+          <p:cNvSpPr/>
+          <p:nvPr/>
+        </p:nvSpPr>
+        <p:spPr>
+          <a:xfrm>
+            <a:off x="3605260" y="3745791"/>
+            <a:ext cx="933534" cy="623010"/>
+          </a:xfrm>
+          <a:prstGeom prst="roundRect">
+            <a:avLst/>
+          </a:prstGeom>
+          <a:solidFill>
+            <a:schemeClr val="bg1"/>
+          </a:solidFill>
+          <a:ln>
+            <a:solidFill>
+              <a:schemeClr val="tx1"/>
+            </a:solidFill>
+          </a:ln>
+        </p:spPr>
+        <p:style>
+          <a:lnRef idx="2">
+            <a:schemeClr val="accent1">
+              <a:shade val="50000"/>
+            </a:schemeClr>
+          </a:lnRef>
+          <a:fillRef idx="1">
+            <a:schemeClr val="accent1"/>
+          </a:fillRef>
+          <a:effectRef idx="0">
+            <a:schemeClr val="accent1"/>
+          </a:effectRef>
+          <a:fontRef idx="minor">
+            <a:schemeClr val="lt1"/>
+          </a:fontRef>
+        </p:style>
+        <p:txBody>
+          <a:bodyPr rtlCol="0" anchor="ctr"/>
+          <a:lstStyle/>
+          <a:p>
+            <a:pPr algn="ctr"/>
+            <a:r>
+              <a:rPr lang="en-US" sz="800" dirty="0">
+                <a:solidFill>
+                  <a:schemeClr val="tx1"/>
+                </a:solidFill>
+                <a:latin typeface="Poppins" panose="00000500000000000000" pitchFamily="2" charset="0"/>
+                <a:cs typeface="Poppins" panose="00000500000000000000" pitchFamily="2" charset="0"/>
+              </a:rPr>
+              <a:t>min.js</a:t>
+            </a:r>
+          </a:p>
+        </p:txBody>
+      </p:sp>
+      <p:cxnSp>
+        <p:nvCxnSpPr>
+          <p:cNvPr id="30" name="Straight Connector 29">
+            <a:extLst>
+              <a:ext uri="{FF2B5EF4-FFF2-40B4-BE49-F238E27FC236}">
+                <a16:creationId xmlns:a16="http://schemas.microsoft.com/office/drawing/2014/main" id="{EF9C5030-03A9-49C1-A332-43869D1ED8B1}"/>
+              </a:ext>
+            </a:extLst>
+          </p:cNvPr>
+          <p:cNvCxnSpPr>
+            <a:cxnSpLocks/>
+            <a:stCxn id="26" idx="0"/>
+            <a:endCxn id="7" idx="2"/>
+          </p:cNvCxnSpPr>
+          <p:nvPr/>
+        </p:nvCxnSpPr>
+        <p:spPr>
+          <a:xfrm flipV="1">
+            <a:off x="3004567" y="3080225"/>
+            <a:ext cx="1312333" cy="665566"/>
+          </a:xfrm>
+          <a:prstGeom prst="line">
+            <a:avLst/>
+          </a:prstGeom>
+        </p:spPr>
+        <p:style>
+          <a:lnRef idx="1">
+            <a:schemeClr val="dk1"/>
+          </a:lnRef>
+          <a:fillRef idx="0">
+            <a:schemeClr val="dk1"/>
+          </a:fillRef>
+          <a:effectRef idx="0">
+            <a:schemeClr val="dk1"/>
+          </a:effectRef>
+          <a:fontRef idx="minor">
+            <a:schemeClr val="tx1"/>
+          </a:fontRef>
+        </p:style>
+      </p:cxnSp>
+      <p:cxnSp>
+        <p:nvCxnSpPr>
+          <p:cNvPr id="33" name="Straight Connector 32">
+            <a:extLst>
+              <a:ext uri="{FF2B5EF4-FFF2-40B4-BE49-F238E27FC236}">
+                <a16:creationId xmlns:a16="http://schemas.microsoft.com/office/drawing/2014/main" id="{00B00CD2-8740-4D8B-8C93-8A0A65047507}"/>
+              </a:ext>
+            </a:extLst>
+          </p:cNvPr>
+          <p:cNvCxnSpPr>
+            <a:cxnSpLocks/>
+            <a:stCxn id="27" idx="0"/>
+            <a:endCxn id="7" idx="2"/>
+          </p:cNvCxnSpPr>
+          <p:nvPr/>
+        </p:nvCxnSpPr>
+        <p:spPr>
+          <a:xfrm flipV="1">
+            <a:off x="4072027" y="3080225"/>
+            <a:ext cx="244873" cy="665566"/>
+          </a:xfrm>
+          <a:prstGeom prst="line">
+            <a:avLst/>
+          </a:prstGeom>
+        </p:spPr>
+        <p:style>
+          <a:lnRef idx="1">
+            <a:schemeClr val="dk1"/>
+          </a:lnRef>
+          <a:fillRef idx="0">
+            <a:schemeClr val="dk1"/>
+          </a:fillRef>
+          <a:effectRef idx="0">
+            <a:schemeClr val="dk1"/>
+          </a:effectRef>
+          <a:fontRef idx="minor">
+            <a:schemeClr val="tx1"/>
+          </a:fontRef>
+        </p:style>
+      </p:cxnSp>
+      <p:sp>
+        <p:nvSpPr>
+          <p:cNvPr id="40" name="Rectangle: Rounded Corners 39">
+            <a:extLst>
+              <a:ext uri="{FF2B5EF4-FFF2-40B4-BE49-F238E27FC236}">
+                <a16:creationId xmlns:a16="http://schemas.microsoft.com/office/drawing/2014/main" id="{28ABD406-9ED1-417D-A5FB-F9F1CDB5F8CA}"/>
+              </a:ext>
+            </a:extLst>
+          </p:cNvPr>
+          <p:cNvSpPr/>
+          <p:nvPr/>
+        </p:nvSpPr>
+        <p:spPr>
+          <a:xfrm>
+            <a:off x="4727886" y="3745791"/>
+            <a:ext cx="933534" cy="623010"/>
+          </a:xfrm>
+          <a:prstGeom prst="roundRect">
+            <a:avLst/>
+          </a:prstGeom>
+          <a:solidFill>
+            <a:schemeClr val="bg1"/>
+          </a:solidFill>
+          <a:ln>
+            <a:solidFill>
+              <a:schemeClr val="tx1"/>
+            </a:solidFill>
+          </a:ln>
+        </p:spPr>
+        <p:style>
+          <a:lnRef idx="2">
+            <a:schemeClr val="accent1">
+              <a:shade val="50000"/>
+            </a:schemeClr>
+          </a:lnRef>
+          <a:fillRef idx="1">
+            <a:schemeClr val="accent1"/>
+          </a:fillRef>
+          <a:effectRef idx="0">
+            <a:schemeClr val="accent1"/>
+          </a:effectRef>
+          <a:fontRef idx="minor">
+            <a:schemeClr val="lt1"/>
+          </a:fontRef>
+        </p:style>
+        <p:txBody>
+          <a:bodyPr rtlCol="0" anchor="ctr"/>
+          <a:lstStyle/>
+          <a:p>
+            <a:pPr algn="ctr"/>
+            <a:r>
+              <a:rPr lang="en-US" sz="800" dirty="0">
+                <a:solidFill>
+                  <a:schemeClr val="tx1"/>
+                </a:solidFill>
+                <a:latin typeface="Poppins" panose="00000500000000000000" pitchFamily="2" charset="0"/>
+                <a:cs typeface="Poppins" panose="00000500000000000000" pitchFamily="2" charset="0"/>
+              </a:rPr>
+              <a:t>style.js</a:t>
+            </a:r>
+          </a:p>
+        </p:txBody>
+      </p:sp>
+      <p:sp>
+        <p:nvSpPr>
+          <p:cNvPr id="41" name="Rectangle: Rounded Corners 40">
+            <a:extLst>
+              <a:ext uri="{FF2B5EF4-FFF2-40B4-BE49-F238E27FC236}">
+                <a16:creationId xmlns:a16="http://schemas.microsoft.com/office/drawing/2014/main" id="{FE0C5AAD-2EBE-4971-9DDE-3B7798C552AC}"/>
+              </a:ext>
+            </a:extLst>
+          </p:cNvPr>
+          <p:cNvSpPr/>
+          <p:nvPr/>
+        </p:nvSpPr>
+        <p:spPr>
+          <a:xfrm>
+            <a:off x="5777928" y="3758046"/>
+            <a:ext cx="933534" cy="623010"/>
+          </a:xfrm>
+          <a:prstGeom prst="roundRect">
+            <a:avLst/>
+          </a:prstGeom>
+          <a:solidFill>
+            <a:schemeClr val="bg1"/>
+          </a:solidFill>
+          <a:ln>
+            <a:solidFill>
+              <a:schemeClr val="tx1"/>
+            </a:solidFill>
+          </a:ln>
+        </p:spPr>
+        <p:style>
+          <a:lnRef idx="2">
+            <a:schemeClr val="accent1">
+              <a:shade val="50000"/>
+            </a:schemeClr>
+          </a:lnRef>
+          <a:fillRef idx="1">
+            <a:schemeClr val="accent1"/>
+          </a:fillRef>
+          <a:effectRef idx="0">
+            <a:schemeClr val="accent1"/>
+          </a:effectRef>
+          <a:fontRef idx="minor">
+            <a:schemeClr val="lt1"/>
+          </a:fontRef>
+        </p:style>
+        <p:txBody>
+          <a:bodyPr rtlCol="0" anchor="ctr"/>
+          <a:lstStyle/>
+          <a:p>
+            <a:pPr algn="ctr"/>
+            <a:r>
+              <a:rPr lang="en-US" sz="800" dirty="0">
+                <a:solidFill>
+                  <a:schemeClr val="tx1"/>
+                </a:solidFill>
+                <a:latin typeface="Poppins" panose="00000500000000000000" pitchFamily="2" charset="0"/>
+                <a:cs typeface="Poppins" panose="00000500000000000000" pitchFamily="2" charset="0"/>
+              </a:rPr>
+              <a:t>element.js</a:t>
+            </a:r>
+          </a:p>
+        </p:txBody>
+      </p:sp>
+      <p:sp>
+        <p:nvSpPr>
+          <p:cNvPr id="42" name="Rectangle: Rounded Corners 41">
+            <a:extLst>
+              <a:ext uri="{FF2B5EF4-FFF2-40B4-BE49-F238E27FC236}">
+                <a16:creationId xmlns:a16="http://schemas.microsoft.com/office/drawing/2014/main" id="{41BA8EAB-C236-42A0-9C18-5B34FCFC3EDB}"/>
+              </a:ext>
+            </a:extLst>
+          </p:cNvPr>
+          <p:cNvSpPr/>
+          <p:nvPr/>
+        </p:nvSpPr>
+        <p:spPr>
+          <a:xfrm>
+            <a:off x="6827970" y="3745791"/>
+            <a:ext cx="933534" cy="623010"/>
+          </a:xfrm>
+          <a:prstGeom prst="roundRect">
+            <a:avLst/>
+          </a:prstGeom>
+          <a:solidFill>
+            <a:schemeClr val="bg1"/>
+          </a:solidFill>
+          <a:ln>
+            <a:solidFill>
+              <a:schemeClr val="tx1"/>
+            </a:solidFill>
+          </a:ln>
+        </p:spPr>
+        <p:style>
+          <a:lnRef idx="2">
+            <a:schemeClr val="accent1">
+              <a:shade val="50000"/>
+            </a:schemeClr>
+          </a:lnRef>
+          <a:fillRef idx="1">
+            <a:schemeClr val="accent1"/>
+          </a:fillRef>
+          <a:effectRef idx="0">
+            <a:schemeClr val="accent1"/>
+          </a:effectRef>
+          <a:fontRef idx="minor">
+            <a:schemeClr val="lt1"/>
+          </a:fontRef>
+        </p:style>
+        <p:txBody>
+          <a:bodyPr rtlCol="0" anchor="ctr"/>
+          <a:lstStyle/>
+          <a:p>
+            <a:pPr algn="ctr"/>
+            <a:r>
+              <a:rPr lang="en-US" sz="800" dirty="0">
+                <a:solidFill>
+                  <a:schemeClr val="tx1"/>
+                </a:solidFill>
+                <a:latin typeface="Poppins" panose="00000500000000000000" pitchFamily="2" charset="0"/>
+                <a:cs typeface="Poppins" panose="00000500000000000000" pitchFamily="2" charset="0"/>
+              </a:rPr>
+              <a:t>innerHTML.js</a:t>
+            </a:r>
+          </a:p>
+        </p:txBody>
+      </p:sp>
+      <p:cxnSp>
+        <p:nvCxnSpPr>
+          <p:cNvPr id="43" name="Straight Connector 42">
+            <a:extLst>
+              <a:ext uri="{FF2B5EF4-FFF2-40B4-BE49-F238E27FC236}">
+                <a16:creationId xmlns:a16="http://schemas.microsoft.com/office/drawing/2014/main" id="{1B9FF49D-22F5-4882-89A8-926DD0D75BA4}"/>
+              </a:ext>
+            </a:extLst>
+          </p:cNvPr>
+          <p:cNvCxnSpPr>
+            <a:cxnSpLocks/>
+            <a:stCxn id="40" idx="0"/>
+            <a:endCxn id="8" idx="2"/>
+          </p:cNvCxnSpPr>
+          <p:nvPr/>
+        </p:nvCxnSpPr>
+        <p:spPr>
+          <a:xfrm flipV="1">
+            <a:off x="5194653" y="3092480"/>
+            <a:ext cx="901347" cy="653311"/>
+          </a:xfrm>
+          <a:prstGeom prst="line">
+            <a:avLst/>
+          </a:prstGeom>
+        </p:spPr>
+        <p:style>
+          <a:lnRef idx="1">
+            <a:schemeClr val="dk1"/>
+          </a:lnRef>
+          <a:fillRef idx="0">
+            <a:schemeClr val="dk1"/>
+          </a:fillRef>
+          <a:effectRef idx="0">
+            <a:schemeClr val="dk1"/>
+          </a:effectRef>
+          <a:fontRef idx="minor">
+            <a:schemeClr val="tx1"/>
+          </a:fontRef>
+        </p:style>
+      </p:cxnSp>
+      <p:cxnSp>
+        <p:nvCxnSpPr>
+          <p:cNvPr id="45" name="Straight Connector 44">
+            <a:extLst>
+              <a:ext uri="{FF2B5EF4-FFF2-40B4-BE49-F238E27FC236}">
+                <a16:creationId xmlns:a16="http://schemas.microsoft.com/office/drawing/2014/main" id="{1483ADD1-A456-4912-8CA2-89B9D30B7458}"/>
+              </a:ext>
+            </a:extLst>
+          </p:cNvPr>
+          <p:cNvCxnSpPr>
+            <a:cxnSpLocks/>
+            <a:stCxn id="41" idx="0"/>
+            <a:endCxn id="8" idx="2"/>
+          </p:cNvCxnSpPr>
+          <p:nvPr/>
+        </p:nvCxnSpPr>
+        <p:spPr>
+          <a:xfrm flipH="1" flipV="1">
+            <a:off x="6096000" y="3092480"/>
+            <a:ext cx="148695" cy="665566"/>
+          </a:xfrm>
+          <a:prstGeom prst="line">
+            <a:avLst/>
+          </a:prstGeom>
+        </p:spPr>
+        <p:style>
+          <a:lnRef idx="1">
+            <a:schemeClr val="dk1"/>
+          </a:lnRef>
+          <a:fillRef idx="0">
+            <a:schemeClr val="dk1"/>
+          </a:fillRef>
+          <a:effectRef idx="0">
+            <a:schemeClr val="dk1"/>
+          </a:effectRef>
+          <a:fontRef idx="minor">
+            <a:schemeClr val="tx1"/>
+          </a:fontRef>
+        </p:style>
+      </p:cxnSp>
+      <p:cxnSp>
+        <p:nvCxnSpPr>
+          <p:cNvPr id="48" name="Straight Connector 47">
+            <a:extLst>
+              <a:ext uri="{FF2B5EF4-FFF2-40B4-BE49-F238E27FC236}">
+                <a16:creationId xmlns:a16="http://schemas.microsoft.com/office/drawing/2014/main" id="{1E2CC532-7356-49B4-9B65-BD01924AFA8A}"/>
+              </a:ext>
+            </a:extLst>
+          </p:cNvPr>
+          <p:cNvCxnSpPr>
+            <a:cxnSpLocks/>
+            <a:stCxn id="42" idx="0"/>
+            <a:endCxn id="8" idx="2"/>
+          </p:cNvCxnSpPr>
+          <p:nvPr/>
+        </p:nvCxnSpPr>
+        <p:spPr>
+          <a:xfrm flipH="1" flipV="1">
+            <a:off x="6096000" y="3092480"/>
+            <a:ext cx="1198737" cy="653311"/>
+          </a:xfrm>
+          <a:prstGeom prst="line">
+            <a:avLst/>
+          </a:prstGeom>
+        </p:spPr>
+        <p:style>
+          <a:lnRef idx="1">
+            <a:schemeClr val="dk1"/>
+          </a:lnRef>
+          <a:fillRef idx="0">
+            <a:schemeClr val="dk1"/>
+          </a:fillRef>
+          <a:effectRef idx="0">
+            <a:schemeClr val="dk1"/>
+          </a:effectRef>
+          <a:fontRef idx="minor">
+            <a:schemeClr val="tx1"/>
+          </a:fontRef>
+        </p:style>
+      </p:cxnSp>
+      <p:sp>
+        <p:nvSpPr>
+          <p:cNvPr id="57" name="Rectangle: Rounded Corners 56">
+            <a:extLst>
+              <a:ext uri="{FF2B5EF4-FFF2-40B4-BE49-F238E27FC236}">
+                <a16:creationId xmlns:a16="http://schemas.microsoft.com/office/drawing/2014/main" id="{4228DD93-DE18-4100-A248-AF88CEE84609}"/>
+              </a:ext>
+            </a:extLst>
+          </p:cNvPr>
+          <p:cNvSpPr/>
+          <p:nvPr/>
+        </p:nvSpPr>
+        <p:spPr>
+          <a:xfrm>
+            <a:off x="8758853" y="3745791"/>
+            <a:ext cx="933534" cy="623010"/>
+          </a:xfrm>
+          <a:prstGeom prst="roundRect">
+            <a:avLst/>
+          </a:prstGeom>
+          <a:solidFill>
+            <a:schemeClr val="bg1"/>
+          </a:solidFill>
+          <a:ln>
+            <a:solidFill>
+              <a:schemeClr val="tx1"/>
+            </a:solidFill>
+          </a:ln>
+        </p:spPr>
+        <p:style>
+          <a:lnRef idx="2">
+            <a:schemeClr val="accent1">
+              <a:shade val="50000"/>
+            </a:schemeClr>
+          </a:lnRef>
+          <a:fillRef idx="1">
+            <a:schemeClr val="accent1"/>
+          </a:fillRef>
+          <a:effectRef idx="0">
+            <a:schemeClr val="accent1"/>
+          </a:effectRef>
+          <a:fontRef idx="minor">
+            <a:schemeClr val="lt1"/>
+          </a:fontRef>
+        </p:style>
+        <p:txBody>
+          <a:bodyPr rtlCol="0" anchor="ctr"/>
+          <a:lstStyle/>
+          <a:p>
+            <a:pPr algn="ctr"/>
+            <a:r>
+              <a:rPr lang="en-US" sz="700" dirty="0">
+                <a:solidFill>
+                  <a:schemeClr val="tx1"/>
+                </a:solidFill>
+                <a:latin typeface="Poppins" panose="00000500000000000000" pitchFamily="2" charset="0"/>
+                <a:cs typeface="Poppins" panose="00000500000000000000" pitchFamily="2" charset="0"/>
+              </a:rPr>
+              <a:t>changecolor.js</a:t>
+            </a:r>
+          </a:p>
+        </p:txBody>
+      </p:sp>
+      <p:cxnSp>
+        <p:nvCxnSpPr>
+          <p:cNvPr id="58" name="Straight Connector 57">
+            <a:extLst>
+              <a:ext uri="{FF2B5EF4-FFF2-40B4-BE49-F238E27FC236}">
+                <a16:creationId xmlns:a16="http://schemas.microsoft.com/office/drawing/2014/main" id="{223BD85B-FF55-457D-96D8-0F17C5A84230}"/>
+              </a:ext>
+            </a:extLst>
+          </p:cNvPr>
+          <p:cNvCxnSpPr>
+            <a:cxnSpLocks/>
+            <a:stCxn id="57" idx="0"/>
+          </p:cNvCxnSpPr>
+          <p:nvPr/>
+        </p:nvCxnSpPr>
+        <p:spPr>
+          <a:xfrm flipH="1" flipV="1">
+            <a:off x="7875102" y="3080227"/>
+            <a:ext cx="1350518" cy="665564"/>
+          </a:xfrm>
+          <a:prstGeom prst="line">
+            <a:avLst/>
+          </a:prstGeom>
+        </p:spPr>
+        <p:style>
+          <a:lnRef idx="1">
+            <a:schemeClr val="dk1"/>
+          </a:lnRef>
+          <a:fillRef idx="0">
+            <a:schemeClr val="dk1"/>
+          </a:fillRef>
+          <a:effectRef idx="0">
+            <a:schemeClr val="dk1"/>
+          </a:effectRef>
+          <a:fontRef idx="minor">
+            <a:schemeClr val="tx1"/>
+          </a:fontRef>
+        </p:style>
+      </p:cxnSp>
+    </p:spTree>
+    <p:extLst>
+      <p:ext uri="{BB962C8B-B14F-4D97-AF65-F5344CB8AC3E}">
+        <p14:creationId xmlns:p14="http://schemas.microsoft.com/office/powerpoint/2010/main" val="1338174284"/>
+      </p:ext>
+    </p:extLst>
+  </p:cSld>
+  <p:clrMapOvr>
+    <a:masterClrMapping/>
+  </p:clrMapOvr>
+</p:sld>
+</file>
+
+<file path=ppt/slides/slide6.xml><?xml version="1.0" encoding="utf-8"?>
+<p:sld xmlns:a="http://schemas.openxmlformats.org/drawingml/2006/main" xmlns:r="http://schemas.openxmlformats.org/officeDocument/2006/relationships" xmlns:p="http://schemas.openxmlformats.org/presentationml/2006/main">
+  <p:cSld>
+    <p:spTree>
+      <p:nvGrpSpPr>
+        <p:cNvPr id="1" name=""/>
+        <p:cNvGrpSpPr/>
+        <p:nvPr/>
+      </p:nvGrpSpPr>
+      <p:grpSpPr>
+        <a:xfrm>
+          <a:off x="0" y="0"/>
+          <a:ext cx="0" cy="0"/>
+          <a:chOff x="0" y="0"/>
+          <a:chExt cx="0" cy="0"/>
+        </a:xfrm>
+      </p:grpSpPr>
+      <p:sp>
+        <p:nvSpPr>
+          <p:cNvPr id="3" name="TextBox 2">
+            <a:extLst>
+              <a:ext uri="{FF2B5EF4-FFF2-40B4-BE49-F238E27FC236}">
+                <a16:creationId xmlns:a16="http://schemas.microsoft.com/office/drawing/2014/main" id="{1D7EDC47-73C3-4673-A215-AAEF75A3EA06}"/>
+              </a:ext>
+            </a:extLst>
+          </p:cNvPr>
+          <p:cNvSpPr txBox="1"/>
+          <p:nvPr/>
+        </p:nvSpPr>
+        <p:spPr>
+          <a:xfrm>
+            <a:off x="770950" y="377376"/>
+            <a:ext cx="1781257" cy="338554"/>
+          </a:xfrm>
+          <a:prstGeom prst="rect">
+            <a:avLst/>
+          </a:prstGeom>
+          <a:noFill/>
+        </p:spPr>
+        <p:txBody>
+          <a:bodyPr wrap="none" rtlCol="0">
+            <a:spAutoFit/>
+          </a:bodyPr>
+          <a:lstStyle/>
+          <a:p>
+            <a:r>
+              <a:rPr lang="en-US" sz="1600" dirty="0">
+                <a:latin typeface="Poppins" panose="00000500000000000000" pitchFamily="2" charset="0"/>
+                <a:cs typeface="Poppins" panose="00000500000000000000" pitchFamily="2" charset="0"/>
+              </a:rPr>
+              <a:t>Popular Module</a:t>
+            </a:r>
+          </a:p>
+        </p:txBody>
+      </p:sp>
+      <p:sp>
+        <p:nvSpPr>
+          <p:cNvPr id="7" name="Rectangle: Rounded Corners 6">
+            <a:extLst>
+              <a:ext uri="{FF2B5EF4-FFF2-40B4-BE49-F238E27FC236}">
+                <a16:creationId xmlns:a16="http://schemas.microsoft.com/office/drawing/2014/main" id="{28F48331-1890-4D5A-8D22-E67229AF5A49}"/>
+              </a:ext>
+            </a:extLst>
+          </p:cNvPr>
+          <p:cNvSpPr/>
+          <p:nvPr/>
+        </p:nvSpPr>
+        <p:spPr>
+          <a:xfrm>
+            <a:off x="5477493" y="868330"/>
+            <a:ext cx="1423280" cy="977071"/>
+          </a:xfrm>
+          <a:prstGeom prst="roundRect">
+            <a:avLst/>
+          </a:prstGeom>
+          <a:solidFill>
+            <a:schemeClr val="bg1"/>
+          </a:solidFill>
+          <a:ln>
+            <a:solidFill>
+              <a:schemeClr val="tx1"/>
+            </a:solidFill>
+          </a:ln>
+        </p:spPr>
+        <p:style>
+          <a:lnRef idx="2">
+            <a:schemeClr val="accent1">
+              <a:shade val="50000"/>
+            </a:schemeClr>
+          </a:lnRef>
+          <a:fillRef idx="1">
+            <a:schemeClr val="accent1"/>
+          </a:fillRef>
+          <a:effectRef idx="0">
+            <a:schemeClr val="accent1"/>
+          </a:effectRef>
+          <a:fontRef idx="minor">
+            <a:schemeClr val="lt1"/>
+          </a:fontRef>
+        </p:style>
+        <p:txBody>
+          <a:bodyPr rtlCol="0" anchor="ctr"/>
+          <a:lstStyle/>
+          <a:p>
+            <a:pPr algn="ctr"/>
+            <a:r>
+              <a:rPr lang="en-US" sz="1000" dirty="0">
+                <a:solidFill>
+                  <a:schemeClr val="tx1"/>
+                </a:solidFill>
+                <a:latin typeface="Poppins" panose="00000500000000000000" pitchFamily="2" charset="0"/>
+                <a:cs typeface="Poppins" panose="00000500000000000000" pitchFamily="2" charset="0"/>
+              </a:rPr>
+              <a:t>App.js</a:t>
+            </a:r>
+          </a:p>
+        </p:txBody>
+      </p:sp>
+      <p:cxnSp>
+        <p:nvCxnSpPr>
+          <p:cNvPr id="8" name="Straight Connector 7">
+            <a:extLst>
+              <a:ext uri="{FF2B5EF4-FFF2-40B4-BE49-F238E27FC236}">
+                <a16:creationId xmlns:a16="http://schemas.microsoft.com/office/drawing/2014/main" id="{511CBF73-29E5-4B5A-BB52-B003B169ABA3}"/>
+              </a:ext>
+            </a:extLst>
+          </p:cNvPr>
+          <p:cNvCxnSpPr>
+            <a:cxnSpLocks/>
+            <a:endCxn id="10" idx="0"/>
+          </p:cNvCxnSpPr>
+          <p:nvPr/>
+        </p:nvCxnSpPr>
+        <p:spPr>
+          <a:xfrm>
+            <a:off x="6189133" y="1845401"/>
+            <a:ext cx="0" cy="318328"/>
+          </a:xfrm>
+          <a:prstGeom prst="line">
+            <a:avLst/>
+          </a:prstGeom>
+        </p:spPr>
+        <p:style>
+          <a:lnRef idx="1">
+            <a:schemeClr val="dk1"/>
+          </a:lnRef>
+          <a:fillRef idx="0">
+            <a:schemeClr val="dk1"/>
+          </a:fillRef>
+          <a:effectRef idx="0">
+            <a:schemeClr val="dk1"/>
+          </a:effectRef>
+          <a:fontRef idx="minor">
+            <a:schemeClr val="tx1"/>
+          </a:fontRef>
+        </p:style>
+      </p:cxnSp>
+      <p:sp>
+        <p:nvSpPr>
+          <p:cNvPr id="9" name="Rectangle: Rounded Corners 8">
+            <a:extLst>
+              <a:ext uri="{FF2B5EF4-FFF2-40B4-BE49-F238E27FC236}">
+                <a16:creationId xmlns:a16="http://schemas.microsoft.com/office/drawing/2014/main" id="{10CC2805-436E-4C9E-9640-9E6384802821}"/>
+              </a:ext>
+            </a:extLst>
+          </p:cNvPr>
+          <p:cNvSpPr/>
+          <p:nvPr/>
+        </p:nvSpPr>
+        <p:spPr>
+          <a:xfrm>
+            <a:off x="5475849" y="3459129"/>
+            <a:ext cx="1423280" cy="977071"/>
+          </a:xfrm>
+          <a:prstGeom prst="roundRect">
+            <a:avLst/>
+          </a:prstGeom>
+          <a:solidFill>
+            <a:schemeClr val="bg1"/>
+          </a:solidFill>
+          <a:ln>
+            <a:solidFill>
+              <a:schemeClr val="tx1"/>
+            </a:solidFill>
+          </a:ln>
+        </p:spPr>
+        <p:style>
+          <a:lnRef idx="2">
+            <a:schemeClr val="accent1">
+              <a:shade val="50000"/>
+            </a:schemeClr>
+          </a:lnRef>
+          <a:fillRef idx="1">
+            <a:schemeClr val="accent1"/>
+          </a:fillRef>
+          <a:effectRef idx="0">
+            <a:schemeClr val="accent1"/>
+          </a:effectRef>
+          <a:fontRef idx="minor">
+            <a:schemeClr val="lt1"/>
+          </a:fontRef>
+        </p:style>
+        <p:txBody>
+          <a:bodyPr rtlCol="0" anchor="ctr"/>
+          <a:lstStyle/>
+          <a:p>
+            <a:pPr algn="ctr"/>
+            <a:r>
+              <a:rPr lang="en-US" sz="1000" dirty="0">
+                <a:solidFill>
+                  <a:schemeClr val="tx1"/>
+                </a:solidFill>
+                <a:latin typeface="Poppins" panose="00000500000000000000" pitchFamily="2" charset="0"/>
+                <a:cs typeface="Poppins" panose="00000500000000000000" pitchFamily="2" charset="0"/>
+              </a:rPr>
+              <a:t>Controllers.js</a:t>
+            </a:r>
+          </a:p>
+        </p:txBody>
+      </p:sp>
+      <p:sp>
+        <p:nvSpPr>
+          <p:cNvPr id="10" name="Rectangle: Rounded Corners 9">
+            <a:extLst>
+              <a:ext uri="{FF2B5EF4-FFF2-40B4-BE49-F238E27FC236}">
+                <a16:creationId xmlns:a16="http://schemas.microsoft.com/office/drawing/2014/main" id="{075DE6D5-70E5-4B96-AC38-5229F55A90B1}"/>
+              </a:ext>
+            </a:extLst>
+          </p:cNvPr>
+          <p:cNvSpPr/>
+          <p:nvPr/>
+        </p:nvSpPr>
+        <p:spPr>
+          <a:xfrm>
+            <a:off x="5477493" y="2163729"/>
+            <a:ext cx="1423280" cy="977071"/>
+          </a:xfrm>
+          <a:prstGeom prst="roundRect">
+            <a:avLst/>
+          </a:prstGeom>
+          <a:solidFill>
+            <a:schemeClr val="bg1"/>
+          </a:solidFill>
+          <a:ln>
+            <a:solidFill>
+              <a:schemeClr val="tx1"/>
+            </a:solidFill>
+          </a:ln>
+        </p:spPr>
+        <p:style>
+          <a:lnRef idx="2">
+            <a:schemeClr val="accent1">
+              <a:shade val="50000"/>
+            </a:schemeClr>
+          </a:lnRef>
+          <a:fillRef idx="1">
+            <a:schemeClr val="accent1"/>
+          </a:fillRef>
+          <a:effectRef idx="0">
+            <a:schemeClr val="accent1"/>
+          </a:effectRef>
+          <a:fontRef idx="minor">
+            <a:schemeClr val="lt1"/>
+          </a:fontRef>
+        </p:style>
+        <p:txBody>
+          <a:bodyPr rtlCol="0" anchor="ctr"/>
+          <a:lstStyle/>
+          <a:p>
+            <a:pPr algn="ctr"/>
+            <a:r>
+              <a:rPr lang="en-US" sz="1000" dirty="0">
+                <a:solidFill>
+                  <a:schemeClr val="tx1"/>
+                </a:solidFill>
+                <a:latin typeface="Poppins" panose="00000500000000000000" pitchFamily="2" charset="0"/>
+                <a:cs typeface="Poppins" panose="00000500000000000000" pitchFamily="2" charset="0"/>
+              </a:rPr>
+              <a:t>route.js</a:t>
+            </a:r>
+          </a:p>
+        </p:txBody>
+      </p:sp>
+      <p:cxnSp>
+        <p:nvCxnSpPr>
+          <p:cNvPr id="16" name="Straight Connector 15">
+            <a:extLst>
+              <a:ext uri="{FF2B5EF4-FFF2-40B4-BE49-F238E27FC236}">
+                <a16:creationId xmlns:a16="http://schemas.microsoft.com/office/drawing/2014/main" id="{BF595EF8-1071-4FEE-8B97-1662437ACA92}"/>
+              </a:ext>
+            </a:extLst>
+          </p:cNvPr>
+          <p:cNvCxnSpPr>
+            <a:cxnSpLocks/>
+            <a:stCxn id="10" idx="2"/>
+            <a:endCxn id="9" idx="0"/>
+          </p:cNvCxnSpPr>
+          <p:nvPr/>
+        </p:nvCxnSpPr>
+        <p:spPr>
+          <a:xfrm flipH="1">
+            <a:off x="6187489" y="3140800"/>
+            <a:ext cx="1644" cy="318329"/>
+          </a:xfrm>
+          <a:prstGeom prst="line">
+            <a:avLst/>
+          </a:prstGeom>
+        </p:spPr>
+        <p:style>
+          <a:lnRef idx="1">
+            <a:schemeClr val="dk1"/>
+          </a:lnRef>
+          <a:fillRef idx="0">
+            <a:schemeClr val="dk1"/>
+          </a:fillRef>
+          <a:effectRef idx="0">
+            <a:schemeClr val="dk1"/>
+          </a:effectRef>
+          <a:fontRef idx="minor">
+            <a:schemeClr val="tx1"/>
+          </a:fontRef>
+        </p:style>
+      </p:cxnSp>
+      <p:sp>
+        <p:nvSpPr>
+          <p:cNvPr id="20" name="Rectangle: Rounded Corners 19">
+            <a:extLst>
+              <a:ext uri="{FF2B5EF4-FFF2-40B4-BE49-F238E27FC236}">
+                <a16:creationId xmlns:a16="http://schemas.microsoft.com/office/drawing/2014/main" id="{0BD068F2-2268-4F2B-9799-96C3CA5FA47E}"/>
+              </a:ext>
+            </a:extLst>
+          </p:cNvPr>
+          <p:cNvSpPr/>
+          <p:nvPr/>
+        </p:nvSpPr>
+        <p:spPr>
+          <a:xfrm>
+            <a:off x="3347855" y="3459127"/>
+            <a:ext cx="1423280" cy="977071"/>
+          </a:xfrm>
+          <a:prstGeom prst="roundRect">
+            <a:avLst/>
+          </a:prstGeom>
+          <a:solidFill>
+            <a:schemeClr val="bg1"/>
+          </a:solidFill>
+          <a:ln>
+            <a:solidFill>
+              <a:schemeClr val="tx1"/>
+            </a:solidFill>
+          </a:ln>
+        </p:spPr>
+        <p:style>
+          <a:lnRef idx="2">
+            <a:schemeClr val="accent1">
+              <a:shade val="50000"/>
+            </a:schemeClr>
+          </a:lnRef>
+          <a:fillRef idx="1">
+            <a:schemeClr val="accent1"/>
+          </a:fillRef>
+          <a:effectRef idx="0">
+            <a:schemeClr val="accent1"/>
+          </a:effectRef>
+          <a:fontRef idx="minor">
+            <a:schemeClr val="lt1"/>
+          </a:fontRef>
+        </p:style>
+        <p:txBody>
+          <a:bodyPr rtlCol="0" anchor="ctr"/>
+          <a:lstStyle/>
+          <a:p>
+            <a:pPr algn="ctr"/>
+            <a:r>
+              <a:rPr lang="en-US" sz="1000" dirty="0">
+                <a:solidFill>
+                  <a:schemeClr val="tx1"/>
+                </a:solidFill>
+                <a:latin typeface="Poppins" panose="00000500000000000000" pitchFamily="2" charset="0"/>
+                <a:cs typeface="Poppins" panose="00000500000000000000" pitchFamily="2" charset="0"/>
+              </a:rPr>
+              <a:t>Models.js</a:t>
+            </a:r>
+          </a:p>
+        </p:txBody>
+      </p:sp>
+      <p:cxnSp>
+        <p:nvCxnSpPr>
+          <p:cNvPr id="23" name="Straight Connector 22">
+            <a:extLst>
+              <a:ext uri="{FF2B5EF4-FFF2-40B4-BE49-F238E27FC236}">
+                <a16:creationId xmlns:a16="http://schemas.microsoft.com/office/drawing/2014/main" id="{DF4DE4C4-7D81-4B12-A734-B0A87436B4D9}"/>
+              </a:ext>
+            </a:extLst>
+          </p:cNvPr>
+          <p:cNvCxnSpPr>
+            <a:cxnSpLocks/>
+            <a:stCxn id="9" idx="1"/>
+            <a:endCxn id="20" idx="3"/>
+          </p:cNvCxnSpPr>
+          <p:nvPr/>
+        </p:nvCxnSpPr>
+        <p:spPr>
+          <a:xfrm flipH="1" flipV="1">
+            <a:off x="4771135" y="3947663"/>
+            <a:ext cx="704714" cy="2"/>
+          </a:xfrm>
+          <a:prstGeom prst="line">
+            <a:avLst/>
+          </a:prstGeom>
+        </p:spPr>
+        <p:style>
+          <a:lnRef idx="1">
+            <a:schemeClr val="dk1"/>
+          </a:lnRef>
+          <a:fillRef idx="0">
+            <a:schemeClr val="dk1"/>
+          </a:fillRef>
+          <a:effectRef idx="0">
+            <a:schemeClr val="dk1"/>
+          </a:effectRef>
+          <a:fontRef idx="minor">
+            <a:schemeClr val="tx1"/>
+          </a:fontRef>
+        </p:style>
+      </p:cxnSp>
+      <p:sp>
+        <p:nvSpPr>
+          <p:cNvPr id="30" name="Rectangle: Rounded Corners 29">
+            <a:extLst>
+              <a:ext uri="{FF2B5EF4-FFF2-40B4-BE49-F238E27FC236}">
+                <a16:creationId xmlns:a16="http://schemas.microsoft.com/office/drawing/2014/main" id="{B2106D0C-31AF-47B7-9C31-11A16AC9961F}"/>
+              </a:ext>
+            </a:extLst>
+          </p:cNvPr>
+          <p:cNvSpPr/>
+          <p:nvPr/>
+        </p:nvSpPr>
+        <p:spPr>
+          <a:xfrm>
+            <a:off x="5185780" y="4730718"/>
+            <a:ext cx="933534" cy="623010"/>
+          </a:xfrm>
+          <a:prstGeom prst="roundRect">
+            <a:avLst/>
+          </a:prstGeom>
+          <a:solidFill>
+            <a:schemeClr val="bg1"/>
+          </a:solidFill>
+          <a:ln>
+            <a:solidFill>
+              <a:schemeClr val="tx1"/>
+            </a:solidFill>
+          </a:ln>
+        </p:spPr>
+        <p:style>
+          <a:lnRef idx="2">
+            <a:schemeClr val="accent1">
+              <a:shade val="50000"/>
+            </a:schemeClr>
+          </a:lnRef>
+          <a:fillRef idx="1">
+            <a:schemeClr val="accent1"/>
+          </a:fillRef>
+          <a:effectRef idx="0">
+            <a:schemeClr val="accent1"/>
+          </a:effectRef>
+          <a:fontRef idx="minor">
+            <a:schemeClr val="lt1"/>
+          </a:fontRef>
+        </p:style>
+        <p:txBody>
+          <a:bodyPr rtlCol="0" anchor="ctr"/>
+          <a:lstStyle/>
+          <a:p>
+            <a:pPr algn="ctr"/>
+            <a:r>
+              <a:rPr lang="en-US" sz="800" dirty="0">
+                <a:solidFill>
+                  <a:schemeClr val="tx1"/>
+                </a:solidFill>
+                <a:latin typeface="Poppins" panose="00000500000000000000" pitchFamily="2" charset="0"/>
+                <a:cs typeface="Poppins" panose="00000500000000000000" pitchFamily="2" charset="0"/>
+              </a:rPr>
+              <a:t>service-1.js</a:t>
+            </a:r>
+          </a:p>
+        </p:txBody>
+      </p:sp>
+      <p:sp>
+        <p:nvSpPr>
+          <p:cNvPr id="31" name="Rectangle: Rounded Corners 30">
+            <a:extLst>
+              <a:ext uri="{FF2B5EF4-FFF2-40B4-BE49-F238E27FC236}">
+                <a16:creationId xmlns:a16="http://schemas.microsoft.com/office/drawing/2014/main" id="{32B174B3-90D8-4A87-B15F-479214C64DBE}"/>
+              </a:ext>
+            </a:extLst>
+          </p:cNvPr>
+          <p:cNvSpPr/>
+          <p:nvPr/>
+        </p:nvSpPr>
+        <p:spPr>
+          <a:xfrm>
+            <a:off x="6210803" y="4730718"/>
+            <a:ext cx="933534" cy="623010"/>
+          </a:xfrm>
+          <a:prstGeom prst="roundRect">
+            <a:avLst/>
+          </a:prstGeom>
+          <a:solidFill>
+            <a:schemeClr val="bg1"/>
+          </a:solidFill>
+          <a:ln>
+            <a:solidFill>
+              <a:schemeClr val="tx1"/>
+            </a:solidFill>
+          </a:ln>
+        </p:spPr>
+        <p:style>
+          <a:lnRef idx="2">
+            <a:schemeClr val="accent1">
+              <a:shade val="50000"/>
+            </a:schemeClr>
+          </a:lnRef>
+          <a:fillRef idx="1">
+            <a:schemeClr val="accent1"/>
+          </a:fillRef>
+          <a:effectRef idx="0">
+            <a:schemeClr val="accent1"/>
+          </a:effectRef>
+          <a:fontRef idx="minor">
+            <a:schemeClr val="lt1"/>
+          </a:fontRef>
+        </p:style>
+        <p:txBody>
+          <a:bodyPr rtlCol="0" anchor="ctr"/>
+          <a:lstStyle/>
+          <a:p>
+            <a:pPr algn="ctr"/>
+            <a:r>
+              <a:rPr lang="en-US" sz="800" dirty="0">
+                <a:solidFill>
+                  <a:schemeClr val="tx1"/>
+                </a:solidFill>
+                <a:latin typeface="Poppins" panose="00000500000000000000" pitchFamily="2" charset="0"/>
+                <a:cs typeface="Poppins" panose="00000500000000000000" pitchFamily="2" charset="0"/>
+              </a:rPr>
+              <a:t>service-3.js</a:t>
+            </a:r>
+          </a:p>
+        </p:txBody>
+      </p:sp>
+      <p:sp>
+        <p:nvSpPr>
+          <p:cNvPr id="32" name="Rectangle: Rounded Corners 31">
+            <a:extLst>
+              <a:ext uri="{FF2B5EF4-FFF2-40B4-BE49-F238E27FC236}">
+                <a16:creationId xmlns:a16="http://schemas.microsoft.com/office/drawing/2014/main" id="{84C65992-0B1A-4619-BF8C-FBB43D4008E3}"/>
+              </a:ext>
+            </a:extLst>
+          </p:cNvPr>
+          <p:cNvSpPr/>
+          <p:nvPr/>
+        </p:nvSpPr>
+        <p:spPr>
+          <a:xfrm>
+            <a:off x="6218065" y="5502175"/>
+            <a:ext cx="933534" cy="623010"/>
+          </a:xfrm>
+          <a:prstGeom prst="roundRect">
+            <a:avLst/>
+          </a:prstGeom>
+          <a:solidFill>
+            <a:schemeClr val="bg1"/>
+          </a:solidFill>
+          <a:ln>
+            <a:solidFill>
+              <a:schemeClr val="tx1"/>
+            </a:solidFill>
+          </a:ln>
+        </p:spPr>
+        <p:style>
+          <a:lnRef idx="2">
+            <a:schemeClr val="accent1">
+              <a:shade val="50000"/>
+            </a:schemeClr>
+          </a:lnRef>
+          <a:fillRef idx="1">
+            <a:schemeClr val="accent1"/>
+          </a:fillRef>
+          <a:effectRef idx="0">
+            <a:schemeClr val="accent1"/>
+          </a:effectRef>
+          <a:fontRef idx="minor">
+            <a:schemeClr val="lt1"/>
+          </a:fontRef>
+        </p:style>
+        <p:txBody>
+          <a:bodyPr rtlCol="0" anchor="ctr"/>
+          <a:lstStyle/>
+          <a:p>
+            <a:pPr algn="ctr"/>
+            <a:r>
+              <a:rPr lang="en-US" sz="800" dirty="0">
+                <a:solidFill>
+                  <a:schemeClr val="tx1"/>
+                </a:solidFill>
+                <a:latin typeface="Poppins" panose="00000500000000000000" pitchFamily="2" charset="0"/>
+                <a:cs typeface="Poppins" panose="00000500000000000000" pitchFamily="2" charset="0"/>
+              </a:rPr>
+              <a:t>service-4.js</a:t>
+            </a:r>
+          </a:p>
+        </p:txBody>
+      </p:sp>
+      <p:sp>
+        <p:nvSpPr>
+          <p:cNvPr id="33" name="Rectangle: Rounded Corners 32">
+            <a:extLst>
+              <a:ext uri="{FF2B5EF4-FFF2-40B4-BE49-F238E27FC236}">
+                <a16:creationId xmlns:a16="http://schemas.microsoft.com/office/drawing/2014/main" id="{09721BE7-37DD-4997-8C9C-F916F39CE40E}"/>
+              </a:ext>
+            </a:extLst>
+          </p:cNvPr>
+          <p:cNvSpPr/>
+          <p:nvPr/>
+        </p:nvSpPr>
+        <p:spPr>
+          <a:xfrm>
+            <a:off x="5209094" y="5502175"/>
+            <a:ext cx="933534" cy="623010"/>
+          </a:xfrm>
+          <a:prstGeom prst="roundRect">
+            <a:avLst/>
+          </a:prstGeom>
+          <a:solidFill>
+            <a:schemeClr val="bg1"/>
+          </a:solidFill>
+          <a:ln>
+            <a:solidFill>
+              <a:schemeClr val="tx1"/>
+            </a:solidFill>
+          </a:ln>
+        </p:spPr>
+        <p:style>
+          <a:lnRef idx="2">
+            <a:schemeClr val="accent1">
+              <a:shade val="50000"/>
+            </a:schemeClr>
+          </a:lnRef>
+          <a:fillRef idx="1">
+            <a:schemeClr val="accent1"/>
+          </a:fillRef>
+          <a:effectRef idx="0">
+            <a:schemeClr val="accent1"/>
+          </a:effectRef>
+          <a:fontRef idx="minor">
+            <a:schemeClr val="lt1"/>
+          </a:fontRef>
+        </p:style>
+        <p:txBody>
+          <a:bodyPr rtlCol="0" anchor="ctr"/>
+          <a:lstStyle/>
+          <a:p>
+            <a:pPr algn="ctr"/>
+            <a:r>
+              <a:rPr lang="en-US" sz="800" dirty="0">
+                <a:solidFill>
+                  <a:schemeClr val="tx1"/>
+                </a:solidFill>
+                <a:latin typeface="Poppins" panose="00000500000000000000" pitchFamily="2" charset="0"/>
+                <a:cs typeface="Poppins" panose="00000500000000000000" pitchFamily="2" charset="0"/>
+              </a:rPr>
+              <a:t>service-2.js</a:t>
+            </a:r>
+          </a:p>
+        </p:txBody>
+      </p:sp>
+      <p:cxnSp>
+        <p:nvCxnSpPr>
+          <p:cNvPr id="34" name="Straight Connector 33">
+            <a:extLst>
+              <a:ext uri="{FF2B5EF4-FFF2-40B4-BE49-F238E27FC236}">
+                <a16:creationId xmlns:a16="http://schemas.microsoft.com/office/drawing/2014/main" id="{4B9B0644-5A8A-479E-AC66-1FBC08F9DA42}"/>
+              </a:ext>
+            </a:extLst>
+          </p:cNvPr>
+          <p:cNvCxnSpPr>
+            <a:cxnSpLocks/>
+          </p:cNvCxnSpPr>
+          <p:nvPr/>
+        </p:nvCxnSpPr>
+        <p:spPr>
+          <a:xfrm flipH="1">
+            <a:off x="6161410" y="4416130"/>
+            <a:ext cx="1644" cy="318329"/>
+          </a:xfrm>
+          <a:prstGeom prst="line">
+            <a:avLst/>
+          </a:prstGeom>
+        </p:spPr>
+        <p:style>
+          <a:lnRef idx="1">
+            <a:schemeClr val="dk1"/>
+          </a:lnRef>
+          <a:fillRef idx="0">
+            <a:schemeClr val="dk1"/>
+          </a:fillRef>
+          <a:effectRef idx="0">
+            <a:schemeClr val="dk1"/>
+          </a:effectRef>
+          <a:fontRef idx="minor">
+            <a:schemeClr val="tx1"/>
+          </a:fontRef>
+        </p:style>
+      </p:cxnSp>
+      <p:sp>
+        <p:nvSpPr>
+          <p:cNvPr id="39" name="Rectangle: Rounded Corners 38">
+            <a:extLst>
+              <a:ext uri="{FF2B5EF4-FFF2-40B4-BE49-F238E27FC236}">
+                <a16:creationId xmlns:a16="http://schemas.microsoft.com/office/drawing/2014/main" id="{0EC2D517-E1D7-44CF-84A3-E4E9F6F331AE}"/>
+              </a:ext>
+            </a:extLst>
+          </p:cNvPr>
+          <p:cNvSpPr/>
+          <p:nvPr/>
+        </p:nvSpPr>
+        <p:spPr>
+          <a:xfrm>
+            <a:off x="7610769" y="3459127"/>
+            <a:ext cx="1423280" cy="977071"/>
+          </a:xfrm>
+          <a:prstGeom prst="roundRect">
+            <a:avLst/>
+          </a:prstGeom>
+          <a:solidFill>
+            <a:schemeClr val="bg1"/>
+          </a:solidFill>
+          <a:ln>
+            <a:solidFill>
+              <a:schemeClr val="tx1"/>
+            </a:solidFill>
+          </a:ln>
+        </p:spPr>
+        <p:style>
+          <a:lnRef idx="2">
+            <a:schemeClr val="accent1">
+              <a:shade val="50000"/>
+            </a:schemeClr>
+          </a:lnRef>
+          <a:fillRef idx="1">
+            <a:schemeClr val="accent1"/>
+          </a:fillRef>
+          <a:effectRef idx="0">
+            <a:schemeClr val="accent1"/>
+          </a:effectRef>
+          <a:fontRef idx="minor">
+            <a:schemeClr val="lt1"/>
+          </a:fontRef>
+        </p:style>
+        <p:txBody>
+          <a:bodyPr rtlCol="0" anchor="ctr"/>
+          <a:lstStyle/>
+          <a:p>
+            <a:pPr algn="ctr"/>
+            <a:r>
+              <a:rPr lang="en-US" sz="1000" dirty="0">
+                <a:solidFill>
+                  <a:schemeClr val="tx1"/>
+                </a:solidFill>
+                <a:latin typeface="Poppins" panose="00000500000000000000" pitchFamily="2" charset="0"/>
+                <a:cs typeface="Poppins" panose="00000500000000000000" pitchFamily="2" charset="0"/>
+              </a:rPr>
+              <a:t>Views.js</a:t>
+            </a:r>
+          </a:p>
+        </p:txBody>
+      </p:sp>
+      <p:cxnSp>
+        <p:nvCxnSpPr>
+          <p:cNvPr id="41" name="Straight Connector 40">
+            <a:extLst>
+              <a:ext uri="{FF2B5EF4-FFF2-40B4-BE49-F238E27FC236}">
+                <a16:creationId xmlns:a16="http://schemas.microsoft.com/office/drawing/2014/main" id="{A137EA7E-E583-4C9A-911B-E520858A06C0}"/>
+              </a:ext>
+            </a:extLst>
+          </p:cNvPr>
+          <p:cNvCxnSpPr>
+            <a:cxnSpLocks/>
+            <a:stCxn id="39" idx="1"/>
+            <a:endCxn id="9" idx="3"/>
+          </p:cNvCxnSpPr>
+          <p:nvPr/>
+        </p:nvCxnSpPr>
+        <p:spPr>
+          <a:xfrm flipH="1">
+            <a:off x="6899129" y="3947663"/>
+            <a:ext cx="711640" cy="2"/>
+          </a:xfrm>
+          <a:prstGeom prst="line">
+            <a:avLst/>
+          </a:prstGeom>
+        </p:spPr>
+        <p:style>
+          <a:lnRef idx="1">
+            <a:schemeClr val="dk1"/>
+          </a:lnRef>
+          <a:fillRef idx="0">
+            <a:schemeClr val="dk1"/>
+          </a:fillRef>
+          <a:effectRef idx="0">
+            <a:schemeClr val="dk1"/>
+          </a:effectRef>
+          <a:fontRef idx="minor">
+            <a:schemeClr val="tx1"/>
+          </a:fontRef>
+        </p:style>
+      </p:cxnSp>
+      <p:sp>
+        <p:nvSpPr>
+          <p:cNvPr id="44" name="Rectangle: Rounded Corners 43">
+            <a:extLst>
+              <a:ext uri="{FF2B5EF4-FFF2-40B4-BE49-F238E27FC236}">
+                <a16:creationId xmlns:a16="http://schemas.microsoft.com/office/drawing/2014/main" id="{CAE2BA66-9D05-43F7-AA92-D6222CFF81F3}"/>
+              </a:ext>
+            </a:extLst>
+          </p:cNvPr>
+          <p:cNvSpPr/>
+          <p:nvPr/>
+        </p:nvSpPr>
+        <p:spPr>
+          <a:xfrm>
+            <a:off x="3061705" y="4730718"/>
+            <a:ext cx="933534" cy="623010"/>
+          </a:xfrm>
+          <a:prstGeom prst="roundRect">
+            <a:avLst/>
+          </a:prstGeom>
+          <a:solidFill>
+            <a:schemeClr val="bg1"/>
+          </a:solidFill>
+          <a:ln>
+            <a:solidFill>
+              <a:schemeClr val="tx1"/>
+            </a:solidFill>
+          </a:ln>
+        </p:spPr>
+        <p:style>
+          <a:lnRef idx="2">
+            <a:schemeClr val="accent1">
+              <a:shade val="50000"/>
+            </a:schemeClr>
+          </a:lnRef>
+          <a:fillRef idx="1">
+            <a:schemeClr val="accent1"/>
+          </a:fillRef>
+          <a:effectRef idx="0">
+            <a:schemeClr val="accent1"/>
+          </a:effectRef>
+          <a:fontRef idx="minor">
+            <a:schemeClr val="lt1"/>
+          </a:fontRef>
+        </p:style>
+        <p:txBody>
+          <a:bodyPr rtlCol="0" anchor="ctr"/>
+          <a:lstStyle/>
+          <a:p>
+            <a:pPr algn="ctr"/>
+            <a:r>
+              <a:rPr lang="en-US" sz="800" dirty="0">
+                <a:solidFill>
+                  <a:schemeClr val="tx1"/>
+                </a:solidFill>
+                <a:latin typeface="Poppins" panose="00000500000000000000" pitchFamily="2" charset="0"/>
+                <a:cs typeface="Poppins" panose="00000500000000000000" pitchFamily="2" charset="0"/>
+              </a:rPr>
+              <a:t>repo-1.js</a:t>
+            </a:r>
+          </a:p>
+        </p:txBody>
+      </p:sp>
+      <p:sp>
+        <p:nvSpPr>
+          <p:cNvPr id="45" name="Rectangle: Rounded Corners 44">
+            <a:extLst>
+              <a:ext uri="{FF2B5EF4-FFF2-40B4-BE49-F238E27FC236}">
+                <a16:creationId xmlns:a16="http://schemas.microsoft.com/office/drawing/2014/main" id="{E73B692C-CA67-48CB-A6DE-42D49F816D93}"/>
+              </a:ext>
+            </a:extLst>
+          </p:cNvPr>
+          <p:cNvSpPr/>
+          <p:nvPr/>
+        </p:nvSpPr>
+        <p:spPr>
+          <a:xfrm>
+            <a:off x="4086728" y="4730718"/>
+            <a:ext cx="933534" cy="623010"/>
+          </a:xfrm>
+          <a:prstGeom prst="roundRect">
+            <a:avLst/>
+          </a:prstGeom>
+          <a:solidFill>
+            <a:schemeClr val="bg1"/>
+          </a:solidFill>
+          <a:ln>
+            <a:solidFill>
+              <a:schemeClr val="tx1"/>
+            </a:solidFill>
+          </a:ln>
+        </p:spPr>
+        <p:style>
+          <a:lnRef idx="2">
+            <a:schemeClr val="accent1">
+              <a:shade val="50000"/>
+            </a:schemeClr>
+          </a:lnRef>
+          <a:fillRef idx="1">
+            <a:schemeClr val="accent1"/>
+          </a:fillRef>
+          <a:effectRef idx="0">
+            <a:schemeClr val="accent1"/>
+          </a:effectRef>
+          <a:fontRef idx="minor">
+            <a:schemeClr val="lt1"/>
+          </a:fontRef>
+        </p:style>
+        <p:txBody>
+          <a:bodyPr rtlCol="0" anchor="ctr"/>
+          <a:lstStyle/>
+          <a:p>
+            <a:pPr algn="ctr"/>
+            <a:r>
+              <a:rPr lang="en-US" sz="800" dirty="0">
+                <a:solidFill>
+                  <a:schemeClr val="tx1"/>
+                </a:solidFill>
+                <a:latin typeface="Poppins" panose="00000500000000000000" pitchFamily="2" charset="0"/>
+                <a:cs typeface="Poppins" panose="00000500000000000000" pitchFamily="2" charset="0"/>
+              </a:rPr>
+              <a:t>repo-3.js</a:t>
+            </a:r>
+          </a:p>
+        </p:txBody>
+      </p:sp>
+      <p:sp>
+        <p:nvSpPr>
+          <p:cNvPr id="46" name="Rectangle: Rounded Corners 45">
+            <a:extLst>
+              <a:ext uri="{FF2B5EF4-FFF2-40B4-BE49-F238E27FC236}">
+                <a16:creationId xmlns:a16="http://schemas.microsoft.com/office/drawing/2014/main" id="{1A8EE424-B95D-4EB9-AA4A-7D13AE4E3FAA}"/>
+              </a:ext>
+            </a:extLst>
+          </p:cNvPr>
+          <p:cNvSpPr/>
+          <p:nvPr/>
+        </p:nvSpPr>
+        <p:spPr>
+          <a:xfrm>
+            <a:off x="4093990" y="5502175"/>
+            <a:ext cx="933534" cy="623010"/>
+          </a:xfrm>
+          <a:prstGeom prst="roundRect">
+            <a:avLst/>
+          </a:prstGeom>
+          <a:solidFill>
+            <a:schemeClr val="bg1"/>
+          </a:solidFill>
+          <a:ln>
+            <a:solidFill>
+              <a:schemeClr val="tx1"/>
+            </a:solidFill>
+          </a:ln>
+        </p:spPr>
+        <p:style>
+          <a:lnRef idx="2">
+            <a:schemeClr val="accent1">
+              <a:shade val="50000"/>
+            </a:schemeClr>
+          </a:lnRef>
+          <a:fillRef idx="1">
+            <a:schemeClr val="accent1"/>
+          </a:fillRef>
+          <a:effectRef idx="0">
+            <a:schemeClr val="accent1"/>
+          </a:effectRef>
+          <a:fontRef idx="minor">
+            <a:schemeClr val="lt1"/>
+          </a:fontRef>
+        </p:style>
+        <p:txBody>
+          <a:bodyPr rtlCol="0" anchor="ctr"/>
+          <a:lstStyle/>
+          <a:p>
+            <a:pPr algn="ctr"/>
+            <a:r>
+              <a:rPr lang="en-US" sz="800" dirty="0">
+                <a:solidFill>
+                  <a:schemeClr val="tx1"/>
+                </a:solidFill>
+                <a:latin typeface="Poppins" panose="00000500000000000000" pitchFamily="2" charset="0"/>
+                <a:cs typeface="Poppins" panose="00000500000000000000" pitchFamily="2" charset="0"/>
+              </a:rPr>
+              <a:t>repo-4.js</a:t>
+            </a:r>
+          </a:p>
+        </p:txBody>
+      </p:sp>
+      <p:sp>
+        <p:nvSpPr>
+          <p:cNvPr id="47" name="Rectangle: Rounded Corners 46">
+            <a:extLst>
+              <a:ext uri="{FF2B5EF4-FFF2-40B4-BE49-F238E27FC236}">
+                <a16:creationId xmlns:a16="http://schemas.microsoft.com/office/drawing/2014/main" id="{3E4A2D42-83C9-4449-BD47-9B02AEBC2BF6}"/>
+              </a:ext>
+            </a:extLst>
+          </p:cNvPr>
+          <p:cNvSpPr/>
+          <p:nvPr/>
+        </p:nvSpPr>
+        <p:spPr>
+          <a:xfrm>
+            <a:off x="3085019" y="5502175"/>
+            <a:ext cx="933534" cy="623010"/>
+          </a:xfrm>
+          <a:prstGeom prst="roundRect">
+            <a:avLst/>
+          </a:prstGeom>
+          <a:solidFill>
+            <a:schemeClr val="bg1"/>
+          </a:solidFill>
+          <a:ln>
+            <a:solidFill>
+              <a:schemeClr val="tx1"/>
+            </a:solidFill>
+          </a:ln>
+        </p:spPr>
+        <p:style>
+          <a:lnRef idx="2">
+            <a:schemeClr val="accent1">
+              <a:shade val="50000"/>
+            </a:schemeClr>
+          </a:lnRef>
+          <a:fillRef idx="1">
+            <a:schemeClr val="accent1"/>
+          </a:fillRef>
+          <a:effectRef idx="0">
+            <a:schemeClr val="accent1"/>
+          </a:effectRef>
+          <a:fontRef idx="minor">
+            <a:schemeClr val="lt1"/>
+          </a:fontRef>
+        </p:style>
+        <p:txBody>
+          <a:bodyPr rtlCol="0" anchor="ctr"/>
+          <a:lstStyle/>
+          <a:p>
+            <a:pPr algn="ctr"/>
+            <a:r>
+              <a:rPr lang="en-US" sz="800" dirty="0">
+                <a:solidFill>
+                  <a:schemeClr val="tx1"/>
+                </a:solidFill>
+                <a:latin typeface="Poppins" panose="00000500000000000000" pitchFamily="2" charset="0"/>
+                <a:cs typeface="Poppins" panose="00000500000000000000" pitchFamily="2" charset="0"/>
+              </a:rPr>
+              <a:t>repo-2.js</a:t>
+            </a:r>
+          </a:p>
+        </p:txBody>
+      </p:sp>
+      <p:cxnSp>
+        <p:nvCxnSpPr>
+          <p:cNvPr id="48" name="Straight Connector 47">
+            <a:extLst>
+              <a:ext uri="{FF2B5EF4-FFF2-40B4-BE49-F238E27FC236}">
+                <a16:creationId xmlns:a16="http://schemas.microsoft.com/office/drawing/2014/main" id="{E3A053EE-587F-4435-8C3A-263E20951F44}"/>
+              </a:ext>
+            </a:extLst>
+          </p:cNvPr>
+          <p:cNvCxnSpPr>
+            <a:cxnSpLocks/>
+            <a:stCxn id="20" idx="2"/>
+          </p:cNvCxnSpPr>
+          <p:nvPr/>
+        </p:nvCxnSpPr>
+        <p:spPr>
+          <a:xfrm>
+            <a:off x="4059495" y="4436198"/>
+            <a:ext cx="0" cy="294520"/>
+          </a:xfrm>
+          <a:prstGeom prst="line">
+            <a:avLst/>
+          </a:prstGeom>
+        </p:spPr>
+        <p:style>
+          <a:lnRef idx="1">
+            <a:schemeClr val="dk1"/>
+          </a:lnRef>
+          <a:fillRef idx="0">
+            <a:schemeClr val="dk1"/>
+          </a:fillRef>
+          <a:effectRef idx="0">
+            <a:schemeClr val="dk1"/>
+          </a:effectRef>
+          <a:fontRef idx="minor">
+            <a:schemeClr val="tx1"/>
+          </a:fontRef>
+        </p:style>
+      </p:cxnSp>
+      <p:sp>
+        <p:nvSpPr>
+          <p:cNvPr id="52" name="Rectangle: Rounded Corners 51">
+            <a:extLst>
+              <a:ext uri="{FF2B5EF4-FFF2-40B4-BE49-F238E27FC236}">
+                <a16:creationId xmlns:a16="http://schemas.microsoft.com/office/drawing/2014/main" id="{2D913268-DAD5-4ACA-ADA3-81E82EF95A36}"/>
+              </a:ext>
+            </a:extLst>
+          </p:cNvPr>
+          <p:cNvSpPr/>
+          <p:nvPr/>
+        </p:nvSpPr>
+        <p:spPr>
+          <a:xfrm>
+            <a:off x="8390123" y="4730718"/>
+            <a:ext cx="933534" cy="623010"/>
+          </a:xfrm>
+          <a:prstGeom prst="roundRect">
+            <a:avLst/>
+          </a:prstGeom>
+          <a:solidFill>
+            <a:schemeClr val="bg1"/>
+          </a:solidFill>
+          <a:ln>
+            <a:solidFill>
+              <a:schemeClr val="tx1"/>
+            </a:solidFill>
+          </a:ln>
+        </p:spPr>
+        <p:style>
+          <a:lnRef idx="2">
+            <a:schemeClr val="accent1">
+              <a:shade val="50000"/>
+            </a:schemeClr>
+          </a:lnRef>
+          <a:fillRef idx="1">
+            <a:schemeClr val="accent1"/>
+          </a:fillRef>
+          <a:effectRef idx="0">
+            <a:schemeClr val="accent1"/>
+          </a:effectRef>
+          <a:fontRef idx="minor">
+            <a:schemeClr val="lt1"/>
+          </a:fontRef>
+        </p:style>
+        <p:txBody>
+          <a:bodyPr rtlCol="0" anchor="ctr"/>
+          <a:lstStyle/>
+          <a:p>
+            <a:pPr algn="ctr"/>
+            <a:r>
+              <a:rPr lang="en-US" sz="800" dirty="0">
+                <a:solidFill>
+                  <a:schemeClr val="tx1"/>
+                </a:solidFill>
+                <a:latin typeface="Poppins" panose="00000500000000000000" pitchFamily="2" charset="0"/>
+                <a:cs typeface="Poppins" panose="00000500000000000000" pitchFamily="2" charset="0"/>
+              </a:rPr>
+              <a:t>components</a:t>
+            </a:r>
+          </a:p>
+        </p:txBody>
+      </p:sp>
+      <p:sp>
+        <p:nvSpPr>
+          <p:cNvPr id="53" name="Rectangle: Rounded Corners 52">
+            <a:extLst>
+              <a:ext uri="{FF2B5EF4-FFF2-40B4-BE49-F238E27FC236}">
+                <a16:creationId xmlns:a16="http://schemas.microsoft.com/office/drawing/2014/main" id="{E8A84045-2306-4EDF-AA54-3C0AFEA59CD3}"/>
+              </a:ext>
+            </a:extLst>
+          </p:cNvPr>
+          <p:cNvSpPr/>
+          <p:nvPr/>
+        </p:nvSpPr>
+        <p:spPr>
+          <a:xfrm>
+            <a:off x="8397385" y="5502175"/>
+            <a:ext cx="933534" cy="623010"/>
+          </a:xfrm>
+          <a:prstGeom prst="roundRect">
+            <a:avLst/>
+          </a:prstGeom>
+          <a:solidFill>
+            <a:schemeClr val="bg1"/>
+          </a:solidFill>
+          <a:ln>
+            <a:solidFill>
+              <a:schemeClr val="tx1"/>
+            </a:solidFill>
+          </a:ln>
+        </p:spPr>
+        <p:style>
+          <a:lnRef idx="2">
+            <a:schemeClr val="accent1">
+              <a:shade val="50000"/>
+            </a:schemeClr>
+          </a:lnRef>
+          <a:fillRef idx="1">
+            <a:schemeClr val="accent1"/>
+          </a:fillRef>
+          <a:effectRef idx="0">
+            <a:schemeClr val="accent1"/>
+          </a:effectRef>
+          <a:fontRef idx="minor">
+            <a:schemeClr val="lt1"/>
+          </a:fontRef>
+        </p:style>
+        <p:txBody>
+          <a:bodyPr rtlCol="0" anchor="ctr"/>
+          <a:lstStyle/>
+          <a:p>
+            <a:pPr algn="ctr"/>
+            <a:r>
+              <a:rPr lang="en-US" sz="800" dirty="0">
+                <a:solidFill>
+                  <a:schemeClr val="tx1"/>
+                </a:solidFill>
+                <a:latin typeface="Poppins" panose="00000500000000000000" pitchFamily="2" charset="0"/>
+                <a:cs typeface="Poppins" panose="00000500000000000000" pitchFamily="2" charset="0"/>
+              </a:rPr>
+              <a:t>pages</a:t>
+            </a:r>
+          </a:p>
+        </p:txBody>
+      </p:sp>
+      <p:sp>
+        <p:nvSpPr>
+          <p:cNvPr id="54" name="Rectangle: Rounded Corners 53">
+            <a:extLst>
+              <a:ext uri="{FF2B5EF4-FFF2-40B4-BE49-F238E27FC236}">
+                <a16:creationId xmlns:a16="http://schemas.microsoft.com/office/drawing/2014/main" id="{0C1C5EF7-F5E0-4A5E-8729-A4D14B082749}"/>
+              </a:ext>
+            </a:extLst>
+          </p:cNvPr>
+          <p:cNvSpPr/>
+          <p:nvPr/>
+        </p:nvSpPr>
+        <p:spPr>
+          <a:xfrm>
+            <a:off x="7388414" y="4754528"/>
+            <a:ext cx="933534" cy="623010"/>
+          </a:xfrm>
+          <a:prstGeom prst="roundRect">
+            <a:avLst/>
+          </a:prstGeom>
+          <a:solidFill>
+            <a:schemeClr val="bg1"/>
+          </a:solidFill>
+          <a:ln>
+            <a:solidFill>
+              <a:schemeClr val="tx1"/>
+            </a:solidFill>
+          </a:ln>
+        </p:spPr>
+        <p:style>
+          <a:lnRef idx="2">
+            <a:schemeClr val="accent1">
+              <a:shade val="50000"/>
+            </a:schemeClr>
+          </a:lnRef>
+          <a:fillRef idx="1">
+            <a:schemeClr val="accent1"/>
+          </a:fillRef>
+          <a:effectRef idx="0">
+            <a:schemeClr val="accent1"/>
+          </a:effectRef>
+          <a:fontRef idx="minor">
+            <a:schemeClr val="lt1"/>
+          </a:fontRef>
+        </p:style>
+        <p:txBody>
+          <a:bodyPr rtlCol="0" anchor="ctr"/>
+          <a:lstStyle/>
+          <a:p>
+            <a:pPr algn="ctr"/>
+            <a:r>
+              <a:rPr lang="en-US" sz="800" dirty="0">
+                <a:solidFill>
+                  <a:schemeClr val="tx1"/>
+                </a:solidFill>
+                <a:latin typeface="Poppins" panose="00000500000000000000" pitchFamily="2" charset="0"/>
+                <a:cs typeface="Poppins" panose="00000500000000000000" pitchFamily="2" charset="0"/>
+              </a:rPr>
+              <a:t>layout.js</a:t>
+            </a:r>
+          </a:p>
+        </p:txBody>
+      </p:sp>
+      <p:sp>
+        <p:nvSpPr>
+          <p:cNvPr id="55" name="Rectangle: Rounded Corners 54">
+            <a:extLst>
+              <a:ext uri="{FF2B5EF4-FFF2-40B4-BE49-F238E27FC236}">
+                <a16:creationId xmlns:a16="http://schemas.microsoft.com/office/drawing/2014/main" id="{ACE76529-192A-4583-A50E-B4FB02D1FE0A}"/>
+              </a:ext>
+            </a:extLst>
+          </p:cNvPr>
+          <p:cNvSpPr/>
+          <p:nvPr/>
+        </p:nvSpPr>
+        <p:spPr>
+          <a:xfrm>
+            <a:off x="7395676" y="5525985"/>
+            <a:ext cx="933534" cy="623010"/>
+          </a:xfrm>
+          <a:prstGeom prst="roundRect">
+            <a:avLst/>
+          </a:prstGeom>
+          <a:solidFill>
+            <a:schemeClr val="bg1"/>
+          </a:solidFill>
+          <a:ln>
+            <a:solidFill>
+              <a:schemeClr val="tx1"/>
+            </a:solidFill>
+          </a:ln>
+        </p:spPr>
+        <p:style>
+          <a:lnRef idx="2">
+            <a:schemeClr val="accent1">
+              <a:shade val="50000"/>
+            </a:schemeClr>
+          </a:lnRef>
+          <a:fillRef idx="1">
+            <a:schemeClr val="accent1"/>
+          </a:fillRef>
+          <a:effectRef idx="0">
+            <a:schemeClr val="accent1"/>
+          </a:effectRef>
+          <a:fontRef idx="minor">
+            <a:schemeClr val="lt1"/>
+          </a:fontRef>
+        </p:style>
+        <p:txBody>
+          <a:bodyPr rtlCol="0" anchor="ctr"/>
+          <a:lstStyle/>
+          <a:p>
+            <a:pPr algn="ctr"/>
+            <a:r>
+              <a:rPr lang="en-US" sz="800" dirty="0">
+                <a:solidFill>
+                  <a:schemeClr val="tx1"/>
+                </a:solidFill>
+                <a:latin typeface="Poppins" panose="00000500000000000000" pitchFamily="2" charset="0"/>
+                <a:cs typeface="Poppins" panose="00000500000000000000" pitchFamily="2" charset="0"/>
+              </a:rPr>
+              <a:t>navbar.js</a:t>
+            </a:r>
+          </a:p>
+        </p:txBody>
+      </p:sp>
+      <p:cxnSp>
+        <p:nvCxnSpPr>
+          <p:cNvPr id="58" name="Straight Connector 57">
+            <a:extLst>
+              <a:ext uri="{FF2B5EF4-FFF2-40B4-BE49-F238E27FC236}">
+                <a16:creationId xmlns:a16="http://schemas.microsoft.com/office/drawing/2014/main" id="{F080A66B-D3A9-4ED4-8FFC-9E0310E0EC45}"/>
+              </a:ext>
+            </a:extLst>
+          </p:cNvPr>
+          <p:cNvCxnSpPr>
+            <a:cxnSpLocks/>
+          </p:cNvCxnSpPr>
+          <p:nvPr/>
+        </p:nvCxnSpPr>
+        <p:spPr>
+          <a:xfrm flipH="1">
+            <a:off x="8345141" y="4436199"/>
+            <a:ext cx="1644" cy="318329"/>
+          </a:xfrm>
+          <a:prstGeom prst="line">
+            <a:avLst/>
+          </a:prstGeom>
+        </p:spPr>
+        <p:style>
+          <a:lnRef idx="1">
+            <a:schemeClr val="dk1"/>
+          </a:lnRef>
+          <a:fillRef idx="0">
+            <a:schemeClr val="dk1"/>
+          </a:fillRef>
+          <a:effectRef idx="0">
+            <a:schemeClr val="dk1"/>
+          </a:effectRef>
+          <a:fontRef idx="minor">
+            <a:schemeClr val="tx1"/>
+          </a:fontRef>
+        </p:style>
+      </p:cxnSp>
+    </p:spTree>
+    <p:extLst>
+      <p:ext uri="{BB962C8B-B14F-4D97-AF65-F5344CB8AC3E}">
+        <p14:creationId xmlns:p14="http://schemas.microsoft.com/office/powerpoint/2010/main" val="2033183129"/>
+      </p:ext>
+    </p:extLst>
+  </p:cSld>
+  <p:clrMapOvr>
+    <a:masterClrMapping/>
+  </p:clrMapOvr>
+</p:sld>
+</file>
+
+<file path=ppt/slides/slide7.xml><?xml version="1.0" encoding="utf-8"?>
+<p:sld xmlns:a="http://schemas.openxmlformats.org/drawingml/2006/main" xmlns:r="http://schemas.openxmlformats.org/officeDocument/2006/relationships" xmlns:p="http://schemas.openxmlformats.org/presentationml/2006/main">
+  <p:cSld>
+    <p:spTree>
+      <p:nvGrpSpPr>
+        <p:cNvPr id="1" name=""/>
+        <p:cNvGrpSpPr/>
+        <p:nvPr/>
+      </p:nvGrpSpPr>
+      <p:grpSpPr>
+        <a:xfrm>
+          <a:off x="0" y="0"/>
+          <a:ext cx="0" cy="0"/>
+          <a:chOff x="0" y="0"/>
+          <a:chExt cx="0" cy="0"/>
+        </a:xfrm>
+      </p:grpSpPr>
+      <p:sp>
+        <p:nvSpPr>
+          <p:cNvPr id="2" name="TextBox 1">
+            <a:extLst>
+              <a:ext uri="{FF2B5EF4-FFF2-40B4-BE49-F238E27FC236}">
+                <a16:creationId xmlns:a16="http://schemas.microsoft.com/office/drawing/2014/main" id="{9BF36C0B-7AA0-427A-8F9E-A41FB4F242EA}"/>
+              </a:ext>
+            </a:extLst>
+          </p:cNvPr>
+          <p:cNvSpPr txBox="1"/>
+          <p:nvPr/>
+        </p:nvSpPr>
+        <p:spPr>
+          <a:xfrm>
+            <a:off x="770950" y="377376"/>
+            <a:ext cx="886781" cy="338554"/>
+          </a:xfrm>
+          <a:prstGeom prst="rect">
+            <a:avLst/>
+          </a:prstGeom>
+          <a:noFill/>
+        </p:spPr>
+        <p:txBody>
+          <a:bodyPr wrap="none" rtlCol="0">
+            <a:spAutoFit/>
+          </a:bodyPr>
+          <a:lstStyle/>
+          <a:p>
+            <a:r>
+              <a:rPr lang="en-US" sz="1600" dirty="0">
+                <a:latin typeface="Poppins" panose="00000500000000000000" pitchFamily="2" charset="0"/>
+                <a:cs typeface="Poppins" panose="00000500000000000000" pitchFamily="2" charset="0"/>
+              </a:rPr>
+              <a:t>Benefit</a:t>
+            </a:r>
+          </a:p>
+        </p:txBody>
+      </p:sp>
+      <p:pic>
+        <p:nvPicPr>
+          <p:cNvPr id="3" name="Picture 2">
+            <a:extLst>
+              <a:ext uri="{FF2B5EF4-FFF2-40B4-BE49-F238E27FC236}">
+                <a16:creationId xmlns:a16="http://schemas.microsoft.com/office/drawing/2014/main" id="{F81DE99A-B36B-485C-BFDE-0A0FD0673777}"/>
+              </a:ext>
+            </a:extLst>
+          </p:cNvPr>
+          <p:cNvPicPr>
+            <a:picLocks noChangeAspect="1"/>
+          </p:cNvPicPr>
+          <p:nvPr/>
+        </p:nvPicPr>
+        <p:blipFill>
+          <a:blip r:embed="rId2">
+            <a:extLst>
+              <a:ext uri="{28A0092B-C50C-407E-A947-70E740481C1C}">
+                <a14:useLocalDpi xmlns:a14="http://schemas.microsoft.com/office/drawing/2010/main" val="0"/>
+              </a:ext>
+            </a:extLst>
+          </a:blip>
+          <a:stretch>
+            <a:fillRect/>
+          </a:stretch>
+        </p:blipFill>
+        <p:spPr>
+          <a:xfrm>
+            <a:off x="1214340" y="1352717"/>
+            <a:ext cx="5646420" cy="1868301"/>
+          </a:xfrm>
+          <a:prstGeom prst="rect">
+            <a:avLst/>
+          </a:prstGeom>
+        </p:spPr>
+      </p:pic>
+      <p:pic>
+        <p:nvPicPr>
+          <p:cNvPr id="5" name="Picture 4">
+            <a:extLst>
+              <a:ext uri="{FF2B5EF4-FFF2-40B4-BE49-F238E27FC236}">
+                <a16:creationId xmlns:a16="http://schemas.microsoft.com/office/drawing/2014/main" id="{B8D5EE0F-069F-4893-94D4-7F49AC7C027C}"/>
+              </a:ext>
+            </a:extLst>
+          </p:cNvPr>
+          <p:cNvPicPr>
+            <a:picLocks noChangeAspect="1"/>
+          </p:cNvPicPr>
+          <p:nvPr/>
+        </p:nvPicPr>
+        <p:blipFill>
+          <a:blip r:embed="rId3">
+            <a:extLst>
+              <a:ext uri="{28A0092B-C50C-407E-A947-70E740481C1C}">
+                <a14:useLocalDpi xmlns:a14="http://schemas.microsoft.com/office/drawing/2010/main" val="0"/>
+              </a:ext>
+            </a:extLst>
+          </a:blip>
+          <a:stretch>
+            <a:fillRect/>
+          </a:stretch>
+        </p:blipFill>
+        <p:spPr>
+          <a:xfrm>
+            <a:off x="5730240" y="3429000"/>
+            <a:ext cx="5753100" cy="1734391"/>
+          </a:xfrm>
+          <a:prstGeom prst="rect">
+            <a:avLst/>
+          </a:prstGeom>
+        </p:spPr>
+      </p:pic>
+      <p:sp>
+        <p:nvSpPr>
+          <p:cNvPr id="6" name="TextBox 5">
+            <a:extLst>
+              <a:ext uri="{FF2B5EF4-FFF2-40B4-BE49-F238E27FC236}">
+                <a16:creationId xmlns:a16="http://schemas.microsoft.com/office/drawing/2014/main" id="{1A7218AD-D11D-4AB8-AD06-1BDF2204B8DE}"/>
+              </a:ext>
+            </a:extLst>
+          </p:cNvPr>
+          <p:cNvSpPr txBox="1"/>
+          <p:nvPr/>
+        </p:nvSpPr>
+        <p:spPr>
+          <a:xfrm>
+            <a:off x="1267680" y="1013930"/>
+            <a:ext cx="3514274" cy="261610"/>
+          </a:xfrm>
+          <a:prstGeom prst="rect">
+            <a:avLst/>
+          </a:prstGeom>
+          <a:noFill/>
+        </p:spPr>
+        <p:txBody>
+          <a:bodyPr wrap="square" rtlCol="0">
+            <a:spAutoFit/>
+          </a:bodyPr>
+          <a:lstStyle/>
+          <a:p>
+            <a:r>
+              <a:rPr lang="en-US" sz="1100" dirty="0" err="1">
+                <a:latin typeface="Poppins" panose="00000500000000000000" pitchFamily="2" charset="0"/>
+                <a:cs typeface="Poppins" panose="00000500000000000000" pitchFamily="2" charset="0"/>
+              </a:rPr>
+              <a:t>Daripada</a:t>
+            </a:r>
+            <a:r>
+              <a:rPr lang="en-US" sz="1100" dirty="0">
+                <a:latin typeface="Poppins" panose="00000500000000000000" pitchFamily="2" charset="0"/>
+                <a:cs typeface="Poppins" panose="00000500000000000000" pitchFamily="2" charset="0"/>
+              </a:rPr>
+              <a:t> </a:t>
+            </a:r>
+            <a:r>
+              <a:rPr lang="en-US" sz="1100" dirty="0" err="1">
+                <a:latin typeface="Poppins" panose="00000500000000000000" pitchFamily="2" charset="0"/>
+                <a:cs typeface="Poppins" panose="00000500000000000000" pitchFamily="2" charset="0"/>
+              </a:rPr>
+              <a:t>menjalankan</a:t>
+            </a:r>
+            <a:r>
+              <a:rPr lang="en-US" sz="1100" dirty="0">
+                <a:latin typeface="Poppins" panose="00000500000000000000" pitchFamily="2" charset="0"/>
+                <a:cs typeface="Poppins" panose="00000500000000000000" pitchFamily="2" charset="0"/>
+              </a:rPr>
+              <a:t> </a:t>
+            </a:r>
+            <a:r>
+              <a:rPr lang="en-US" sz="1100" dirty="0" err="1">
+                <a:latin typeface="Poppins" panose="00000500000000000000" pitchFamily="2" charset="0"/>
+                <a:cs typeface="Poppins" panose="00000500000000000000" pitchFamily="2" charset="0"/>
+              </a:rPr>
+              <a:t>kesemua</a:t>
+            </a:r>
+            <a:r>
+              <a:rPr lang="en-US" sz="1100" dirty="0">
+                <a:latin typeface="Poppins" panose="00000500000000000000" pitchFamily="2" charset="0"/>
+                <a:cs typeface="Poppins" panose="00000500000000000000" pitchFamily="2" charset="0"/>
+              </a:rPr>
+              <a:t> file </a:t>
+            </a:r>
+            <a:r>
+              <a:rPr lang="en-US" sz="1100" dirty="0" err="1">
+                <a:latin typeface="Poppins" panose="00000500000000000000" pitchFamily="2" charset="0"/>
+                <a:cs typeface="Poppins" panose="00000500000000000000" pitchFamily="2" charset="0"/>
+              </a:rPr>
+              <a:t>satu-satu</a:t>
+            </a:r>
+            <a:endParaRPr lang="en-US" sz="1100" dirty="0">
+              <a:latin typeface="Poppins" panose="00000500000000000000" pitchFamily="2" charset="0"/>
+              <a:cs typeface="Poppins" panose="00000500000000000000" pitchFamily="2" charset="0"/>
+            </a:endParaRPr>
+          </a:p>
+        </p:txBody>
+      </p:sp>
+      <p:sp>
+        <p:nvSpPr>
+          <p:cNvPr id="8" name="TextBox 7">
+            <a:extLst>
+              <a:ext uri="{FF2B5EF4-FFF2-40B4-BE49-F238E27FC236}">
+                <a16:creationId xmlns:a16="http://schemas.microsoft.com/office/drawing/2014/main" id="{F557A25C-CCD3-47FC-AE82-DBDA4F771213}"/>
+              </a:ext>
+            </a:extLst>
+          </p:cNvPr>
+          <p:cNvSpPr txBox="1"/>
+          <p:nvPr/>
+        </p:nvSpPr>
+        <p:spPr>
+          <a:xfrm>
+            <a:off x="2280413" y="4100538"/>
+            <a:ext cx="3514274" cy="600164"/>
+          </a:xfrm>
+          <a:prstGeom prst="rect">
+            <a:avLst/>
+          </a:prstGeom>
+          <a:noFill/>
+        </p:spPr>
+        <p:txBody>
+          <a:bodyPr wrap="square" rtlCol="0">
+            <a:spAutoFit/>
+          </a:bodyPr>
+          <a:lstStyle/>
+          <a:p>
+            <a:r>
+              <a:rPr lang="en-US" sz="1100" dirty="0" err="1">
+                <a:latin typeface="Poppins" panose="00000500000000000000" pitchFamily="2" charset="0"/>
+                <a:cs typeface="Poppins" panose="00000500000000000000" pitchFamily="2" charset="0"/>
+              </a:rPr>
+              <a:t>Lebih</a:t>
+            </a:r>
+            <a:r>
+              <a:rPr lang="en-US" sz="1100" dirty="0">
+                <a:latin typeface="Poppins" panose="00000500000000000000" pitchFamily="2" charset="0"/>
+                <a:cs typeface="Poppins" panose="00000500000000000000" pitchFamily="2" charset="0"/>
+              </a:rPr>
+              <a:t> </a:t>
+            </a:r>
+            <a:r>
+              <a:rPr lang="en-US" sz="1100" dirty="0" err="1">
+                <a:latin typeface="Poppins" panose="00000500000000000000" pitchFamily="2" charset="0"/>
+                <a:cs typeface="Poppins" panose="00000500000000000000" pitchFamily="2" charset="0"/>
+              </a:rPr>
+              <a:t>baik</a:t>
+            </a:r>
+            <a:r>
+              <a:rPr lang="en-US" sz="1100" dirty="0">
+                <a:latin typeface="Poppins" panose="00000500000000000000" pitchFamily="2" charset="0"/>
+                <a:cs typeface="Poppins" panose="00000500000000000000" pitchFamily="2" charset="0"/>
+              </a:rPr>
+              <a:t> </a:t>
+            </a:r>
+            <a:r>
+              <a:rPr lang="en-US" sz="1100" dirty="0" err="1">
+                <a:latin typeface="Poppins" panose="00000500000000000000" pitchFamily="2" charset="0"/>
+                <a:cs typeface="Poppins" panose="00000500000000000000" pitchFamily="2" charset="0"/>
+              </a:rPr>
+              <a:t>jalankan</a:t>
+            </a:r>
+            <a:r>
+              <a:rPr lang="en-US" sz="1100" dirty="0">
+                <a:latin typeface="Poppins" panose="00000500000000000000" pitchFamily="2" charset="0"/>
+                <a:cs typeface="Poppins" panose="00000500000000000000" pitchFamily="2" charset="0"/>
+              </a:rPr>
+              <a:t> </a:t>
+            </a:r>
+            <a:r>
+              <a:rPr lang="en-US" sz="1100" dirty="0" err="1">
+                <a:latin typeface="Poppins" panose="00000500000000000000" pitchFamily="2" charset="0"/>
+                <a:cs typeface="Poppins" panose="00000500000000000000" pitchFamily="2" charset="0"/>
+              </a:rPr>
+              <a:t>satu</a:t>
+            </a:r>
+            <a:r>
+              <a:rPr lang="en-US" sz="1100" dirty="0">
+                <a:latin typeface="Poppins" panose="00000500000000000000" pitchFamily="2" charset="0"/>
+                <a:cs typeface="Poppins" panose="00000500000000000000" pitchFamily="2" charset="0"/>
+              </a:rPr>
+              <a:t> file, </a:t>
+            </a:r>
+            <a:r>
+              <a:rPr lang="en-US" sz="1100" dirty="0" err="1">
+                <a:latin typeface="Poppins" panose="00000500000000000000" pitchFamily="2" charset="0"/>
+                <a:cs typeface="Poppins" panose="00000500000000000000" pitchFamily="2" charset="0"/>
+              </a:rPr>
+              <a:t>namun</a:t>
+            </a:r>
+            <a:r>
+              <a:rPr lang="en-US" sz="1100" dirty="0">
+                <a:latin typeface="Poppins" panose="00000500000000000000" pitchFamily="2" charset="0"/>
+                <a:cs typeface="Poppins" panose="00000500000000000000" pitchFamily="2" charset="0"/>
+              </a:rPr>
+              <a:t> di </a:t>
+            </a:r>
+            <a:r>
+              <a:rPr lang="en-US" sz="1100" dirty="0" err="1">
+                <a:latin typeface="Poppins" panose="00000500000000000000" pitchFamily="2" charset="0"/>
+                <a:cs typeface="Poppins" panose="00000500000000000000" pitchFamily="2" charset="0"/>
+              </a:rPr>
+              <a:t>dalam</a:t>
+            </a:r>
+            <a:r>
+              <a:rPr lang="en-US" sz="1100" dirty="0">
+                <a:latin typeface="Poppins" panose="00000500000000000000" pitchFamily="2" charset="0"/>
+                <a:cs typeface="Poppins" panose="00000500000000000000" pitchFamily="2" charset="0"/>
+              </a:rPr>
+              <a:t> </a:t>
+            </a:r>
+            <a:r>
+              <a:rPr lang="en-US" sz="1100" dirty="0" err="1">
+                <a:latin typeface="Poppins" panose="00000500000000000000" pitchFamily="2" charset="0"/>
+                <a:cs typeface="Poppins" panose="00000500000000000000" pitchFamily="2" charset="0"/>
+              </a:rPr>
+              <a:t>satu</a:t>
+            </a:r>
+            <a:r>
+              <a:rPr lang="en-US" sz="1100" dirty="0">
+                <a:latin typeface="Poppins" panose="00000500000000000000" pitchFamily="2" charset="0"/>
+                <a:cs typeface="Poppins" panose="00000500000000000000" pitchFamily="2" charset="0"/>
+              </a:rPr>
+              <a:t> file </a:t>
+            </a:r>
+            <a:r>
+              <a:rPr lang="en-US" sz="1100" dirty="0" err="1">
+                <a:latin typeface="Poppins" panose="00000500000000000000" pitchFamily="2" charset="0"/>
+                <a:cs typeface="Poppins" panose="00000500000000000000" pitchFamily="2" charset="0"/>
+              </a:rPr>
+              <a:t>tsb</a:t>
+            </a:r>
+            <a:r>
+              <a:rPr lang="en-US" sz="1100" dirty="0">
+                <a:latin typeface="Poppins" panose="00000500000000000000" pitchFamily="2" charset="0"/>
+                <a:cs typeface="Poppins" panose="00000500000000000000" pitchFamily="2" charset="0"/>
+              </a:rPr>
+              <a:t> </a:t>
+            </a:r>
+            <a:r>
+              <a:rPr lang="en-US" sz="1100" dirty="0" err="1">
+                <a:latin typeface="Poppins" panose="00000500000000000000" pitchFamily="2" charset="0"/>
+                <a:cs typeface="Poppins" panose="00000500000000000000" pitchFamily="2" charset="0"/>
+              </a:rPr>
+              <a:t>merepresentasikan</a:t>
+            </a:r>
+            <a:r>
+              <a:rPr lang="en-US" sz="1100" dirty="0">
+                <a:latin typeface="Poppins" panose="00000500000000000000" pitchFamily="2" charset="0"/>
+                <a:cs typeface="Poppins" panose="00000500000000000000" pitchFamily="2" charset="0"/>
+              </a:rPr>
+              <a:t> </a:t>
+            </a:r>
+            <a:r>
+              <a:rPr lang="en-US" sz="1100" dirty="0" err="1">
+                <a:latin typeface="Poppins" panose="00000500000000000000" pitchFamily="2" charset="0"/>
+                <a:cs typeface="Poppins" panose="00000500000000000000" pitchFamily="2" charset="0"/>
+              </a:rPr>
+              <a:t>keselurahan</a:t>
+            </a:r>
+            <a:r>
+              <a:rPr lang="en-US" sz="1100" dirty="0">
+                <a:latin typeface="Poppins" panose="00000500000000000000" pitchFamily="2" charset="0"/>
+                <a:cs typeface="Poppins" panose="00000500000000000000" pitchFamily="2" charset="0"/>
+              </a:rPr>
+              <a:t> file</a:t>
+            </a:r>
+          </a:p>
+        </p:txBody>
+      </p:sp>
+      <p:sp>
+        <p:nvSpPr>
+          <p:cNvPr id="9" name="TextBox 8">
+            <a:extLst>
+              <a:ext uri="{FF2B5EF4-FFF2-40B4-BE49-F238E27FC236}">
+                <a16:creationId xmlns:a16="http://schemas.microsoft.com/office/drawing/2014/main" id="{69307CE7-EBD1-40EC-9699-B8293F2C086E}"/>
+              </a:ext>
+            </a:extLst>
+          </p:cNvPr>
+          <p:cNvSpPr txBox="1"/>
+          <p:nvPr/>
+        </p:nvSpPr>
+        <p:spPr>
+          <a:xfrm>
+            <a:off x="523276" y="6349819"/>
+            <a:ext cx="2334224" cy="246221"/>
+          </a:xfrm>
+          <a:prstGeom prst="rect">
+            <a:avLst/>
+          </a:prstGeom>
+          <a:noFill/>
+        </p:spPr>
+        <p:txBody>
+          <a:bodyPr wrap="square" rtlCol="0">
+            <a:spAutoFit/>
+          </a:bodyPr>
+          <a:lstStyle/>
+          <a:p>
+            <a:r>
+              <a:rPr lang="en-US" sz="1000" i="1" dirty="0">
+                <a:latin typeface="Poppins" panose="00000500000000000000" pitchFamily="2" charset="0"/>
+                <a:cs typeface="Poppins" panose="00000500000000000000" pitchFamily="2" charset="0"/>
+              </a:rPr>
+              <a:t>“Make your module reusable”</a:t>
+            </a:r>
+          </a:p>
+        </p:txBody>
+      </p:sp>
+    </p:spTree>
+    <p:extLst>
+      <p:ext uri="{BB962C8B-B14F-4D97-AF65-F5344CB8AC3E}">
+        <p14:creationId xmlns:p14="http://schemas.microsoft.com/office/powerpoint/2010/main" val="3845266324"/>
+      </p:ext>
+    </p:extLst>
+  </p:cSld>
+  <p:clrMapOvr>
+    <a:masterClrMapping/>
+  </p:clrMapOvr>
+</p:sld>
+</file>
+
+<file path=ppt/slides/slide8.xml><?xml version="1.0" encoding="utf-8"?>
+<p:sld xmlns:a="http://schemas.openxmlformats.org/drawingml/2006/main" xmlns:r="http://schemas.openxmlformats.org/officeDocument/2006/relationships" xmlns:p="http://schemas.openxmlformats.org/presentationml/2006/main">
+  <p:cSld>
+    <p:spTree>
+      <p:nvGrpSpPr>
+        <p:cNvPr id="1" name=""/>
+        <p:cNvGrpSpPr/>
+        <p:nvPr/>
+      </p:nvGrpSpPr>
+      <p:grpSpPr>
+        <a:xfrm>
+          <a:off x="0" y="0"/>
+          <a:ext cx="0" cy="0"/>
+          <a:chOff x="0" y="0"/>
+          <a:chExt cx="0" cy="0"/>
+        </a:xfrm>
+      </p:grpSpPr>
+      <p:sp>
+        <p:nvSpPr>
           <p:cNvPr id="3" name="TextBox 2">
             <a:extLst>
               <a:ext uri="{FF2B5EF4-FFF2-40B4-BE49-F238E27FC236}">

--- a/march/week-1/meeting-3/PPT.pptx
+++ b/march/week-1/meeting-3/PPT.pptx
@@ -6,13 +6,14 @@
   </p:sldMasterIdLst>
   <p:sldIdLst>
     <p:sldId id="256" r:id="rId2"/>
-    <p:sldId id="257" r:id="rId3"/>
-    <p:sldId id="258" r:id="rId4"/>
-    <p:sldId id="259" r:id="rId5"/>
-    <p:sldId id="268" r:id="rId6"/>
-    <p:sldId id="269" r:id="rId7"/>
-    <p:sldId id="270" r:id="rId8"/>
-    <p:sldId id="267" r:id="rId9"/>
+    <p:sldId id="271" r:id="rId3"/>
+    <p:sldId id="257" r:id="rId4"/>
+    <p:sldId id="258" r:id="rId5"/>
+    <p:sldId id="259" r:id="rId6"/>
+    <p:sldId id="268" r:id="rId7"/>
+    <p:sldId id="269" r:id="rId8"/>
+    <p:sldId id="270" r:id="rId9"/>
+    <p:sldId id="267" r:id="rId10"/>
   </p:sldIdLst>
   <p:sldSz cx="12192000" cy="6858000"/>
   <p:notesSz cx="6858000" cy="9144000"/>
@@ -266,7 +267,7 @@
           <a:p>
             <a:fld id="{2F4DA9B3-DF99-4495-91F7-D4A32634DDC1}" type="datetimeFigureOut">
               <a:rPr lang="en-US" smtClean="0"/>
-              <a:t>3/3/2022</a:t>
+              <a:t>3/6/2022</a:t>
             </a:fld>
             <a:endParaRPr lang="en-US"/>
           </a:p>
@@ -464,7 +465,7 @@
           <a:p>
             <a:fld id="{2F4DA9B3-DF99-4495-91F7-D4A32634DDC1}" type="datetimeFigureOut">
               <a:rPr lang="en-US" smtClean="0"/>
-              <a:t>3/3/2022</a:t>
+              <a:t>3/6/2022</a:t>
             </a:fld>
             <a:endParaRPr lang="en-US"/>
           </a:p>
@@ -672,7 +673,7 @@
           <a:p>
             <a:fld id="{2F4DA9B3-DF99-4495-91F7-D4A32634DDC1}" type="datetimeFigureOut">
               <a:rPr lang="en-US" smtClean="0"/>
-              <a:t>3/3/2022</a:t>
+              <a:t>3/6/2022</a:t>
             </a:fld>
             <a:endParaRPr lang="en-US"/>
           </a:p>
@@ -870,7 +871,7 @@
           <a:p>
             <a:fld id="{2F4DA9B3-DF99-4495-91F7-D4A32634DDC1}" type="datetimeFigureOut">
               <a:rPr lang="en-US" smtClean="0"/>
-              <a:t>3/3/2022</a:t>
+              <a:t>3/6/2022</a:t>
             </a:fld>
             <a:endParaRPr lang="en-US"/>
           </a:p>
@@ -1145,7 +1146,7 @@
           <a:p>
             <a:fld id="{2F4DA9B3-DF99-4495-91F7-D4A32634DDC1}" type="datetimeFigureOut">
               <a:rPr lang="en-US" smtClean="0"/>
-              <a:t>3/3/2022</a:t>
+              <a:t>3/6/2022</a:t>
             </a:fld>
             <a:endParaRPr lang="en-US"/>
           </a:p>
@@ -1410,7 +1411,7 @@
           <a:p>
             <a:fld id="{2F4DA9B3-DF99-4495-91F7-D4A32634DDC1}" type="datetimeFigureOut">
               <a:rPr lang="en-US" smtClean="0"/>
-              <a:t>3/3/2022</a:t>
+              <a:t>3/6/2022</a:t>
             </a:fld>
             <a:endParaRPr lang="en-US"/>
           </a:p>
@@ -1822,7 +1823,7 @@
           <a:p>
             <a:fld id="{2F4DA9B3-DF99-4495-91F7-D4A32634DDC1}" type="datetimeFigureOut">
               <a:rPr lang="en-US" smtClean="0"/>
-              <a:t>3/3/2022</a:t>
+              <a:t>3/6/2022</a:t>
             </a:fld>
             <a:endParaRPr lang="en-US"/>
           </a:p>
@@ -1963,7 +1964,7 @@
           <a:p>
             <a:fld id="{2F4DA9B3-DF99-4495-91F7-D4A32634DDC1}" type="datetimeFigureOut">
               <a:rPr lang="en-US" smtClean="0"/>
-              <a:t>3/3/2022</a:t>
+              <a:t>3/6/2022</a:t>
             </a:fld>
             <a:endParaRPr lang="en-US"/>
           </a:p>
@@ -2076,7 +2077,7 @@
           <a:p>
             <a:fld id="{2F4DA9B3-DF99-4495-91F7-D4A32634DDC1}" type="datetimeFigureOut">
               <a:rPr lang="en-US" smtClean="0"/>
-              <a:t>3/3/2022</a:t>
+              <a:t>3/6/2022</a:t>
             </a:fld>
             <a:endParaRPr lang="en-US"/>
           </a:p>
@@ -2387,7 +2388,7 @@
           <a:p>
             <a:fld id="{2F4DA9B3-DF99-4495-91F7-D4A32634DDC1}" type="datetimeFigureOut">
               <a:rPr lang="en-US" smtClean="0"/>
-              <a:t>3/3/2022</a:t>
+              <a:t>3/6/2022</a:t>
             </a:fld>
             <a:endParaRPr lang="en-US"/>
           </a:p>
@@ -2675,7 +2676,7 @@
           <a:p>
             <a:fld id="{2F4DA9B3-DF99-4495-91F7-D4A32634DDC1}" type="datetimeFigureOut">
               <a:rPr lang="en-US" smtClean="0"/>
-              <a:t>3/3/2022</a:t>
+              <a:t>3/6/2022</a:t>
             </a:fld>
             <a:endParaRPr lang="en-US"/>
           </a:p>
@@ -2916,7 +2917,7 @@
           <a:p>
             <a:fld id="{2F4DA9B3-DF99-4495-91F7-D4A32634DDC1}" type="datetimeFigureOut">
               <a:rPr lang="en-US" smtClean="0"/>
-              <a:t>3/3/2022</a:t>
+              <a:t>3/6/2022</a:t>
             </a:fld>
             <a:endParaRPr lang="en-US"/>
           </a:p>
@@ -3501,6 +3502,484 @@
           <a:chExt cx="0" cy="0"/>
         </a:xfrm>
       </p:grpSpPr>
+      <p:sp>
+        <p:nvSpPr>
+          <p:cNvPr id="2" name="Rectangle: Rounded Corners 1">
+            <a:extLst>
+              <a:ext uri="{FF2B5EF4-FFF2-40B4-BE49-F238E27FC236}">
+                <a16:creationId xmlns:a16="http://schemas.microsoft.com/office/drawing/2014/main" id="{6C0C50A6-1AFD-417B-8F90-EB94D2847C57}"/>
+              </a:ext>
+            </a:extLst>
+          </p:cNvPr>
+          <p:cNvSpPr/>
+          <p:nvPr/>
+        </p:nvSpPr>
+        <p:spPr>
+          <a:xfrm>
+            <a:off x="3313989" y="1963393"/>
+            <a:ext cx="1423280" cy="977071"/>
+          </a:xfrm>
+          <a:prstGeom prst="roundRect">
+            <a:avLst/>
+          </a:prstGeom>
+          <a:solidFill>
+            <a:schemeClr val="bg1"/>
+          </a:solidFill>
+          <a:ln>
+            <a:solidFill>
+              <a:schemeClr val="tx1"/>
+            </a:solidFill>
+          </a:ln>
+        </p:spPr>
+        <p:style>
+          <a:lnRef idx="2">
+            <a:schemeClr val="accent1">
+              <a:shade val="50000"/>
+            </a:schemeClr>
+          </a:lnRef>
+          <a:fillRef idx="1">
+            <a:schemeClr val="accent1"/>
+          </a:fillRef>
+          <a:effectRef idx="0">
+            <a:schemeClr val="accent1"/>
+          </a:effectRef>
+          <a:fontRef idx="minor">
+            <a:schemeClr val="lt1"/>
+          </a:fontRef>
+        </p:style>
+        <p:txBody>
+          <a:bodyPr rtlCol="0" anchor="ctr"/>
+          <a:lstStyle/>
+          <a:p>
+            <a:pPr algn="ctr"/>
+            <a:r>
+              <a:rPr lang="en-US" sz="1000" dirty="0" err="1">
+                <a:solidFill>
+                  <a:schemeClr val="tx1"/>
+                </a:solidFill>
+                <a:latin typeface="Poppins" panose="00000500000000000000" pitchFamily="2" charset="0"/>
+                <a:cs typeface="Poppins" panose="00000500000000000000" pitchFamily="2" charset="0"/>
+              </a:rPr>
+              <a:t>javascript</a:t>
+            </a:r>
+            <a:endParaRPr lang="en-US" sz="1000" dirty="0">
+              <a:solidFill>
+                <a:schemeClr val="tx1"/>
+              </a:solidFill>
+              <a:latin typeface="Poppins" panose="00000500000000000000" pitchFamily="2" charset="0"/>
+              <a:cs typeface="Poppins" panose="00000500000000000000" pitchFamily="2" charset="0"/>
+            </a:endParaRPr>
+          </a:p>
+        </p:txBody>
+      </p:sp>
+      <p:sp>
+        <p:nvSpPr>
+          <p:cNvPr id="3" name="Rectangle: Rounded Corners 2">
+            <a:extLst>
+              <a:ext uri="{FF2B5EF4-FFF2-40B4-BE49-F238E27FC236}">
+                <a16:creationId xmlns:a16="http://schemas.microsoft.com/office/drawing/2014/main" id="{32C32362-8F11-4B35-8349-FEC9FC362315}"/>
+              </a:ext>
+            </a:extLst>
+          </p:cNvPr>
+          <p:cNvSpPr/>
+          <p:nvPr/>
+        </p:nvSpPr>
+        <p:spPr>
+          <a:xfrm>
+            <a:off x="5485960" y="1963393"/>
+            <a:ext cx="1423280" cy="977071"/>
+          </a:xfrm>
+          <a:prstGeom prst="roundRect">
+            <a:avLst/>
+          </a:prstGeom>
+          <a:solidFill>
+            <a:schemeClr val="bg1"/>
+          </a:solidFill>
+          <a:ln>
+            <a:solidFill>
+              <a:schemeClr val="tx1"/>
+            </a:solidFill>
+          </a:ln>
+        </p:spPr>
+        <p:style>
+          <a:lnRef idx="2">
+            <a:schemeClr val="accent1">
+              <a:shade val="50000"/>
+            </a:schemeClr>
+          </a:lnRef>
+          <a:fillRef idx="1">
+            <a:schemeClr val="accent1"/>
+          </a:fillRef>
+          <a:effectRef idx="0">
+            <a:schemeClr val="accent1"/>
+          </a:effectRef>
+          <a:fontRef idx="minor">
+            <a:schemeClr val="lt1"/>
+          </a:fontRef>
+        </p:style>
+        <p:txBody>
+          <a:bodyPr rtlCol="0" anchor="ctr"/>
+          <a:lstStyle/>
+          <a:p>
+            <a:pPr algn="ctr"/>
+            <a:r>
+              <a:rPr lang="en-US" sz="1000" dirty="0">
+                <a:solidFill>
+                  <a:schemeClr val="tx1"/>
+                </a:solidFill>
+                <a:latin typeface="Poppins" panose="00000500000000000000" pitchFamily="2" charset="0"/>
+                <a:cs typeface="Poppins" panose="00000500000000000000" pitchFamily="2" charset="0"/>
+              </a:rPr>
+              <a:t>browser</a:t>
+            </a:r>
+          </a:p>
+        </p:txBody>
+      </p:sp>
+      <p:cxnSp>
+        <p:nvCxnSpPr>
+          <p:cNvPr id="4" name="Straight Connector 3">
+            <a:extLst>
+              <a:ext uri="{FF2B5EF4-FFF2-40B4-BE49-F238E27FC236}">
+                <a16:creationId xmlns:a16="http://schemas.microsoft.com/office/drawing/2014/main" id="{93CBCD97-106F-45D8-8502-734AB44735B9}"/>
+              </a:ext>
+            </a:extLst>
+          </p:cNvPr>
+          <p:cNvCxnSpPr>
+            <a:cxnSpLocks/>
+            <a:stCxn id="2" idx="3"/>
+            <a:endCxn id="3" idx="1"/>
+          </p:cNvCxnSpPr>
+          <p:nvPr/>
+        </p:nvCxnSpPr>
+        <p:spPr>
+          <a:xfrm>
+            <a:off x="4737269" y="2451929"/>
+            <a:ext cx="748691" cy="0"/>
+          </a:xfrm>
+          <a:prstGeom prst="line">
+            <a:avLst/>
+          </a:prstGeom>
+        </p:spPr>
+        <p:style>
+          <a:lnRef idx="1">
+            <a:schemeClr val="dk1"/>
+          </a:lnRef>
+          <a:fillRef idx="0">
+            <a:schemeClr val="dk1"/>
+          </a:fillRef>
+          <a:effectRef idx="0">
+            <a:schemeClr val="dk1"/>
+          </a:effectRef>
+          <a:fontRef idx="minor">
+            <a:schemeClr val="tx1"/>
+          </a:fontRef>
+        </p:style>
+      </p:cxnSp>
+      <p:sp>
+        <p:nvSpPr>
+          <p:cNvPr id="11" name="Rectangle: Rounded Corners 10">
+            <a:extLst>
+              <a:ext uri="{FF2B5EF4-FFF2-40B4-BE49-F238E27FC236}">
+                <a16:creationId xmlns:a16="http://schemas.microsoft.com/office/drawing/2014/main" id="{36DBD6F7-5CC6-4287-924E-F8B98F88FC06}"/>
+              </a:ext>
+            </a:extLst>
+          </p:cNvPr>
+          <p:cNvSpPr/>
+          <p:nvPr/>
+        </p:nvSpPr>
+        <p:spPr>
+          <a:xfrm>
+            <a:off x="3313989" y="3429000"/>
+            <a:ext cx="1423280" cy="977071"/>
+          </a:xfrm>
+          <a:prstGeom prst="roundRect">
+            <a:avLst/>
+          </a:prstGeom>
+          <a:solidFill>
+            <a:schemeClr val="bg1"/>
+          </a:solidFill>
+          <a:ln>
+            <a:solidFill>
+              <a:schemeClr val="tx1"/>
+            </a:solidFill>
+          </a:ln>
+        </p:spPr>
+        <p:style>
+          <a:lnRef idx="2">
+            <a:schemeClr val="accent1">
+              <a:shade val="50000"/>
+            </a:schemeClr>
+          </a:lnRef>
+          <a:fillRef idx="1">
+            <a:schemeClr val="accent1"/>
+          </a:fillRef>
+          <a:effectRef idx="0">
+            <a:schemeClr val="accent1"/>
+          </a:effectRef>
+          <a:fontRef idx="minor">
+            <a:schemeClr val="lt1"/>
+          </a:fontRef>
+        </p:style>
+        <p:txBody>
+          <a:bodyPr rtlCol="0" anchor="ctr"/>
+          <a:lstStyle/>
+          <a:p>
+            <a:pPr algn="ctr"/>
+            <a:r>
+              <a:rPr lang="en-US" sz="1000" dirty="0" err="1">
+                <a:solidFill>
+                  <a:schemeClr val="tx1"/>
+                </a:solidFill>
+                <a:latin typeface="Poppins" panose="00000500000000000000" pitchFamily="2" charset="0"/>
+                <a:cs typeface="Poppins" panose="00000500000000000000" pitchFamily="2" charset="0"/>
+              </a:rPr>
+              <a:t>nodejs</a:t>
+            </a:r>
+            <a:endParaRPr lang="en-US" sz="1000" dirty="0">
+              <a:solidFill>
+                <a:schemeClr val="tx1"/>
+              </a:solidFill>
+              <a:latin typeface="Poppins" panose="00000500000000000000" pitchFamily="2" charset="0"/>
+              <a:cs typeface="Poppins" panose="00000500000000000000" pitchFamily="2" charset="0"/>
+            </a:endParaRPr>
+          </a:p>
+        </p:txBody>
+      </p:sp>
+      <p:sp>
+        <p:nvSpPr>
+          <p:cNvPr id="12" name="Rectangle: Rounded Corners 11">
+            <a:extLst>
+              <a:ext uri="{FF2B5EF4-FFF2-40B4-BE49-F238E27FC236}">
+                <a16:creationId xmlns:a16="http://schemas.microsoft.com/office/drawing/2014/main" id="{71D43B9F-E2DD-40DD-A5DB-E4CF8F26EDAF}"/>
+              </a:ext>
+            </a:extLst>
+          </p:cNvPr>
+          <p:cNvSpPr/>
+          <p:nvPr/>
+        </p:nvSpPr>
+        <p:spPr>
+          <a:xfrm>
+            <a:off x="5485960" y="3429000"/>
+            <a:ext cx="1423280" cy="977071"/>
+          </a:xfrm>
+          <a:prstGeom prst="roundRect">
+            <a:avLst/>
+          </a:prstGeom>
+          <a:solidFill>
+            <a:schemeClr val="bg1"/>
+          </a:solidFill>
+          <a:ln>
+            <a:solidFill>
+              <a:schemeClr val="tx1"/>
+            </a:solidFill>
+          </a:ln>
+        </p:spPr>
+        <p:style>
+          <a:lnRef idx="2">
+            <a:schemeClr val="accent1">
+              <a:shade val="50000"/>
+            </a:schemeClr>
+          </a:lnRef>
+          <a:fillRef idx="1">
+            <a:schemeClr val="accent1"/>
+          </a:fillRef>
+          <a:effectRef idx="0">
+            <a:schemeClr val="accent1"/>
+          </a:effectRef>
+          <a:fontRef idx="minor">
+            <a:schemeClr val="lt1"/>
+          </a:fontRef>
+        </p:style>
+        <p:txBody>
+          <a:bodyPr rtlCol="0" anchor="ctr"/>
+          <a:lstStyle/>
+          <a:p>
+            <a:pPr algn="ctr"/>
+            <a:r>
+              <a:rPr lang="en-US" sz="1000" dirty="0">
+                <a:solidFill>
+                  <a:schemeClr val="tx1"/>
+                </a:solidFill>
+                <a:latin typeface="Poppins" panose="00000500000000000000" pitchFamily="2" charset="0"/>
+                <a:cs typeface="Poppins" panose="00000500000000000000" pitchFamily="2" charset="0"/>
+              </a:rPr>
+              <a:t>Operating system</a:t>
+            </a:r>
+          </a:p>
+        </p:txBody>
+      </p:sp>
+      <p:cxnSp>
+        <p:nvCxnSpPr>
+          <p:cNvPr id="13" name="Straight Connector 12">
+            <a:extLst>
+              <a:ext uri="{FF2B5EF4-FFF2-40B4-BE49-F238E27FC236}">
+                <a16:creationId xmlns:a16="http://schemas.microsoft.com/office/drawing/2014/main" id="{97D61C95-860F-4E9D-9C9B-53953D5FF2F2}"/>
+              </a:ext>
+            </a:extLst>
+          </p:cNvPr>
+          <p:cNvCxnSpPr>
+            <a:cxnSpLocks/>
+            <a:stCxn id="11" idx="3"/>
+            <a:endCxn id="12" idx="1"/>
+          </p:cNvCxnSpPr>
+          <p:nvPr/>
+        </p:nvCxnSpPr>
+        <p:spPr>
+          <a:xfrm>
+            <a:off x="4737269" y="3917536"/>
+            <a:ext cx="748691" cy="0"/>
+          </a:xfrm>
+          <a:prstGeom prst="line">
+            <a:avLst/>
+          </a:prstGeom>
+        </p:spPr>
+        <p:style>
+          <a:lnRef idx="1">
+            <a:schemeClr val="dk1"/>
+          </a:lnRef>
+          <a:fillRef idx="0">
+            <a:schemeClr val="dk1"/>
+          </a:fillRef>
+          <a:effectRef idx="0">
+            <a:schemeClr val="dk1"/>
+          </a:effectRef>
+          <a:fontRef idx="minor">
+            <a:schemeClr val="tx1"/>
+          </a:fontRef>
+        </p:style>
+      </p:cxnSp>
+      <p:cxnSp>
+        <p:nvCxnSpPr>
+          <p:cNvPr id="15" name="Straight Connector 14">
+            <a:extLst>
+              <a:ext uri="{FF2B5EF4-FFF2-40B4-BE49-F238E27FC236}">
+                <a16:creationId xmlns:a16="http://schemas.microsoft.com/office/drawing/2014/main" id="{716B5FFB-CB6A-44FE-A905-F06C9DA22748}"/>
+              </a:ext>
+            </a:extLst>
+          </p:cNvPr>
+          <p:cNvCxnSpPr>
+            <a:cxnSpLocks/>
+            <a:stCxn id="3" idx="3"/>
+          </p:cNvCxnSpPr>
+          <p:nvPr/>
+        </p:nvCxnSpPr>
+        <p:spPr>
+          <a:xfrm>
+            <a:off x="6909240" y="2451929"/>
+            <a:ext cx="753092" cy="0"/>
+          </a:xfrm>
+          <a:prstGeom prst="line">
+            <a:avLst/>
+          </a:prstGeom>
+        </p:spPr>
+        <p:style>
+          <a:lnRef idx="1">
+            <a:schemeClr val="dk1"/>
+          </a:lnRef>
+          <a:fillRef idx="0">
+            <a:schemeClr val="dk1"/>
+          </a:fillRef>
+          <a:effectRef idx="0">
+            <a:schemeClr val="dk1"/>
+          </a:effectRef>
+          <a:fontRef idx="minor">
+            <a:schemeClr val="tx1"/>
+          </a:fontRef>
+        </p:style>
+      </p:cxnSp>
+      <p:sp>
+        <p:nvSpPr>
+          <p:cNvPr id="21" name="Rectangle: Rounded Corners 20">
+            <a:extLst>
+              <a:ext uri="{FF2B5EF4-FFF2-40B4-BE49-F238E27FC236}">
+                <a16:creationId xmlns:a16="http://schemas.microsoft.com/office/drawing/2014/main" id="{DE2A5ACC-B483-4D4E-865C-E8C4F9342BE7}"/>
+              </a:ext>
+            </a:extLst>
+          </p:cNvPr>
+          <p:cNvSpPr/>
+          <p:nvPr/>
+        </p:nvSpPr>
+        <p:spPr>
+          <a:xfrm>
+            <a:off x="7662332" y="1943596"/>
+            <a:ext cx="1423280" cy="977071"/>
+          </a:xfrm>
+          <a:prstGeom prst="roundRect">
+            <a:avLst/>
+          </a:prstGeom>
+          <a:solidFill>
+            <a:schemeClr val="bg1"/>
+          </a:solidFill>
+          <a:ln>
+            <a:solidFill>
+              <a:schemeClr val="tx1"/>
+            </a:solidFill>
+          </a:ln>
+        </p:spPr>
+        <p:style>
+          <a:lnRef idx="2">
+            <a:schemeClr val="accent1">
+              <a:shade val="50000"/>
+            </a:schemeClr>
+          </a:lnRef>
+          <a:fillRef idx="1">
+            <a:schemeClr val="accent1"/>
+          </a:fillRef>
+          <a:effectRef idx="0">
+            <a:schemeClr val="accent1"/>
+          </a:effectRef>
+          <a:fontRef idx="minor">
+            <a:schemeClr val="lt1"/>
+          </a:fontRef>
+        </p:style>
+        <p:txBody>
+          <a:bodyPr rtlCol="0" anchor="ctr"/>
+          <a:lstStyle/>
+          <a:p>
+            <a:pPr algn="ctr"/>
+            <a:r>
+              <a:rPr lang="en-US" sz="1000" dirty="0">
+                <a:solidFill>
+                  <a:schemeClr val="tx1"/>
+                </a:solidFill>
+                <a:latin typeface="Poppins" panose="00000500000000000000" pitchFamily="2" charset="0"/>
+                <a:cs typeface="Poppins" panose="00000500000000000000" pitchFamily="2" charset="0"/>
+              </a:rPr>
+              <a:t>Operating system</a:t>
+            </a:r>
+          </a:p>
+        </p:txBody>
+      </p:sp>
+    </p:spTree>
+    <p:extLst>
+      <p:ext uri="{BB962C8B-B14F-4D97-AF65-F5344CB8AC3E}">
+        <p14:creationId xmlns:p14="http://schemas.microsoft.com/office/powerpoint/2010/main" val="3152919781"/>
+      </p:ext>
+    </p:extLst>
+  </p:cSld>
+  <p:clrMapOvr>
+    <a:masterClrMapping/>
+  </p:clrMapOvr>
+</p:sld>
+</file>
+
+<file path=ppt/slides/slide3.xml><?xml version="1.0" encoding="utf-8"?>
+<p:sld xmlns:a="http://schemas.openxmlformats.org/drawingml/2006/main" xmlns:r="http://schemas.openxmlformats.org/officeDocument/2006/relationships" xmlns:p="http://schemas.openxmlformats.org/presentationml/2006/main">
+  <p:cSld>
+    <p:spTree>
+      <p:nvGrpSpPr>
+        <p:cNvPr id="1" name=""/>
+        <p:cNvGrpSpPr/>
+        <p:nvPr/>
+      </p:nvGrpSpPr>
+      <p:grpSpPr>
+        <a:xfrm>
+          <a:off x="0" y="0"/>
+          <a:ext cx="0" cy="0"/>
+          <a:chOff x="0" y="0"/>
+          <a:chExt cx="0" cy="0"/>
+        </a:xfrm>
+      </p:grpSpPr>
       <p:pic>
         <p:nvPicPr>
           <p:cNvPr id="6" name="Picture 5">
@@ -3699,7 +4178,7 @@
 </p:sld>
 </file>
 
-<file path=ppt/slides/slide3.xml><?xml version="1.0" encoding="utf-8"?>
+<file path=ppt/slides/slide4.xml><?xml version="1.0" encoding="utf-8"?>
 <p:sld xmlns:a="http://schemas.openxmlformats.org/drawingml/2006/main" xmlns:r="http://schemas.openxmlformats.org/officeDocument/2006/relationships" xmlns:p="http://schemas.openxmlformats.org/presentationml/2006/main">
   <p:cSld>
     <p:spTree>
@@ -3880,7 +4359,7 @@
 </p:sld>
 </file>
 
-<file path=ppt/slides/slide4.xml><?xml version="1.0" encoding="utf-8"?>
+<file path=ppt/slides/slide5.xml><?xml version="1.0" encoding="utf-8"?>
 <p:sld xmlns:a="http://schemas.openxmlformats.org/drawingml/2006/main" xmlns:r="http://schemas.openxmlformats.org/officeDocument/2006/relationships" xmlns:p="http://schemas.openxmlformats.org/presentationml/2006/main">
   <p:cSld>
     <p:spTree>
@@ -4492,7 +4971,7 @@
 </p:sld>
 </file>
 
-<file path=ppt/slides/slide5.xml><?xml version="1.0" encoding="utf-8"?>
+<file path=ppt/slides/slide6.xml><?xml version="1.0" encoding="utf-8"?>
 <p:sld xmlns:a="http://schemas.openxmlformats.org/drawingml/2006/main" xmlns:r="http://schemas.openxmlformats.org/officeDocument/2006/relationships" xmlns:p="http://schemas.openxmlformats.org/presentationml/2006/main">
   <p:cSld>
     <p:spTree>
@@ -5651,7 +6130,7 @@
 </p:sld>
 </file>
 
-<file path=ppt/slides/slide6.xml><?xml version="1.0" encoding="utf-8"?>
+<file path=ppt/slides/slide7.xml><?xml version="1.0" encoding="utf-8"?>
 <p:sld xmlns:a="http://schemas.openxmlformats.org/drawingml/2006/main" xmlns:r="http://schemas.openxmlformats.org/officeDocument/2006/relationships" xmlns:p="http://schemas.openxmlformats.org/presentationml/2006/main">
   <p:cSld>
     <p:spTree>
@@ -7064,7 +7543,7 @@
 </p:sld>
 </file>
 
-<file path=ppt/slides/slide7.xml><?xml version="1.0" encoding="utf-8"?>
+<file path=ppt/slides/slide8.xml><?xml version="1.0" encoding="utf-8"?>
 <p:sld xmlns:a="http://schemas.openxmlformats.org/drawingml/2006/main" xmlns:r="http://schemas.openxmlformats.org/officeDocument/2006/relationships" xmlns:p="http://schemas.openxmlformats.org/presentationml/2006/main">
   <p:cSld>
     <p:spTree>
@@ -7497,7 +7976,7 @@
 </p:sld>
 </file>
 
-<file path=ppt/slides/slide8.xml><?xml version="1.0" encoding="utf-8"?>
+<file path=ppt/slides/slide9.xml><?xml version="1.0" encoding="utf-8"?>
 <p:sld xmlns:a="http://schemas.openxmlformats.org/drawingml/2006/main" xmlns:r="http://schemas.openxmlformats.org/officeDocument/2006/relationships" xmlns:p="http://schemas.openxmlformats.org/presentationml/2006/main">
   <p:cSld>
     <p:spTree>
